--- a/presentations/domain-driven design.pptx
+++ b/presentations/domain-driven design.pptx
@@ -5,55 +5,60 @@
     <p:sldMasterId id="2147483660" r:id="rId1"/>
   </p:sldMasterIdLst>
   <p:notesMasterIdLst>
-    <p:notesMasterId r:id="rId26"/>
+    <p:notesMasterId r:id="rId31"/>
   </p:notesMasterIdLst>
   <p:sldIdLst>
     <p:sldId id="256" r:id="rId2"/>
     <p:sldId id="323" r:id="rId3"/>
     <p:sldId id="298" r:id="rId4"/>
-    <p:sldId id="326" r:id="rId5"/>
-    <p:sldId id="263" r:id="rId6"/>
-    <p:sldId id="328" r:id="rId7"/>
-    <p:sldId id="329" r:id="rId8"/>
-    <p:sldId id="330" r:id="rId9"/>
-    <p:sldId id="331" r:id="rId10"/>
-    <p:sldId id="332" r:id="rId11"/>
-    <p:sldId id="333" r:id="rId12"/>
-    <p:sldId id="334" r:id="rId13"/>
-    <p:sldId id="335" r:id="rId14"/>
-    <p:sldId id="336" r:id="rId15"/>
-    <p:sldId id="337" r:id="rId16"/>
-    <p:sldId id="338" r:id="rId17"/>
-    <p:sldId id="339" r:id="rId18"/>
-    <p:sldId id="340" r:id="rId19"/>
-    <p:sldId id="341" r:id="rId20"/>
-    <p:sldId id="321" r:id="rId21"/>
-    <p:sldId id="279" r:id="rId22"/>
-    <p:sldId id="315" r:id="rId23"/>
-    <p:sldId id="267" r:id="rId24"/>
-    <p:sldId id="288" r:id="rId25"/>
+    <p:sldId id="345" r:id="rId5"/>
+    <p:sldId id="344" r:id="rId6"/>
+    <p:sldId id="343" r:id="rId7"/>
+    <p:sldId id="279" r:id="rId8"/>
+    <p:sldId id="263" r:id="rId9"/>
+    <p:sldId id="347" r:id="rId10"/>
+    <p:sldId id="348" r:id="rId11"/>
+    <p:sldId id="349" r:id="rId12"/>
+    <p:sldId id="326" r:id="rId13"/>
+    <p:sldId id="346" r:id="rId14"/>
+    <p:sldId id="267" r:id="rId15"/>
+    <p:sldId id="328" r:id="rId16"/>
+    <p:sldId id="329" r:id="rId17"/>
+    <p:sldId id="330" r:id="rId18"/>
+    <p:sldId id="331" r:id="rId19"/>
+    <p:sldId id="332" r:id="rId20"/>
+    <p:sldId id="333" r:id="rId21"/>
+    <p:sldId id="315" r:id="rId22"/>
+    <p:sldId id="334" r:id="rId23"/>
+    <p:sldId id="335" r:id="rId24"/>
+    <p:sldId id="336" r:id="rId25"/>
+    <p:sldId id="337" r:id="rId26"/>
+    <p:sldId id="338" r:id="rId27"/>
+    <p:sldId id="339" r:id="rId28"/>
+    <p:sldId id="340" r:id="rId29"/>
+    <p:sldId id="341" r:id="rId30"/>
   </p:sldIdLst>
   <p:sldSz cx="12192000" cy="6858000"/>
   <p:notesSz cx="6858000" cy="9144000"/>
   <p:embeddedFontLst>
     <p:embeddedFont>
       <p:font typeface="Consolas" panose="020B0609020204030204" pitchFamily="49" charset="0"/>
-      <p:regular r:id="rId27"/>
-      <p:bold r:id="rId28"/>
-      <p:italic r:id="rId29"/>
-      <p:boldItalic r:id="rId30"/>
+      <p:regular r:id="rId32"/>
+      <p:bold r:id="rId33"/>
+      <p:italic r:id="rId34"/>
+      <p:boldItalic r:id="rId35"/>
     </p:embeddedFont>
     <p:embeddedFont>
       <p:font typeface="Calibri" panose="020F0502020204030204" pitchFamily="34" charset="0"/>
-      <p:regular r:id="rId31"/>
-      <p:bold r:id="rId32"/>
-      <p:italic r:id="rId33"/>
-      <p:boldItalic r:id="rId34"/>
+      <p:regular r:id="rId36"/>
+      <p:bold r:id="rId37"/>
+      <p:italic r:id="rId38"/>
+      <p:boldItalic r:id="rId39"/>
     </p:embeddedFont>
     <p:embeddedFont>
       <p:font typeface="Franklin Gothic Book" panose="020B0604020202020204" charset="0"/>
-      <p:regular r:id="rId35"/>
-      <p:italic r:id="rId36"/>
+      <p:regular r:id="rId40"/>
+      <p:italic r:id="rId41"/>
     </p:embeddedFont>
   </p:embeddedFontLst>
   <p:defaultTextStyle>
@@ -241,7 +246,7 @@
           <a:p>
             <a:fld id="{40C9EC12-D619-4239-BA0B-F64B757C48A8}" type="datetimeFigureOut">
               <a:rPr lang="bg-BG" smtClean="0"/>
-              <a:t>5.11.2017 г.</a:t>
+              <a:t>10.11.2017 г.</a:t>
             </a:fld>
             <a:endParaRPr lang="bg-BG"/>
           </a:p>
@@ -679,7 +684,7 @@
             <a:fld id="{87DE6118-2437-4B30-8E3C-4D2BE6020583}" type="datetimeFigureOut">
               <a:rPr lang="en-US" smtClean="0"/>
               <a:pPr/>
-              <a:t>11/5/2017</a:t>
+              <a:t>11/10/2017</a:t>
             </a:fld>
             <a:endParaRPr lang="en-US" dirty="0"/>
           </a:p>
@@ -1160,7 +1165,7 @@
             <a:fld id="{87DE6118-2437-4B30-8E3C-4D2BE6020583}" type="datetimeFigureOut">
               <a:rPr lang="en-US" smtClean="0"/>
               <a:pPr/>
-              <a:t>11/5/2017</a:t>
+              <a:t>11/10/2017</a:t>
             </a:fld>
             <a:endParaRPr lang="en-US" dirty="0"/>
           </a:p>
@@ -1400,7 +1405,7 @@
           <a:p>
             <a:fld id="{87DE6118-2437-4B30-8E3C-4D2BE6020583}" type="datetimeFigureOut">
               <a:rPr lang="en-US" smtClean="0"/>
-              <a:t>11/5/2017</a:t>
+              <a:t>11/10/2017</a:t>
             </a:fld>
             <a:endParaRPr lang="en-US" dirty="0"/>
           </a:p>
@@ -1580,7 +1585,7 @@
           <a:p>
             <a:fld id="{87DE6118-2437-4B30-8E3C-4D2BE6020583}" type="datetimeFigureOut">
               <a:rPr lang="en-US" smtClean="0"/>
-              <a:t>11/5/2017</a:t>
+              <a:t>11/10/2017</a:t>
             </a:fld>
             <a:endParaRPr lang="en-US" dirty="0"/>
           </a:p>
@@ -1750,7 +1755,7 @@
           <a:p>
             <a:fld id="{87DE6118-2437-4B30-8E3C-4D2BE6020583}" type="datetimeFigureOut">
               <a:rPr lang="en-US" smtClean="0"/>
-              <a:t>11/5/2017</a:t>
+              <a:t>11/10/2017</a:t>
             </a:fld>
             <a:endParaRPr lang="en-US" dirty="0"/>
           </a:p>
@@ -1928,7 +1933,7 @@
             <a:fld id="{87DE6118-2437-4B30-8E3C-4D2BE6020583}" type="datetimeFigureOut">
               <a:rPr lang="en-US" smtClean="0"/>
               <a:pPr/>
-              <a:t>11/5/2017</a:t>
+              <a:t>11/10/2017</a:t>
             </a:fld>
             <a:endParaRPr lang="en-US" dirty="0"/>
           </a:p>
@@ -2259,7 +2264,7 @@
             <a:fld id="{87DE6118-2437-4B30-8E3C-4D2BE6020583}" type="datetimeFigureOut">
               <a:rPr lang="en-US" smtClean="0"/>
               <a:pPr/>
-              <a:t>11/5/2017</a:t>
+              <a:t>11/10/2017</a:t>
             </a:fld>
             <a:endParaRPr lang="en-US" dirty="0"/>
           </a:p>
@@ -2654,7 +2659,7 @@
           <a:p>
             <a:fld id="{87DE6118-2437-4B30-8E3C-4D2BE6020583}" type="datetimeFigureOut">
               <a:rPr lang="en-US" smtClean="0"/>
-              <a:t>11/5/2017</a:t>
+              <a:t>11/10/2017</a:t>
             </a:fld>
             <a:endParaRPr lang="en-US" dirty="0"/>
           </a:p>
@@ -3131,7 +3136,7 @@
           <a:p>
             <a:fld id="{87DE6118-2437-4B30-8E3C-4D2BE6020583}" type="datetimeFigureOut">
               <a:rPr lang="en-US" smtClean="0"/>
-              <a:t>11/5/2017</a:t>
+              <a:t>11/10/2017</a:t>
             </a:fld>
             <a:endParaRPr lang="en-US" dirty="0"/>
           </a:p>
@@ -3249,7 +3254,7 @@
           <a:p>
             <a:fld id="{87DE6118-2437-4B30-8E3C-4D2BE6020583}" type="datetimeFigureOut">
               <a:rPr lang="en-US" smtClean="0"/>
-              <a:t>11/5/2017</a:t>
+              <a:t>11/10/2017</a:t>
             </a:fld>
             <a:endParaRPr lang="en-US" dirty="0"/>
           </a:p>
@@ -3344,7 +3349,7 @@
           <a:p>
             <a:fld id="{87DE6118-2437-4B30-8E3C-4D2BE6020583}" type="datetimeFigureOut">
               <a:rPr lang="en-US" smtClean="0"/>
-              <a:t>11/5/2017</a:t>
+              <a:t>11/10/2017</a:t>
             </a:fld>
             <a:endParaRPr lang="en-US" dirty="0"/>
           </a:p>
@@ -3691,7 +3696,7 @@
             <a:fld id="{87DE6118-2437-4B30-8E3C-4D2BE6020583}" type="datetimeFigureOut">
               <a:rPr lang="en-US" smtClean="0"/>
               <a:pPr/>
-              <a:t>11/5/2017</a:t>
+              <a:t>11/10/2017</a:t>
             </a:fld>
             <a:endParaRPr lang="en-US" dirty="0"/>
           </a:p>
@@ -3971,7 +3976,7 @@
             <a:fld id="{87DE6118-2437-4B30-8E3C-4D2BE6020583}" type="datetimeFigureOut">
               <a:rPr lang="en-US" smtClean="0"/>
               <a:pPr/>
-              <a:t>11/5/2017</a:t>
+              <a:t>11/10/2017</a:t>
             </a:fld>
             <a:endParaRPr lang="en-US" dirty="0"/>
           </a:p>
@@ -4690,7 +4695,7 @@
                   <a:schemeClr val="bg1"/>
                 </a:solidFill>
               </a:rPr>
-              <a:t>Repositories</a:t>
+              <a:t>Ubiquitous Language</a:t>
             </a:r>
             <a:endParaRPr lang="bg-BG" b="1" u="sng" dirty="0">
               <a:solidFill>
@@ -4712,13 +4717,13 @@
         </p:nvSpPr>
         <p:spPr>
           <a:xfrm>
-            <a:off x="1371600" y="1684421"/>
-            <a:ext cx="8674768" cy="5173580"/>
+            <a:off x="1371600" y="2286000"/>
+            <a:ext cx="8674768" cy="3581400"/>
           </a:xfrm>
         </p:spPr>
         <p:txBody>
           <a:bodyPr>
-            <a:normAutofit lnSpcReduction="10000"/>
+            <a:normAutofit/>
           </a:bodyPr>
           <a:lstStyle/>
           <a:p>
@@ -4728,7 +4733,15 @@
                   <a:schemeClr val="bg1"/>
                 </a:solidFill>
               </a:rPr>
-              <a:t>Not be confused with common version control repositories, the DDD meaning of a repository is a service that uses a global interface to provide access to all entities and value objects that are within a particular aggregate collection. Methods should be defined to allow for creation, modification, and deletion of objects within the aggregate. However, by using this repository service to make data queries, the goal is to remove such data query capabilities from within the business logic of object models.</a:t>
+              <a:t>A language structured around the domain model and used by all team members to connect all the activities of the team with the </a:t>
+            </a:r>
+            <a:r>
+              <a:rPr lang="en-US" sz="3200" dirty="0" smtClean="0">
+                <a:solidFill>
+                  <a:schemeClr val="bg1"/>
+                </a:solidFill>
+              </a:rPr>
+              <a:t>software.</a:t>
             </a:r>
             <a:endParaRPr lang="en-US" sz="3200" dirty="0">
               <a:solidFill>
@@ -4741,7 +4754,7 @@
     </p:spTree>
     <p:extLst>
       <p:ext uri="{BB962C8B-B14F-4D97-AF65-F5344CB8AC3E}">
-        <p14:creationId xmlns:p14="http://schemas.microsoft.com/office/powerpoint/2010/main" val="2265497143"/>
+        <p14:creationId xmlns:p14="http://schemas.microsoft.com/office/powerpoint/2010/main" val="286316629"/>
       </p:ext>
     </p:extLst>
   </p:cSld>
@@ -4799,12 +4812,12 @@
           <a:lstStyle/>
           <a:p>
             <a:r>
-              <a:rPr lang="en-US" b="1" u="sng" dirty="0" smtClean="0">
+              <a:rPr lang="en-US" b="1" u="sng" dirty="0">
                 <a:solidFill>
                   <a:schemeClr val="bg1"/>
                 </a:solidFill>
               </a:rPr>
-              <a:t>Factories</a:t>
+              <a:t>Bounded Context</a:t>
             </a:r>
             <a:endParaRPr lang="bg-BG" b="1" u="sng" dirty="0">
               <a:solidFill>
@@ -4842,20 +4855,15 @@
                   <a:schemeClr val="bg1"/>
                 </a:solidFill>
               </a:rPr>
-              <a:t>As we’ve discussed through a number of design patterns articles already, DDD suggests the use of a factory, which encapsulates the logic of creating complex objects and aggregates, ensuring that the client has no knowledge of the inner-workings of object manipulation.</a:t>
-            </a:r>
-            <a:endParaRPr lang="en-US" sz="3200" dirty="0">
-              <a:solidFill>
-                <a:schemeClr val="bg1"/>
-              </a:solidFill>
-            </a:endParaRPr>
+              <a:t>A description of a boundary (typically a subsystem, or the work of a specific team) within which a particular model is defined and applicable.</a:t>
+            </a:r>
           </a:p>
         </p:txBody>
       </p:sp>
     </p:spTree>
     <p:extLst>
       <p:ext uri="{BB962C8B-B14F-4D97-AF65-F5344CB8AC3E}">
-        <p14:creationId xmlns:p14="http://schemas.microsoft.com/office/powerpoint/2010/main" val="3571187264"/>
+        <p14:creationId xmlns:p14="http://schemas.microsoft.com/office/powerpoint/2010/main" val="2415579369"/>
       </p:ext>
     </p:extLst>
   </p:cSld>
@@ -4927,15 +4935,7 @@
                   <a:srgbClr val="0070C0"/>
                 </a:solidFill>
               </a:rPr>
-              <a:t>Advantages of DDD</a:t>
-            </a:r>
-            <a:r>
-              <a:rPr lang="en-US" u="sng" dirty="0" smtClean="0">
-                <a:solidFill>
-                  <a:srgbClr val="0070C0"/>
-                </a:solidFill>
-              </a:rPr>
-              <a:t>:</a:t>
+              <a:t>Building blocks:</a:t>
             </a:r>
             <a:endParaRPr lang="en-US" sz="3600" dirty="0">
               <a:solidFill>
@@ -4957,45 +4957,40 @@
         </p:nvSpPr>
         <p:spPr>
           <a:xfrm>
-            <a:off x="1371600" y="2743200"/>
-            <a:ext cx="9601200" cy="3769896"/>
+            <a:off x="1371600" y="2422359"/>
+            <a:ext cx="9601200" cy="4090738"/>
           </a:xfrm>
         </p:spPr>
         <p:txBody>
           <a:bodyPr>
-            <a:normAutofit/>
+            <a:normAutofit lnSpcReduction="10000"/>
           </a:bodyPr>
           <a:lstStyle/>
           <a:p>
             <a:r>
-              <a:rPr lang="en-US" sz="3200" dirty="0">
+              <a:rPr lang="en-US" sz="3200" dirty="0" smtClean="0">
                 <a:solidFill>
                   <a:prstClr val="black"/>
                 </a:solidFill>
                 <a:ea typeface="+mj-ea"/>
                 <a:cs typeface="+mj-cs"/>
               </a:rPr>
-              <a:t>Eases Communication</a:t>
-            </a:r>
-            <a:endParaRPr lang="en-US" sz="3200" dirty="0" smtClean="0">
-              <a:solidFill>
-                <a:prstClr val="black"/>
-              </a:solidFill>
-              <a:ea typeface="+mj-ea"/>
-              <a:cs typeface="+mj-cs"/>
-            </a:endParaRPr>
-          </a:p>
-          <a:p>
-            <a:r>
-              <a:rPr lang="en-US" sz="3200" dirty="0">
+              <a:t>Entity</a:t>
+            </a:r>
+          </a:p>
+          <a:p>
+            <a:r>
+              <a:rPr lang="en-US" sz="3200" dirty="0" smtClean="0">
                 <a:solidFill>
                   <a:prstClr val="black"/>
                 </a:solidFill>
                 <a:ea typeface="+mj-ea"/>
                 <a:cs typeface="+mj-cs"/>
               </a:rPr>
-              <a:t>Improves </a:t>
-            </a:r>
+              <a:t>Value Object</a:t>
+            </a:r>
+          </a:p>
+          <a:p>
             <a:r>
               <a:rPr lang="en-US" sz="3200" dirty="0" smtClean="0">
                 <a:solidFill>
@@ -5004,34 +4999,64 @@
                 <a:ea typeface="+mj-ea"/>
                 <a:cs typeface="+mj-cs"/>
               </a:rPr>
-              <a:t>Flexibility</a:t>
-            </a:r>
-          </a:p>
-          <a:p>
-            <a:r>
-              <a:rPr lang="en-US" sz="3200" dirty="0">
+              <a:t>Domain Event</a:t>
+            </a:r>
+          </a:p>
+          <a:p>
+            <a:r>
+              <a:rPr lang="en-US" sz="3200" dirty="0" smtClean="0">
                 <a:solidFill>
                   <a:prstClr val="black"/>
                 </a:solidFill>
                 <a:ea typeface="+mj-ea"/>
                 <a:cs typeface="+mj-cs"/>
               </a:rPr>
-              <a:t>Emphasizes Domain Over Interface</a:t>
-            </a:r>
-            <a:endParaRPr lang="en-US" sz="3200" dirty="0">
-              <a:solidFill>
-                <a:prstClr val="black"/>
-              </a:solidFill>
-              <a:ea typeface="+mj-ea"/>
-              <a:cs typeface="+mj-cs"/>
-            </a:endParaRPr>
+              <a:t>Aggregate</a:t>
+            </a:r>
+          </a:p>
+          <a:p>
+            <a:r>
+              <a:rPr lang="en-US" sz="3200" dirty="0" smtClean="0">
+                <a:solidFill>
+                  <a:prstClr val="black"/>
+                </a:solidFill>
+                <a:ea typeface="+mj-ea"/>
+                <a:cs typeface="+mj-cs"/>
+              </a:rPr>
+              <a:t>Service</a:t>
+            </a:r>
+          </a:p>
+          <a:p>
+            <a:r>
+              <a:rPr lang="en-US" sz="3200" dirty="0" smtClean="0">
+                <a:solidFill>
+                  <a:prstClr val="black"/>
+                </a:solidFill>
+                <a:ea typeface="+mj-ea"/>
+                <a:cs typeface="+mj-cs"/>
+              </a:rPr>
+              <a:t>Repositories</a:t>
+            </a:r>
+          </a:p>
+          <a:p>
+            <a:r>
+              <a:rPr lang="en-US" sz="3200" dirty="0" smtClean="0">
+                <a:solidFill>
+                  <a:prstClr val="black"/>
+                </a:solidFill>
+                <a:ea typeface="+mj-ea"/>
+                <a:cs typeface="+mj-cs"/>
+              </a:rPr>
+              <a:t>Factories</a:t>
+            </a:r>
+            <a:endParaRPr lang="en-US" dirty="0"/>
           </a:p>
         </p:txBody>
       </p:sp>
     </p:spTree>
     <p:extLst>
       <p:ext uri="{BB962C8B-B14F-4D97-AF65-F5344CB8AC3E}">
-        <p14:creationId xmlns:p14="http://schemas.microsoft.com/office/powerpoint/2010/main" val="3076682577"/>
+        <p14:creationId xmlns:p14="http://schemas.microsoft.com/office/powerpoint/2010/main" val="1534050435"/>
       </p:ext>
     </p:extLst>
   </p:cSld>
@@ -5089,20 +5114,12 @@
           <a:lstStyle/>
           <a:p>
             <a:r>
-              <a:rPr lang="en-US" b="1" u="sng" dirty="0">
+              <a:rPr lang="en-US" b="1" u="sng" dirty="0" smtClean="0">
                 <a:solidFill>
                   <a:schemeClr val="bg1"/>
                 </a:solidFill>
               </a:rPr>
-              <a:t>Eases </a:t>
-            </a:r>
-            <a:r>
-              <a:rPr lang="en-US" b="1" u="sng" dirty="0" smtClean="0">
-                <a:solidFill>
-                  <a:schemeClr val="bg1"/>
-                </a:solidFill>
-              </a:rPr>
-              <a:t>Communication</a:t>
+              <a:t>Entity</a:t>
             </a:r>
             <a:endParaRPr lang="bg-BG" b="1" u="sng" dirty="0">
               <a:solidFill>
@@ -5124,13 +5141,13 @@
         </p:nvSpPr>
         <p:spPr>
           <a:xfrm>
-            <a:off x="1371600" y="2285999"/>
-            <a:ext cx="8674768" cy="4491789"/>
+            <a:off x="1371600" y="2286000"/>
+            <a:ext cx="8674768" cy="3581400"/>
           </a:xfrm>
         </p:spPr>
         <p:txBody>
           <a:bodyPr>
-            <a:normAutofit lnSpcReduction="10000"/>
+            <a:normAutofit/>
           </a:bodyPr>
           <a:lstStyle/>
           <a:p>
@@ -5140,20 +5157,15 @@
                   <a:schemeClr val="bg1"/>
                 </a:solidFill>
               </a:rPr>
-              <a:t>With an early emphasis on establishing a common and ubiquitous language related to the domain model of the project, teams will often find communication throughout the entire development life cycle to be much easier. Typically, DDD will require less technical jargon when discussing aspects of the application, since the ubiquitous language established early on will likely define simpler terms to refer to those more technical aspects.</a:t>
-            </a:r>
-            <a:endParaRPr lang="en-US" sz="3200" dirty="0">
-              <a:solidFill>
-                <a:schemeClr val="bg1"/>
-              </a:solidFill>
-            </a:endParaRPr>
+              <a:t>An object that is identified by its consistent thread of continuity, as opposed to traditional objects, which are defined by their attributes.</a:t>
+            </a:r>
           </a:p>
         </p:txBody>
       </p:sp>
     </p:spTree>
     <p:extLst>
       <p:ext uri="{BB962C8B-B14F-4D97-AF65-F5344CB8AC3E}">
-        <p14:creationId xmlns:p14="http://schemas.microsoft.com/office/powerpoint/2010/main" val="3328177031"/>
+        <p14:creationId xmlns:p14="http://schemas.microsoft.com/office/powerpoint/2010/main" val="2871480842"/>
       </p:ext>
     </p:extLst>
   </p:cSld>
@@ -5173,14 +5185,6 @@
 <file path=ppt/slides/slide14.xml><?xml version="1.0" encoding="utf-8"?>
 <p:sld xmlns:a="http://schemas.openxmlformats.org/drawingml/2006/main" xmlns:r="http://schemas.openxmlformats.org/officeDocument/2006/relationships" xmlns:p="http://schemas.openxmlformats.org/presentationml/2006/main">
   <p:cSld>
-    <p:bg>
-      <p:bgPr>
-        <a:solidFill>
-          <a:srgbClr val="0070C0"/>
-        </a:solidFill>
-        <a:effectLst/>
-      </p:bgPr>
-    </p:bg>
     <p:spTree>
       <p:nvGrpSpPr>
         <p:cNvPr id="1" name=""/>
@@ -5197,7 +5201,7 @@
       </p:grpSpPr>
       <p:sp>
         <p:nvSpPr>
-          <p:cNvPr id="2" name="Title 1"/>
+          <p:cNvPr id="5" name="Title 4"/>
           <p:cNvSpPr>
             <a:spLocks noGrp="1"/>
           </p:cNvSpPr>
@@ -5206,84 +5210,58 @@
           </p:nvPr>
         </p:nvSpPr>
         <p:spPr/>
-        <p:txBody>
-          <a:bodyPr/>
-          <a:lstStyle/>
-          <a:p>
-            <a:r>
-              <a:rPr lang="en-US" b="1" u="sng" dirty="0">
-                <a:solidFill>
-                  <a:schemeClr val="bg1"/>
-                </a:solidFill>
-              </a:rPr>
-              <a:t>Improves Flexibility</a:t>
-            </a:r>
-          </a:p>
-        </p:txBody>
-      </p:sp>
-      <p:sp>
-        <p:nvSpPr>
-          <p:cNvPr id="3" name="Content Placeholder 2"/>
-          <p:cNvSpPr>
-            <a:spLocks noGrp="1"/>
-          </p:cNvSpPr>
-          <p:nvPr>
-            <p:ph idx="1"/>
-          </p:nvPr>
-        </p:nvSpPr>
-        <p:spPr>
-          <a:xfrm>
-            <a:off x="1371600" y="2285999"/>
-            <a:ext cx="8674768" cy="4491789"/>
-          </a:xfrm>
-        </p:spPr>
         <p:txBody>
           <a:bodyPr>
             <a:normAutofit/>
           </a:bodyPr>
           <a:lstStyle/>
           <a:p>
-            <a:r>
-              <a:rPr lang="en-US" sz="3200" dirty="0">
-                <a:solidFill>
-                  <a:schemeClr val="bg1"/>
-                </a:solidFill>
-              </a:rPr>
-              <a:t>Since DDD is so heavily based around the concepts of object-oriented analysis and design, nearly everything within the domain model will be based on an object and will, therefore, be quite modular and encapsulated. This allows for various components, or even the entire system as a whole, to be altered and improved on a regular, continuous </a:t>
-            </a:r>
-            <a:r>
-              <a:rPr lang="en-US" sz="3200" dirty="0" smtClean="0">
-                <a:solidFill>
-                  <a:schemeClr val="bg1"/>
-                </a:solidFill>
-              </a:rPr>
-              <a:t>basis.</a:t>
-            </a:r>
-            <a:endParaRPr lang="en-US" sz="3200" dirty="0">
+            <a:endParaRPr lang="en-US" sz="2400" b="0" dirty="0">
               <a:solidFill>
-                <a:schemeClr val="bg1"/>
+                <a:srgbClr val="D4D4D4"/>
               </a:solidFill>
+              <a:effectLst/>
+              <a:latin typeface="Consolas" panose="020B0609020204030204" pitchFamily="49" charset="0"/>
             </a:endParaRPr>
+          </a:p>
+        </p:txBody>
+      </p:sp>
+      <p:sp>
+        <p:nvSpPr>
+          <p:cNvPr id="6" name="Text Placeholder 5"/>
+          <p:cNvSpPr>
+            <a:spLocks noGrp="1"/>
+          </p:cNvSpPr>
+          <p:nvPr>
+            <p:ph type="body" sz="quarter" idx="13"/>
+          </p:nvPr>
+        </p:nvSpPr>
+        <p:spPr>
+          <a:xfrm>
+            <a:off x="734291" y="5234187"/>
+            <a:ext cx="4677967" cy="574962"/>
+          </a:xfrm>
+        </p:spPr>
+        <p:txBody>
+          <a:bodyPr>
+            <a:noAutofit/>
+          </a:bodyPr>
+          <a:lstStyle/>
+          <a:p>
+            <a:endParaRPr lang="bg-BG" dirty="0"/>
           </a:p>
         </p:txBody>
       </p:sp>
     </p:spTree>
     <p:extLst>
       <p:ext uri="{BB962C8B-B14F-4D97-AF65-F5344CB8AC3E}">
-        <p14:creationId xmlns:p14="http://schemas.microsoft.com/office/powerpoint/2010/main" val="3975672870"/>
+        <p14:creationId xmlns:p14="http://schemas.microsoft.com/office/powerpoint/2010/main" val="326217632"/>
       </p:ext>
     </p:extLst>
   </p:cSld>
   <p:clrMapOvr>
     <a:masterClrMapping/>
   </p:clrMapOvr>
-  <p:timing>
-    <p:tnLst>
-      <p:par>
-        <p:cTn id="1" dur="indefinite" restart="never" nodeType="tmRoot"/>
-      </p:par>
-    </p:tnLst>
-  </p:timing>
 </p:sld>
 </file>
 
@@ -5328,47 +5306,14 @@
           <a:lstStyle/>
           <a:p>
             <a:r>
-              <a:rPr lang="en-US" b="1" u="sng" dirty="0">
+              <a:rPr lang="en-US" b="1" u="sng" dirty="0" smtClean="0">
                 <a:solidFill>
                   <a:schemeClr val="bg1"/>
                 </a:solidFill>
               </a:rPr>
-              <a:t>Emphasizes Domain Over Interface</a:t>
-            </a:r>
-          </a:p>
-        </p:txBody>
-      </p:sp>
-      <p:sp>
-        <p:nvSpPr>
-          <p:cNvPr id="3" name="Content Placeholder 2"/>
-          <p:cNvSpPr>
-            <a:spLocks noGrp="1"/>
-          </p:cNvSpPr>
-          <p:nvPr>
-            <p:ph idx="1"/>
-          </p:nvPr>
-        </p:nvSpPr>
-        <p:spPr>
-          <a:xfrm>
-            <a:off x="1371600" y="1860885"/>
-            <a:ext cx="8674768" cy="4916904"/>
-          </a:xfrm>
-        </p:spPr>
-        <p:txBody>
-          <a:bodyPr>
-            <a:normAutofit lnSpcReduction="10000"/>
-          </a:bodyPr>
-          <a:lstStyle/>
-          <a:p>
-            <a:r>
-              <a:rPr lang="en-US" sz="3200" dirty="0">
-                <a:solidFill>
-                  <a:schemeClr val="bg1"/>
-                </a:solidFill>
-              </a:rPr>
-              <a:t>Since DDD is the practice of building around the concepts of domain and what the domain experts within the project advise, DDD will often produce applications that are accurately suited for and representative of the domain at hand, as opposed to those applications which emphasize the UI/UX first and foremost. While an obvious balance is required, the focus on domain means that a DDD approach can produce a product that resonates well with the audience associated with that domain.</a:t>
-            </a:r>
-            <a:endParaRPr lang="en-US" sz="3200" dirty="0">
+              <a:t>Value Object</a:t>
+            </a:r>
+            <a:endParaRPr lang="bg-BG" b="1" u="sng" dirty="0">
               <a:solidFill>
                 <a:schemeClr val="bg1"/>
               </a:solidFill>
@@ -5376,10 +5321,43 @@
           </a:p>
         </p:txBody>
       </p:sp>
+      <p:sp>
+        <p:nvSpPr>
+          <p:cNvPr id="3" name="Content Placeholder 2"/>
+          <p:cNvSpPr>
+            <a:spLocks noGrp="1"/>
+          </p:cNvSpPr>
+          <p:nvPr>
+            <p:ph idx="1"/>
+          </p:nvPr>
+        </p:nvSpPr>
+        <p:spPr>
+          <a:xfrm>
+            <a:off x="1371600" y="2286000"/>
+            <a:ext cx="8674768" cy="3581400"/>
+          </a:xfrm>
+        </p:spPr>
+        <p:txBody>
+          <a:bodyPr>
+            <a:normAutofit/>
+          </a:bodyPr>
+          <a:lstStyle/>
+          <a:p>
+            <a:r>
+              <a:rPr lang="en-US" sz="3200" dirty="0">
+                <a:solidFill>
+                  <a:schemeClr val="bg1"/>
+                </a:solidFill>
+              </a:rPr>
+              <a:t>An immutable (unchangeable) object that has attributes, but no distinct identity.</a:t>
+            </a:r>
+          </a:p>
+        </p:txBody>
+      </p:sp>
     </p:spTree>
     <p:extLst>
       <p:ext uri="{BB962C8B-B14F-4D97-AF65-F5344CB8AC3E}">
-        <p14:creationId xmlns:p14="http://schemas.microsoft.com/office/powerpoint/2010/main" val="3601289814"/>
+        <p14:creationId xmlns:p14="http://schemas.microsoft.com/office/powerpoint/2010/main" val="3277738392"/>
       </p:ext>
     </p:extLst>
   </p:cSld>
@@ -5399,6 +5377,14 @@
 <file path=ppt/slides/slide16.xml><?xml version="1.0" encoding="utf-8"?>
 <p:sld xmlns:a="http://schemas.openxmlformats.org/drawingml/2006/main" xmlns:r="http://schemas.openxmlformats.org/officeDocument/2006/relationships" xmlns:p="http://schemas.openxmlformats.org/presentationml/2006/main">
   <p:cSld>
+    <p:bg>
+      <p:bgPr>
+        <a:solidFill>
+          <a:srgbClr val="0070C0"/>
+        </a:solidFill>
+        <a:effectLst/>
+      </p:bgPr>
+    </p:bg>
     <p:spTree>
       <p:nvGrpSpPr>
         <p:cNvPr id="1" name=""/>
@@ -5415,7 +5401,7 @@
       </p:grpSpPr>
       <p:sp>
         <p:nvSpPr>
-          <p:cNvPr id="4" name="Title 3"/>
+          <p:cNvPr id="2" name="Title 1"/>
           <p:cNvSpPr>
             <a:spLocks noGrp="1"/>
           </p:cNvSpPr>
@@ -5425,53 +5411,20 @@
         </p:nvSpPr>
         <p:spPr/>
         <p:txBody>
-          <a:bodyPr anchor="ctr">
-            <a:normAutofit/>
-          </a:bodyPr>
-          <a:lstStyle/>
-          <a:p>
-            <a:r>
-              <a:rPr lang="en-US" u="sng" dirty="0" smtClean="0">
-                <a:solidFill>
-                  <a:srgbClr val="0070C0"/>
-                </a:solidFill>
-              </a:rPr>
-              <a:t/>
-            </a:r>
-            <a:br>
-              <a:rPr lang="en-US" u="sng" dirty="0" smtClean="0">
-                <a:solidFill>
-                  <a:srgbClr val="0070C0"/>
-                </a:solidFill>
-              </a:rPr>
-            </a:br>
-            <a:r>
-              <a:rPr lang="en-US" u="sng" dirty="0" smtClean="0">
-                <a:solidFill>
-                  <a:srgbClr val="0070C0"/>
-                </a:solidFill>
-              </a:rPr>
-              <a:t>Dis</a:t>
-            </a:r>
-            <a:r>
-              <a:rPr lang="en-US" u="sng" dirty="0" smtClean="0">
-                <a:solidFill>
-                  <a:srgbClr val="0070C0"/>
-                </a:solidFill>
-              </a:rPr>
-              <a:t>advantages of DDD</a:t>
-            </a:r>
-            <a:r>
-              <a:rPr lang="en-US" u="sng" dirty="0" smtClean="0">
-                <a:solidFill>
-                  <a:srgbClr val="0070C0"/>
-                </a:solidFill>
-              </a:rPr>
-              <a:t>:</a:t>
-            </a:r>
-            <a:endParaRPr lang="en-US" sz="3600" dirty="0">
+          <a:bodyPr/>
+          <a:lstStyle/>
+          <a:p>
+            <a:r>
+              <a:rPr lang="en-US" b="1" u="sng" dirty="0">
+                <a:solidFill>
+                  <a:schemeClr val="bg1"/>
+                </a:solidFill>
+              </a:rPr>
+              <a:t>Domain Event</a:t>
+            </a:r>
+            <a:endParaRPr lang="bg-BG" b="1" u="sng" dirty="0">
               <a:solidFill>
-                <a:schemeClr val="tx1"/>
+                <a:schemeClr val="bg1"/>
               </a:solidFill>
             </a:endParaRPr>
           </a:p>
@@ -5489,8 +5442,8 @@
         </p:nvSpPr>
         <p:spPr>
           <a:xfrm>
-            <a:off x="1371600" y="2743200"/>
-            <a:ext cx="9601200" cy="3769896"/>
+            <a:off x="1371600" y="2286000"/>
+            <a:ext cx="8674768" cy="3581400"/>
           </a:xfrm>
         </p:spPr>
         <p:txBody>
@@ -5502,65 +5455,18 @@
             <a:r>
               <a:rPr lang="en-US" sz="3200" dirty="0">
                 <a:solidFill>
-                  <a:prstClr val="black"/>
-                </a:solidFill>
-                <a:ea typeface="+mj-ea"/>
-                <a:cs typeface="+mj-cs"/>
-              </a:rPr>
-              <a:t>Requires Robust Domain Expertise</a:t>
-            </a:r>
-            <a:endParaRPr lang="en-US" sz="3200" dirty="0" smtClean="0">
-              <a:solidFill>
-                <a:prstClr val="black"/>
-              </a:solidFill>
-              <a:ea typeface="+mj-ea"/>
-              <a:cs typeface="+mj-cs"/>
-            </a:endParaRPr>
-          </a:p>
-          <a:p>
-            <a:r>
-              <a:rPr lang="en-US" sz="3200" dirty="0">
-                <a:solidFill>
-                  <a:prstClr val="black"/>
-                </a:solidFill>
-                <a:ea typeface="+mj-ea"/>
-                <a:cs typeface="+mj-cs"/>
-              </a:rPr>
-              <a:t>Encourages Iterative Practices</a:t>
-            </a:r>
-            <a:endParaRPr lang="en-US" sz="3200" dirty="0" smtClean="0">
-              <a:solidFill>
-                <a:prstClr val="black"/>
-              </a:solidFill>
-              <a:ea typeface="+mj-ea"/>
-              <a:cs typeface="+mj-cs"/>
-            </a:endParaRPr>
-          </a:p>
-          <a:p>
-            <a:r>
-              <a:rPr lang="en-US" sz="3200" dirty="0">
-                <a:solidFill>
-                  <a:prstClr val="black"/>
-                </a:solidFill>
-                <a:ea typeface="+mj-ea"/>
-                <a:cs typeface="+mj-cs"/>
-              </a:rPr>
-              <a:t>Ill-Suited for Highly Technical Projects</a:t>
-            </a:r>
-            <a:endParaRPr lang="en-US" sz="3200" dirty="0">
-              <a:solidFill>
-                <a:prstClr val="black"/>
-              </a:solidFill>
-              <a:ea typeface="+mj-ea"/>
-              <a:cs typeface="+mj-cs"/>
-            </a:endParaRPr>
+                  <a:schemeClr val="bg1"/>
+                </a:solidFill>
+              </a:rPr>
+              <a:t>An object that is used to record a discrete event related to model activity within the system. While all events within the system could be tracked, a domain event is only created for event types which the domain experts care about.</a:t>
+            </a:r>
           </a:p>
         </p:txBody>
       </p:sp>
     </p:spTree>
     <p:extLst>
       <p:ext uri="{BB962C8B-B14F-4D97-AF65-F5344CB8AC3E}">
-        <p14:creationId xmlns:p14="http://schemas.microsoft.com/office/powerpoint/2010/main" val="755378285"/>
+        <p14:creationId xmlns:p14="http://schemas.microsoft.com/office/powerpoint/2010/main" val="3112873849"/>
       </p:ext>
     </p:extLst>
   </p:cSld>
@@ -5623,50 +5529,9 @@
                   <a:schemeClr val="bg1"/>
                 </a:solidFill>
               </a:rPr>
-              <a:t>Requires Robust Domain Expertise</a:t>
-            </a:r>
-          </a:p>
-        </p:txBody>
-      </p:sp>
-      <p:sp>
-        <p:nvSpPr>
-          <p:cNvPr id="3" name="Content Placeholder 2"/>
-          <p:cNvSpPr>
-            <a:spLocks noGrp="1"/>
-          </p:cNvSpPr>
-          <p:nvPr>
-            <p:ph idx="1"/>
-          </p:nvPr>
-        </p:nvSpPr>
-        <p:spPr>
-          <a:xfrm>
-            <a:off x="1371600" y="2285999"/>
-            <a:ext cx="8674768" cy="4491789"/>
-          </a:xfrm>
-        </p:spPr>
-        <p:txBody>
-          <a:bodyPr>
-            <a:normAutofit lnSpcReduction="10000"/>
-          </a:bodyPr>
-          <a:lstStyle/>
-          <a:p>
-            <a:r>
-              <a:rPr lang="en-US" sz="3200" dirty="0">
-                <a:solidFill>
-                  <a:schemeClr val="bg1"/>
-                </a:solidFill>
-              </a:rPr>
-              <a:t>Even with the most technically proficient minds working on development, it’s all for naught if there isn’t at least one domain expert on the team that knows the exact ins and outs of the subject area on which the application is intended to apply. In some cases, domain-driven design may require the integration of one or more outside team members who can act as domain experts throughout the development life </a:t>
-            </a:r>
-            <a:r>
-              <a:rPr lang="en-US" sz="3200" dirty="0" smtClean="0">
-                <a:solidFill>
-                  <a:schemeClr val="bg1"/>
-                </a:solidFill>
-              </a:rPr>
-              <a:t>cycle.</a:t>
-            </a:r>
-            <a:endParaRPr lang="en-US" sz="3200" dirty="0">
+              <a:t>Aggregate</a:t>
+            </a:r>
+            <a:endParaRPr lang="bg-BG" b="1" u="sng" dirty="0">
               <a:solidFill>
                 <a:schemeClr val="bg1"/>
               </a:solidFill>
@@ -5674,10 +5539,43 @@
           </a:p>
         </p:txBody>
       </p:sp>
+      <p:sp>
+        <p:nvSpPr>
+          <p:cNvPr id="3" name="Content Placeholder 2"/>
+          <p:cNvSpPr>
+            <a:spLocks noGrp="1"/>
+          </p:cNvSpPr>
+          <p:nvPr>
+            <p:ph idx="1"/>
+          </p:nvPr>
+        </p:nvSpPr>
+        <p:spPr>
+          <a:xfrm>
+            <a:off x="1371600" y="1892968"/>
+            <a:ext cx="8674768" cy="4844716"/>
+          </a:xfrm>
+        </p:spPr>
+        <p:txBody>
+          <a:bodyPr>
+            <a:normAutofit lnSpcReduction="10000"/>
+          </a:bodyPr>
+          <a:lstStyle/>
+          <a:p>
+            <a:r>
+              <a:rPr lang="en-US" sz="3200" dirty="0">
+                <a:solidFill>
+                  <a:schemeClr val="bg1"/>
+                </a:solidFill>
+              </a:rPr>
+              <a:t>A cluster of entities and value objects with defined boundaries around the group. Rather than allowing every single entity or value object to perform all actions on its own, the collective aggregate of items is assigned a singular aggregate root item. Now, external objects no longer have direct access to every individual entity or value object within the aggregate, but instead only have access to the single aggregate root item, and use that to pass along instructions to the group as a whole.</a:t>
+            </a:r>
+          </a:p>
+        </p:txBody>
+      </p:sp>
     </p:spTree>
     <p:extLst>
       <p:ext uri="{BB962C8B-B14F-4D97-AF65-F5344CB8AC3E}">
-        <p14:creationId xmlns:p14="http://schemas.microsoft.com/office/powerpoint/2010/main" val="1251797458"/>
+        <p14:creationId xmlns:p14="http://schemas.microsoft.com/office/powerpoint/2010/main" val="2891436946"/>
       </p:ext>
     </p:extLst>
   </p:cSld>
@@ -5740,8 +5638,13 @@
                   <a:schemeClr val="bg1"/>
                 </a:solidFill>
               </a:rPr>
-              <a:t>Encourages Iterative Practices</a:t>
-            </a:r>
+              <a:t>Service</a:t>
+            </a:r>
+            <a:endParaRPr lang="bg-BG" b="1" u="sng" dirty="0">
+              <a:solidFill>
+                <a:schemeClr val="bg1"/>
+              </a:solidFill>
+            </a:endParaRPr>
           </a:p>
         </p:txBody>
       </p:sp>
@@ -5757,8 +5660,8 @@
         </p:nvSpPr>
         <p:spPr>
           <a:xfrm>
-            <a:off x="1371600" y="2285999"/>
-            <a:ext cx="8674768" cy="4491789"/>
+            <a:off x="1371600" y="2286000"/>
+            <a:ext cx="8674768" cy="3581400"/>
           </a:xfrm>
         </p:spPr>
         <p:txBody>
@@ -5773,7 +5676,7 @@
                   <a:schemeClr val="bg1"/>
                 </a:solidFill>
               </a:rPr>
-              <a:t>While many would consider this an advantage, it cannot be denied that </a:t>
+              <a:t>Essentially, a service is an operation or form of business logic that doesn’t naturally fit within the realm of objects. In other words, if some functionality must exist, but it cannot be related to an entity or value object, it’s probably a </a:t>
             </a:r>
             <a:r>
               <a:rPr lang="en-US" sz="3200" dirty="0" smtClean="0">
@@ -5781,23 +5684,7 @@
                   <a:schemeClr val="bg1"/>
                 </a:solidFill>
               </a:rPr>
-              <a:t>DDD practices </a:t>
-            </a:r>
-            <a:r>
-              <a:rPr lang="en-US" sz="3200" dirty="0">
-                <a:solidFill>
-                  <a:schemeClr val="bg1"/>
-                </a:solidFill>
-              </a:rPr>
-              <a:t>strongly rely on constant iteration and continuous integration in order to build a malleable project that can adjust itself when necessary. Some organizations may have trouble with these practices, particularly if their past experience is largely tied to less-flexible development models, such as the waterfall model or the </a:t>
-            </a:r>
-            <a:r>
-              <a:rPr lang="en-US" sz="3200" dirty="0" smtClean="0">
-                <a:solidFill>
-                  <a:schemeClr val="bg1"/>
-                </a:solidFill>
-              </a:rPr>
-              <a:t>like.</a:t>
+              <a:t>service.</a:t>
             </a:r>
             <a:endParaRPr lang="en-US" sz="3200" dirty="0">
               <a:solidFill>
@@ -5810,7 +5697,7 @@
     </p:spTree>
     <p:extLst>
       <p:ext uri="{BB962C8B-B14F-4D97-AF65-F5344CB8AC3E}">
-        <p14:creationId xmlns:p14="http://schemas.microsoft.com/office/powerpoint/2010/main" val="1096094263"/>
+        <p14:creationId xmlns:p14="http://schemas.microsoft.com/office/powerpoint/2010/main" val="990535507"/>
       </p:ext>
     </p:extLst>
   </p:cSld>
@@ -5873,42 +5760,9 @@
                   <a:schemeClr val="bg1"/>
                 </a:solidFill>
               </a:rPr>
-              <a:t>Ill-Suited for Highly Technical Projects</a:t>
-            </a:r>
-          </a:p>
-        </p:txBody>
-      </p:sp>
-      <p:sp>
-        <p:nvSpPr>
-          <p:cNvPr id="3" name="Content Placeholder 2"/>
-          <p:cNvSpPr>
-            <a:spLocks noGrp="1"/>
-          </p:cNvSpPr>
-          <p:nvPr>
-            <p:ph idx="1"/>
-          </p:nvPr>
-        </p:nvSpPr>
-        <p:spPr>
-          <a:xfrm>
-            <a:off x="1371599" y="1712563"/>
-            <a:ext cx="9601201" cy="5253925"/>
-          </a:xfrm>
-        </p:spPr>
-        <p:txBody>
-          <a:bodyPr>
-            <a:normAutofit fontScale="92500" lnSpcReduction="10000"/>
-          </a:bodyPr>
-          <a:lstStyle/>
-          <a:p>
-            <a:r>
-              <a:rPr lang="en-US" sz="3200" dirty="0">
-                <a:solidFill>
-                  <a:schemeClr val="bg1"/>
-                </a:solidFill>
-              </a:rPr>
-              <a:t>While DDD is great for applications where there is a great deal of domain complexity (where business logic is rather complex and convoluted), DDD is not very well-suited for applications that have marginal domain complexity, but conversely have a great deal of technical complexity. Since DDD so heavily emphasizes the need for (and importance of) domain experts to generate the proper ubiquitous language and then domain model on which the project is based, a project that is incredibly technically complex may be challenging for domain experts to grasp, causing problems down the line, perhaps when technical requirements or limitations were not fully understood by all members of the team.</a:t>
-            </a:r>
-            <a:endParaRPr lang="en-US" sz="3200" dirty="0">
+              <a:t>Repositories</a:t>
+            </a:r>
+            <a:endParaRPr lang="bg-BG" b="1" u="sng" dirty="0">
               <a:solidFill>
                 <a:schemeClr val="bg1"/>
               </a:solidFill>
@@ -5916,10 +5770,43 @@
           </a:p>
         </p:txBody>
       </p:sp>
+      <p:sp>
+        <p:nvSpPr>
+          <p:cNvPr id="3" name="Content Placeholder 2"/>
+          <p:cNvSpPr>
+            <a:spLocks noGrp="1"/>
+          </p:cNvSpPr>
+          <p:nvPr>
+            <p:ph idx="1"/>
+          </p:nvPr>
+        </p:nvSpPr>
+        <p:spPr>
+          <a:xfrm>
+            <a:off x="1371600" y="1684421"/>
+            <a:ext cx="8674768" cy="5173580"/>
+          </a:xfrm>
+        </p:spPr>
+        <p:txBody>
+          <a:bodyPr>
+            <a:normAutofit lnSpcReduction="10000"/>
+          </a:bodyPr>
+          <a:lstStyle/>
+          <a:p>
+            <a:r>
+              <a:rPr lang="en-US" sz="3200" dirty="0">
+                <a:solidFill>
+                  <a:schemeClr val="bg1"/>
+                </a:solidFill>
+              </a:rPr>
+              <a:t>Not be confused with common version control repositories, the DDD meaning of a repository is a service that uses a global interface to provide access to all entities and value objects that are within a particular aggregate collection. Methods should be defined to allow for creation, modification, and deletion of objects within the aggregate. However, by using this repository service to make data queries, the goal is to remove such data query capabilities from within the business logic of object models.</a:t>
+            </a:r>
+          </a:p>
+        </p:txBody>
+      </p:sp>
     </p:spTree>
     <p:extLst>
       <p:ext uri="{BB962C8B-B14F-4D97-AF65-F5344CB8AC3E}">
-        <p14:creationId xmlns:p14="http://schemas.microsoft.com/office/powerpoint/2010/main" val="3970883614"/>
+        <p14:creationId xmlns:p14="http://schemas.microsoft.com/office/powerpoint/2010/main" val="2265497143"/>
       </p:ext>
     </p:extLst>
   </p:cSld>
@@ -6038,78 +5925,10 @@
 <file path=ppt/slides/slide20.xml><?xml version="1.0" encoding="utf-8"?>
 <p:sld xmlns:a="http://schemas.openxmlformats.org/drawingml/2006/main" xmlns:r="http://schemas.openxmlformats.org/officeDocument/2006/relationships" xmlns:p="http://schemas.openxmlformats.org/presentationml/2006/main">
   <p:cSld>
-    <p:spTree>
-      <p:nvGrpSpPr>
-        <p:cNvPr id="1" name=""/>
-        <p:cNvGrpSpPr/>
-        <p:nvPr/>
-      </p:nvGrpSpPr>
-      <p:grpSpPr>
-        <a:xfrm>
-          <a:off x="0" y="0"/>
-          <a:ext cx="0" cy="0"/>
-          <a:chOff x="0" y="0"/>
-          <a:chExt cx="0" cy="0"/>
-        </a:xfrm>
-      </p:grpSpPr>
-      <p:sp>
-        <p:nvSpPr>
-          <p:cNvPr id="2" name="Title 1"/>
-          <p:cNvSpPr>
-            <a:spLocks noGrp="1"/>
-          </p:cNvSpPr>
-          <p:nvPr>
-            <p:ph type="title"/>
-          </p:nvPr>
-        </p:nvSpPr>
-        <p:spPr/>
-        <p:txBody>
-          <a:bodyPr/>
-          <a:lstStyle/>
-          <a:p>
-            <a:endParaRPr lang="en-US"/>
-          </a:p>
-        </p:txBody>
-      </p:sp>
-      <p:sp>
-        <p:nvSpPr>
-          <p:cNvPr id="3" name="Content Placeholder 2"/>
-          <p:cNvSpPr>
-            <a:spLocks noGrp="1"/>
-          </p:cNvSpPr>
-          <p:nvPr>
-            <p:ph idx="1"/>
-          </p:nvPr>
-        </p:nvSpPr>
-        <p:spPr/>
-        <p:txBody>
-          <a:bodyPr/>
-          <a:lstStyle/>
-          <a:p>
-            <a:endParaRPr lang="en-US"/>
-          </a:p>
-        </p:txBody>
-      </p:sp>
-    </p:spTree>
-    <p:extLst>
-      <p:ext uri="{BB962C8B-B14F-4D97-AF65-F5344CB8AC3E}">
-        <p14:creationId xmlns:p14="http://schemas.microsoft.com/office/powerpoint/2010/main" val="3444014546"/>
-      </p:ext>
-    </p:extLst>
-  </p:cSld>
-  <p:clrMapOvr>
-    <a:masterClrMapping/>
-  </p:clrMapOvr>
-</p:sld>
-</file>
-
-<file path=ppt/slides/slide21.xml><?xml version="1.0" encoding="utf-8"?>
-<p:sld xmlns:a="http://schemas.openxmlformats.org/drawingml/2006/main" xmlns:r="http://schemas.openxmlformats.org/officeDocument/2006/relationships" xmlns:p="http://schemas.openxmlformats.org/presentationml/2006/main">
-  <p:cSld>
     <p:bg>
       <p:bgPr>
         <a:solidFill>
-          <a:srgbClr val="002060"/>
+          <a:srgbClr val="0070C0"/>
         </a:solidFill>
         <a:effectLst/>
       </p:bgPr>
@@ -6130,7 +5949,7 @@
       </p:grpSpPr>
       <p:sp>
         <p:nvSpPr>
-          <p:cNvPr id="4" name="Title 3"/>
+          <p:cNvPr id="2" name="Title 1"/>
           <p:cNvSpPr>
             <a:spLocks noGrp="1"/>
           </p:cNvSpPr>
@@ -6138,34 +5957,20 @@
             <p:ph type="title"/>
           </p:nvPr>
         </p:nvSpPr>
-        <p:spPr>
-          <a:xfrm>
-            <a:off x="1371600" y="685800"/>
-            <a:ext cx="9601200" cy="5446060"/>
-          </a:xfrm>
-        </p:spPr>
-        <p:txBody>
-          <a:bodyPr anchor="ctr"/>
-          <a:lstStyle/>
-          <a:p>
-            <a:pPr algn="ctr"/>
-            <a:r>
-              <a:rPr lang="en-US" dirty="0">
+        <p:spPr/>
+        <p:txBody>
+          <a:bodyPr/>
+          <a:lstStyle/>
+          <a:p>
+            <a:r>
+              <a:rPr lang="en-US" b="1" u="sng" dirty="0" smtClean="0">
                 <a:solidFill>
                   <a:schemeClr val="bg1"/>
                 </a:solidFill>
               </a:rPr>
-              <a:t>ORM (Object-Relational </a:t>
-            </a:r>
-            <a:r>
-              <a:rPr lang="en-US" dirty="0" smtClean="0">
-                <a:solidFill>
-                  <a:schemeClr val="bg1"/>
-                </a:solidFill>
-              </a:rPr>
-              <a:t>Mapping)</a:t>
-            </a:r>
-            <a:endParaRPr lang="bg-BG" dirty="0">
+              <a:t>Factories</a:t>
+            </a:r>
+            <a:endParaRPr lang="bg-BG" b="1" u="sng" dirty="0">
               <a:solidFill>
                 <a:schemeClr val="bg1"/>
               </a:solidFill>
@@ -6173,10 +5978,828 @@
           </a:p>
         </p:txBody>
       </p:sp>
+      <p:sp>
+        <p:nvSpPr>
+          <p:cNvPr id="3" name="Content Placeholder 2"/>
+          <p:cNvSpPr>
+            <a:spLocks noGrp="1"/>
+          </p:cNvSpPr>
+          <p:nvPr>
+            <p:ph idx="1"/>
+          </p:nvPr>
+        </p:nvSpPr>
+        <p:spPr>
+          <a:xfrm>
+            <a:off x="1371600" y="2286000"/>
+            <a:ext cx="8674768" cy="3581400"/>
+          </a:xfrm>
+        </p:spPr>
+        <p:txBody>
+          <a:bodyPr>
+            <a:normAutofit/>
+          </a:bodyPr>
+          <a:lstStyle/>
+          <a:p>
+            <a:r>
+              <a:rPr lang="en-US" sz="3200" dirty="0">
+                <a:solidFill>
+                  <a:schemeClr val="bg1"/>
+                </a:solidFill>
+              </a:rPr>
+              <a:t>As we’ve discussed through a number of design patterns articles already, DDD suggests the use of a factory, which encapsulates the logic of creating complex objects and aggregates, ensuring that the client has no knowledge of the inner-workings of object manipulation.</a:t>
+            </a:r>
+          </a:p>
+        </p:txBody>
+      </p:sp>
     </p:spTree>
     <p:extLst>
       <p:ext uri="{BB962C8B-B14F-4D97-AF65-F5344CB8AC3E}">
-        <p14:creationId xmlns:p14="http://schemas.microsoft.com/office/powerpoint/2010/main" val="4060343587"/>
+        <p14:creationId xmlns:p14="http://schemas.microsoft.com/office/powerpoint/2010/main" val="3571187264"/>
+      </p:ext>
+    </p:extLst>
+  </p:cSld>
+  <p:clrMapOvr>
+    <a:masterClrMapping/>
+  </p:clrMapOvr>
+  <p:timing>
+    <p:tnLst>
+      <p:par>
+        <p:cTn id="1" dur="indefinite" restart="never" nodeType="tmRoot"/>
+      </p:par>
+    </p:tnLst>
+  </p:timing>
+</p:sld>
+</file>
+
+<file path=ppt/slides/slide21.xml><?xml version="1.0" encoding="utf-8"?>
+<p:sld xmlns:a="http://schemas.openxmlformats.org/drawingml/2006/main" xmlns:r="http://schemas.openxmlformats.org/officeDocument/2006/relationships" xmlns:p="http://schemas.openxmlformats.org/presentationml/2006/main">
+  <p:cSld>
+    <p:spTree>
+      <p:nvGrpSpPr>
+        <p:cNvPr id="1" name=""/>
+        <p:cNvGrpSpPr/>
+        <p:nvPr/>
+      </p:nvGrpSpPr>
+      <p:grpSpPr>
+        <a:xfrm>
+          <a:off x="0" y="0"/>
+          <a:ext cx="0" cy="0"/>
+          <a:chOff x="0" y="0"/>
+          <a:chExt cx="0" cy="0"/>
+        </a:xfrm>
+      </p:grpSpPr>
+      <p:sp>
+        <p:nvSpPr>
+          <p:cNvPr id="2" name="Title 1"/>
+          <p:cNvSpPr>
+            <a:spLocks noGrp="1"/>
+          </p:cNvSpPr>
+          <p:nvPr>
+            <p:ph type="title"/>
+          </p:nvPr>
+        </p:nvSpPr>
+        <p:spPr/>
+        <p:txBody>
+          <a:bodyPr/>
+          <a:lstStyle/>
+          <a:p>
+            <a:pPr algn="ctr"/>
+            <a:r>
+              <a:rPr lang="en-US" dirty="0" smtClean="0">
+                <a:solidFill>
+                  <a:schemeClr val="tx1">
+                    <a:lumMod val="65000"/>
+                    <a:lumOff val="35000"/>
+                  </a:schemeClr>
+                </a:solidFill>
+              </a:rPr>
+              <a:t>Domain</a:t>
+            </a:r>
+            <a:endParaRPr lang="bg-BG" dirty="0">
+              <a:solidFill>
+                <a:schemeClr val="tx1">
+                  <a:lumMod val="65000"/>
+                  <a:lumOff val="35000"/>
+                </a:schemeClr>
+              </a:solidFill>
+            </a:endParaRPr>
+          </a:p>
+        </p:txBody>
+      </p:sp>
+      <p:sp>
+        <p:nvSpPr>
+          <p:cNvPr id="3" name="Rectangle 2"/>
+          <p:cNvSpPr/>
+          <p:nvPr/>
+        </p:nvSpPr>
+        <p:spPr>
+          <a:xfrm>
+            <a:off x="2425484" y="2100019"/>
+            <a:ext cx="9128501" cy="4494509"/>
+          </a:xfrm>
+          <a:prstGeom prst="rect">
+            <a:avLst/>
+          </a:prstGeom>
+          <a:noFill/>
+          <a:ln>
+            <a:solidFill>
+              <a:schemeClr val="tx1"/>
+            </a:solidFill>
+          </a:ln>
+        </p:spPr>
+        <p:style>
+          <a:lnRef idx="2">
+            <a:schemeClr val="accent1">
+              <a:shade val="50000"/>
+            </a:schemeClr>
+          </a:lnRef>
+          <a:fillRef idx="1">
+            <a:schemeClr val="accent1"/>
+          </a:fillRef>
+          <a:effectRef idx="0">
+            <a:schemeClr val="accent1"/>
+          </a:effectRef>
+          <a:fontRef idx="minor">
+            <a:schemeClr val="lt1"/>
+          </a:fontRef>
+        </p:style>
+        <p:txBody>
+          <a:bodyPr rtlCol="0" anchor="ctr"/>
+          <a:lstStyle/>
+          <a:p>
+            <a:pPr algn="ctr"/>
+            <a:endParaRPr lang="en-US"/>
+          </a:p>
+        </p:txBody>
+      </p:sp>
+      <p:sp>
+        <p:nvSpPr>
+          <p:cNvPr id="7" name="TextBox 6"/>
+          <p:cNvSpPr txBox="1"/>
+          <p:nvPr/>
+        </p:nvSpPr>
+        <p:spPr>
+          <a:xfrm>
+            <a:off x="2425484" y="1730687"/>
+            <a:ext cx="945396" cy="369332"/>
+          </a:xfrm>
+          <a:prstGeom prst="rect">
+            <a:avLst/>
+          </a:prstGeom>
+          <a:noFill/>
+        </p:spPr>
+        <p:txBody>
+          <a:bodyPr wrap="square" rtlCol="0">
+            <a:spAutoFit/>
+          </a:bodyPr>
+          <a:lstStyle/>
+          <a:p>
+            <a:r>
+              <a:rPr lang="en-US" dirty="0" smtClean="0"/>
+              <a:t>Domain</a:t>
+            </a:r>
+            <a:endParaRPr lang="en-US" dirty="0"/>
+          </a:p>
+        </p:txBody>
+      </p:sp>
+      <p:sp>
+        <p:nvSpPr>
+          <p:cNvPr id="8" name="Rectangle 7"/>
+          <p:cNvSpPr/>
+          <p:nvPr/>
+        </p:nvSpPr>
+        <p:spPr>
+          <a:xfrm>
+            <a:off x="2564970" y="2541032"/>
+            <a:ext cx="8552479" cy="3957923"/>
+          </a:xfrm>
+          <a:prstGeom prst="rect">
+            <a:avLst/>
+          </a:prstGeom>
+          <a:noFill/>
+          <a:ln>
+            <a:solidFill>
+              <a:schemeClr val="tx1"/>
+            </a:solidFill>
+          </a:ln>
+        </p:spPr>
+        <p:style>
+          <a:lnRef idx="2">
+            <a:schemeClr val="accent1">
+              <a:shade val="50000"/>
+            </a:schemeClr>
+          </a:lnRef>
+          <a:fillRef idx="1">
+            <a:schemeClr val="accent1"/>
+          </a:fillRef>
+          <a:effectRef idx="0">
+            <a:schemeClr val="accent1"/>
+          </a:effectRef>
+          <a:fontRef idx="minor">
+            <a:schemeClr val="lt1"/>
+          </a:fontRef>
+        </p:style>
+        <p:txBody>
+          <a:bodyPr rtlCol="0" anchor="ctr"/>
+          <a:lstStyle/>
+          <a:p>
+            <a:pPr algn="ctr"/>
+            <a:endParaRPr lang="en-US"/>
+          </a:p>
+        </p:txBody>
+      </p:sp>
+      <p:sp>
+        <p:nvSpPr>
+          <p:cNvPr id="9" name="TextBox 8"/>
+          <p:cNvSpPr txBox="1"/>
+          <p:nvPr/>
+        </p:nvSpPr>
+        <p:spPr>
+          <a:xfrm>
+            <a:off x="2564970" y="2171700"/>
+            <a:ext cx="2146515" cy="369332"/>
+          </a:xfrm>
+          <a:prstGeom prst="rect">
+            <a:avLst/>
+          </a:prstGeom>
+          <a:noFill/>
+        </p:spPr>
+        <p:txBody>
+          <a:bodyPr wrap="square" rtlCol="0">
+            <a:spAutoFit/>
+          </a:bodyPr>
+          <a:lstStyle/>
+          <a:p>
+            <a:r>
+              <a:rPr lang="en-US" dirty="0" smtClean="0"/>
+              <a:t>Bounded Context</a:t>
+            </a:r>
+            <a:endParaRPr lang="en-US" dirty="0"/>
+          </a:p>
+        </p:txBody>
+      </p:sp>
+      <p:sp>
+        <p:nvSpPr>
+          <p:cNvPr id="11" name="TextBox 10"/>
+          <p:cNvSpPr txBox="1"/>
+          <p:nvPr/>
+        </p:nvSpPr>
+        <p:spPr>
+          <a:xfrm>
+            <a:off x="2681207" y="2656714"/>
+            <a:ext cx="2146515" cy="369332"/>
+          </a:xfrm>
+          <a:prstGeom prst="rect">
+            <a:avLst/>
+          </a:prstGeom>
+          <a:noFill/>
+        </p:spPr>
+        <p:txBody>
+          <a:bodyPr wrap="square" rtlCol="0">
+            <a:spAutoFit/>
+          </a:bodyPr>
+          <a:lstStyle/>
+          <a:p>
+            <a:r>
+              <a:rPr lang="en-US" dirty="0" smtClean="0"/>
+              <a:t>Aggregate</a:t>
+            </a:r>
+            <a:endParaRPr lang="en-US" dirty="0"/>
+          </a:p>
+        </p:txBody>
+      </p:sp>
+      <p:sp>
+        <p:nvSpPr>
+          <p:cNvPr id="12" name="Rectangle 11"/>
+          <p:cNvSpPr/>
+          <p:nvPr/>
+        </p:nvSpPr>
+        <p:spPr>
+          <a:xfrm>
+            <a:off x="2939511" y="3467059"/>
+            <a:ext cx="4050223" cy="577999"/>
+          </a:xfrm>
+          <a:prstGeom prst="rect">
+            <a:avLst/>
+          </a:prstGeom>
+          <a:noFill/>
+          <a:ln>
+            <a:solidFill>
+              <a:schemeClr val="tx1"/>
+            </a:solidFill>
+          </a:ln>
+        </p:spPr>
+        <p:style>
+          <a:lnRef idx="2">
+            <a:schemeClr val="accent1">
+              <a:shade val="50000"/>
+            </a:schemeClr>
+          </a:lnRef>
+          <a:fillRef idx="1">
+            <a:schemeClr val="accent1"/>
+          </a:fillRef>
+          <a:effectRef idx="0">
+            <a:schemeClr val="accent1"/>
+          </a:effectRef>
+          <a:fontRef idx="minor">
+            <a:schemeClr val="lt1"/>
+          </a:fontRef>
+        </p:style>
+        <p:txBody>
+          <a:bodyPr rtlCol="0" anchor="ctr"/>
+          <a:lstStyle/>
+          <a:p>
+            <a:pPr algn="ctr"/>
+            <a:endParaRPr lang="en-US"/>
+          </a:p>
+        </p:txBody>
+      </p:sp>
+      <p:sp>
+        <p:nvSpPr>
+          <p:cNvPr id="13" name="TextBox 12"/>
+          <p:cNvSpPr txBox="1"/>
+          <p:nvPr/>
+        </p:nvSpPr>
+        <p:spPr>
+          <a:xfrm>
+            <a:off x="3042835" y="3571087"/>
+            <a:ext cx="2146515" cy="369332"/>
+          </a:xfrm>
+          <a:prstGeom prst="rect">
+            <a:avLst/>
+          </a:prstGeom>
+          <a:noFill/>
+        </p:spPr>
+        <p:txBody>
+          <a:bodyPr wrap="square" rtlCol="0">
+            <a:spAutoFit/>
+          </a:bodyPr>
+          <a:lstStyle/>
+          <a:p>
+            <a:r>
+              <a:rPr lang="en-US" dirty="0" smtClean="0"/>
+              <a:t>Aggregate Root</a:t>
+            </a:r>
+            <a:endParaRPr lang="en-US" dirty="0"/>
+          </a:p>
+        </p:txBody>
+      </p:sp>
+      <p:sp>
+        <p:nvSpPr>
+          <p:cNvPr id="14" name="Rectangle 13"/>
+          <p:cNvSpPr/>
+          <p:nvPr/>
+        </p:nvSpPr>
+        <p:spPr>
+          <a:xfrm>
+            <a:off x="4355665" y="4519991"/>
+            <a:ext cx="1217913" cy="529627"/>
+          </a:xfrm>
+          <a:prstGeom prst="rect">
+            <a:avLst/>
+          </a:prstGeom>
+          <a:noFill/>
+          <a:ln>
+            <a:solidFill>
+              <a:schemeClr val="tx1"/>
+            </a:solidFill>
+          </a:ln>
+        </p:spPr>
+        <p:style>
+          <a:lnRef idx="2">
+            <a:schemeClr val="accent1">
+              <a:shade val="50000"/>
+            </a:schemeClr>
+          </a:lnRef>
+          <a:fillRef idx="1">
+            <a:schemeClr val="accent1"/>
+          </a:fillRef>
+          <a:effectRef idx="0">
+            <a:schemeClr val="accent1"/>
+          </a:effectRef>
+          <a:fontRef idx="minor">
+            <a:schemeClr val="lt1"/>
+          </a:fontRef>
+        </p:style>
+        <p:txBody>
+          <a:bodyPr rtlCol="0" anchor="ctr"/>
+          <a:lstStyle/>
+          <a:p>
+            <a:pPr algn="ctr"/>
+            <a:endParaRPr lang="en-US"/>
+          </a:p>
+        </p:txBody>
+      </p:sp>
+      <p:sp>
+        <p:nvSpPr>
+          <p:cNvPr id="15" name="Rectangle 14"/>
+          <p:cNvSpPr/>
+          <p:nvPr/>
+        </p:nvSpPr>
+        <p:spPr>
+          <a:xfrm>
+            <a:off x="2939509" y="4519990"/>
+            <a:ext cx="1217913" cy="529627"/>
+          </a:xfrm>
+          <a:prstGeom prst="rect">
+            <a:avLst/>
+          </a:prstGeom>
+          <a:noFill/>
+          <a:ln>
+            <a:solidFill>
+              <a:schemeClr val="tx1"/>
+            </a:solidFill>
+          </a:ln>
+        </p:spPr>
+        <p:style>
+          <a:lnRef idx="2">
+            <a:schemeClr val="accent1">
+              <a:shade val="50000"/>
+            </a:schemeClr>
+          </a:lnRef>
+          <a:fillRef idx="1">
+            <a:schemeClr val="accent1"/>
+          </a:fillRef>
+          <a:effectRef idx="0">
+            <a:schemeClr val="accent1"/>
+          </a:effectRef>
+          <a:fontRef idx="minor">
+            <a:schemeClr val="lt1"/>
+          </a:fontRef>
+        </p:style>
+        <p:txBody>
+          <a:bodyPr rtlCol="0" anchor="ctr"/>
+          <a:lstStyle/>
+          <a:p>
+            <a:pPr algn="ctr"/>
+            <a:endParaRPr lang="en-US"/>
+          </a:p>
+        </p:txBody>
+      </p:sp>
+      <p:sp>
+        <p:nvSpPr>
+          <p:cNvPr id="16" name="Rectangle 15"/>
+          <p:cNvSpPr/>
+          <p:nvPr/>
+        </p:nvSpPr>
+        <p:spPr>
+          <a:xfrm>
+            <a:off x="5771821" y="4519993"/>
+            <a:ext cx="1217913" cy="529627"/>
+          </a:xfrm>
+          <a:prstGeom prst="rect">
+            <a:avLst/>
+          </a:prstGeom>
+          <a:noFill/>
+          <a:ln>
+            <a:solidFill>
+              <a:schemeClr val="tx1"/>
+            </a:solidFill>
+          </a:ln>
+        </p:spPr>
+        <p:style>
+          <a:lnRef idx="2">
+            <a:schemeClr val="accent1">
+              <a:shade val="50000"/>
+            </a:schemeClr>
+          </a:lnRef>
+          <a:fillRef idx="1">
+            <a:schemeClr val="accent1"/>
+          </a:fillRef>
+          <a:effectRef idx="0">
+            <a:schemeClr val="accent1"/>
+          </a:effectRef>
+          <a:fontRef idx="minor">
+            <a:schemeClr val="lt1"/>
+          </a:fontRef>
+        </p:style>
+        <p:txBody>
+          <a:bodyPr rtlCol="0" anchor="ctr"/>
+          <a:lstStyle/>
+          <a:p>
+            <a:pPr algn="ctr"/>
+            <a:endParaRPr lang="en-US"/>
+          </a:p>
+        </p:txBody>
+      </p:sp>
+      <p:sp>
+        <p:nvSpPr>
+          <p:cNvPr id="17" name="TextBox 16"/>
+          <p:cNvSpPr txBox="1"/>
+          <p:nvPr/>
+        </p:nvSpPr>
+        <p:spPr>
+          <a:xfrm>
+            <a:off x="3099660" y="4601753"/>
+            <a:ext cx="937647" cy="369332"/>
+          </a:xfrm>
+          <a:prstGeom prst="rect">
+            <a:avLst/>
+          </a:prstGeom>
+          <a:noFill/>
+        </p:spPr>
+        <p:txBody>
+          <a:bodyPr wrap="square" rtlCol="0">
+            <a:spAutoFit/>
+          </a:bodyPr>
+          <a:lstStyle/>
+          <a:p>
+            <a:r>
+              <a:rPr lang="en-US" dirty="0" smtClean="0"/>
+              <a:t>Entity</a:t>
+            </a:r>
+            <a:endParaRPr lang="en-US" dirty="0"/>
+          </a:p>
+        </p:txBody>
+      </p:sp>
+      <p:sp>
+        <p:nvSpPr>
+          <p:cNvPr id="18" name="TextBox 17"/>
+          <p:cNvSpPr txBox="1"/>
+          <p:nvPr/>
+        </p:nvSpPr>
+        <p:spPr>
+          <a:xfrm>
+            <a:off x="4495798" y="4601753"/>
+            <a:ext cx="937647" cy="369332"/>
+          </a:xfrm>
+          <a:prstGeom prst="rect">
+            <a:avLst/>
+          </a:prstGeom>
+          <a:noFill/>
+        </p:spPr>
+        <p:txBody>
+          <a:bodyPr wrap="square" rtlCol="0">
+            <a:spAutoFit/>
+          </a:bodyPr>
+          <a:lstStyle/>
+          <a:p>
+            <a:r>
+              <a:rPr lang="en-US" dirty="0" smtClean="0"/>
+              <a:t>Entity</a:t>
+            </a:r>
+            <a:endParaRPr lang="en-US" dirty="0"/>
+          </a:p>
+        </p:txBody>
+      </p:sp>
+      <p:sp>
+        <p:nvSpPr>
+          <p:cNvPr id="19" name="TextBox 18"/>
+          <p:cNvSpPr txBox="1"/>
+          <p:nvPr/>
+        </p:nvSpPr>
+        <p:spPr>
+          <a:xfrm>
+            <a:off x="5911953" y="4600137"/>
+            <a:ext cx="937647" cy="369332"/>
+          </a:xfrm>
+          <a:prstGeom prst="rect">
+            <a:avLst/>
+          </a:prstGeom>
+          <a:noFill/>
+        </p:spPr>
+        <p:txBody>
+          <a:bodyPr wrap="square" rtlCol="0">
+            <a:spAutoFit/>
+          </a:bodyPr>
+          <a:lstStyle/>
+          <a:p>
+            <a:r>
+              <a:rPr lang="en-US" dirty="0" smtClean="0"/>
+              <a:t>Value</a:t>
+            </a:r>
+            <a:endParaRPr lang="en-US" dirty="0"/>
+          </a:p>
+        </p:txBody>
+      </p:sp>
+      <p:sp>
+        <p:nvSpPr>
+          <p:cNvPr id="21" name="Rectangle 20"/>
+          <p:cNvSpPr/>
+          <p:nvPr/>
+        </p:nvSpPr>
+        <p:spPr>
+          <a:xfrm>
+            <a:off x="2959528" y="5534548"/>
+            <a:ext cx="1217913" cy="529627"/>
+          </a:xfrm>
+          <a:prstGeom prst="rect">
+            <a:avLst/>
+          </a:prstGeom>
+          <a:noFill/>
+          <a:ln>
+            <a:solidFill>
+              <a:schemeClr val="tx1"/>
+            </a:solidFill>
+          </a:ln>
+        </p:spPr>
+        <p:style>
+          <a:lnRef idx="2">
+            <a:schemeClr val="accent1">
+              <a:shade val="50000"/>
+            </a:schemeClr>
+          </a:lnRef>
+          <a:fillRef idx="1">
+            <a:schemeClr val="accent1"/>
+          </a:fillRef>
+          <a:effectRef idx="0">
+            <a:schemeClr val="accent1"/>
+          </a:effectRef>
+          <a:fontRef idx="minor">
+            <a:schemeClr val="lt1"/>
+          </a:fontRef>
+        </p:style>
+        <p:txBody>
+          <a:bodyPr rtlCol="0" anchor="ctr"/>
+          <a:lstStyle/>
+          <a:p>
+            <a:pPr algn="ctr"/>
+            <a:endParaRPr lang="en-US"/>
+          </a:p>
+        </p:txBody>
+      </p:sp>
+      <p:sp>
+        <p:nvSpPr>
+          <p:cNvPr id="22" name="TextBox 21"/>
+          <p:cNvSpPr txBox="1"/>
+          <p:nvPr/>
+        </p:nvSpPr>
+        <p:spPr>
+          <a:xfrm>
+            <a:off x="3099660" y="5614692"/>
+            <a:ext cx="937647" cy="369332"/>
+          </a:xfrm>
+          <a:prstGeom prst="rect">
+            <a:avLst/>
+          </a:prstGeom>
+          <a:noFill/>
+        </p:spPr>
+        <p:txBody>
+          <a:bodyPr wrap="square" rtlCol="0">
+            <a:spAutoFit/>
+          </a:bodyPr>
+          <a:lstStyle/>
+          <a:p>
+            <a:r>
+              <a:rPr lang="en-US" dirty="0" smtClean="0"/>
+              <a:t>Value</a:t>
+            </a:r>
+            <a:endParaRPr lang="en-US" dirty="0"/>
+          </a:p>
+        </p:txBody>
+      </p:sp>
+      <p:cxnSp>
+        <p:nvCxnSpPr>
+          <p:cNvPr id="28" name="Straight Arrow Connector 27"/>
+          <p:cNvCxnSpPr/>
+          <p:nvPr/>
+        </p:nvCxnSpPr>
+        <p:spPr>
+          <a:xfrm>
+            <a:off x="3548464" y="4126820"/>
+            <a:ext cx="1" cy="370904"/>
+          </a:xfrm>
+          <a:prstGeom prst="straightConnector1">
+            <a:avLst/>
+          </a:prstGeom>
+          <a:ln w="31750" cmpd="sng">
+            <a:solidFill>
+              <a:schemeClr val="tx1"/>
+            </a:solidFill>
+            <a:headEnd type="none" w="lg" len="lg"/>
+            <a:tailEnd type="triangle"/>
+          </a:ln>
+        </p:spPr>
+        <p:style>
+          <a:lnRef idx="1">
+            <a:schemeClr val="accent1"/>
+          </a:lnRef>
+          <a:fillRef idx="0">
+            <a:schemeClr val="accent1"/>
+          </a:fillRef>
+          <a:effectRef idx="0">
+            <a:schemeClr val="accent1"/>
+          </a:effectRef>
+          <a:fontRef idx="minor">
+            <a:schemeClr val="tx1"/>
+          </a:fontRef>
+        </p:style>
+      </p:cxnSp>
+      <p:cxnSp>
+        <p:nvCxnSpPr>
+          <p:cNvPr id="31" name="Straight Arrow Connector 30"/>
+          <p:cNvCxnSpPr/>
+          <p:nvPr/>
+        </p:nvCxnSpPr>
+        <p:spPr>
+          <a:xfrm>
+            <a:off x="4964620" y="4126820"/>
+            <a:ext cx="1" cy="370904"/>
+          </a:xfrm>
+          <a:prstGeom prst="straightConnector1">
+            <a:avLst/>
+          </a:prstGeom>
+          <a:ln w="31750" cmpd="sng">
+            <a:solidFill>
+              <a:schemeClr val="tx1"/>
+            </a:solidFill>
+            <a:headEnd type="none" w="lg" len="lg"/>
+            <a:tailEnd type="triangle"/>
+          </a:ln>
+        </p:spPr>
+        <p:style>
+          <a:lnRef idx="1">
+            <a:schemeClr val="accent1"/>
+          </a:lnRef>
+          <a:fillRef idx="0">
+            <a:schemeClr val="accent1"/>
+          </a:fillRef>
+          <a:effectRef idx="0">
+            <a:schemeClr val="accent1"/>
+          </a:effectRef>
+          <a:fontRef idx="minor">
+            <a:schemeClr val="tx1"/>
+          </a:fontRef>
+        </p:style>
+      </p:cxnSp>
+      <p:cxnSp>
+        <p:nvCxnSpPr>
+          <p:cNvPr id="32" name="Straight Arrow Connector 31"/>
+          <p:cNvCxnSpPr/>
+          <p:nvPr/>
+        </p:nvCxnSpPr>
+        <p:spPr>
+          <a:xfrm>
+            <a:off x="3568482" y="5106630"/>
+            <a:ext cx="1" cy="370904"/>
+          </a:xfrm>
+          <a:prstGeom prst="straightConnector1">
+            <a:avLst/>
+          </a:prstGeom>
+          <a:ln w="31750" cmpd="sng">
+            <a:solidFill>
+              <a:schemeClr val="tx1"/>
+            </a:solidFill>
+            <a:headEnd type="none" w="lg" len="lg"/>
+            <a:tailEnd type="triangle"/>
+          </a:ln>
+        </p:spPr>
+        <p:style>
+          <a:lnRef idx="1">
+            <a:schemeClr val="accent1"/>
+          </a:lnRef>
+          <a:fillRef idx="0">
+            <a:schemeClr val="accent1"/>
+          </a:fillRef>
+          <a:effectRef idx="0">
+            <a:schemeClr val="accent1"/>
+          </a:effectRef>
+          <a:fontRef idx="minor">
+            <a:schemeClr val="tx1"/>
+          </a:fontRef>
+        </p:style>
+      </p:cxnSp>
+      <p:cxnSp>
+        <p:nvCxnSpPr>
+          <p:cNvPr id="33" name="Straight Arrow Connector 32"/>
+          <p:cNvCxnSpPr/>
+          <p:nvPr/>
+        </p:nvCxnSpPr>
+        <p:spPr>
+          <a:xfrm>
+            <a:off x="6380775" y="4123818"/>
+            <a:ext cx="1" cy="370904"/>
+          </a:xfrm>
+          <a:prstGeom prst="straightConnector1">
+            <a:avLst/>
+          </a:prstGeom>
+          <a:ln w="31750" cmpd="sng">
+            <a:solidFill>
+              <a:schemeClr val="tx1"/>
+            </a:solidFill>
+            <a:headEnd type="none" w="lg" len="lg"/>
+            <a:tailEnd type="triangle"/>
+          </a:ln>
+        </p:spPr>
+        <p:style>
+          <a:lnRef idx="1">
+            <a:schemeClr val="accent1"/>
+          </a:lnRef>
+          <a:fillRef idx="0">
+            <a:schemeClr val="accent1"/>
+          </a:fillRef>
+          <a:effectRef idx="0">
+            <a:schemeClr val="accent1"/>
+          </a:effectRef>
+          <a:fontRef idx="minor">
+            <a:schemeClr val="tx1"/>
+          </a:fontRef>
+        </p:style>
+      </p:cxnSp>
+    </p:spTree>
+    <p:extLst>
+      <p:ext uri="{BB962C8B-B14F-4D97-AF65-F5344CB8AC3E}">
+        <p14:creationId xmlns:p14="http://schemas.microsoft.com/office/powerpoint/2010/main" val="2487834621"/>
       </p:ext>
     </p:extLst>
   </p:cSld>
@@ -6205,7 +6828,7 @@
       </p:grpSpPr>
       <p:sp>
         <p:nvSpPr>
-          <p:cNvPr id="2" name="Title 1"/>
+          <p:cNvPr id="4" name="Title 3"/>
           <p:cNvSpPr>
             <a:spLocks noGrp="1"/>
           </p:cNvSpPr>
@@ -6215,27 +6838,37 @@
         </p:nvSpPr>
         <p:spPr/>
         <p:txBody>
-          <a:bodyPr/>
-          <a:lstStyle/>
-          <a:p>
-            <a:pPr algn="ctr"/>
-            <a:r>
-              <a:rPr lang="en-US" dirty="0" smtClean="0">
-                <a:solidFill>
-                  <a:schemeClr val="tx1">
-                    <a:lumMod val="65000"/>
-                    <a:lumOff val="35000"/>
-                  </a:schemeClr>
-                </a:solidFill>
-              </a:rPr>
-              <a:t>Business layer structure</a:t>
-            </a:r>
-            <a:endParaRPr lang="bg-BG" dirty="0">
+          <a:bodyPr anchor="ctr">
+            <a:normAutofit/>
+          </a:bodyPr>
+          <a:lstStyle/>
+          <a:p>
+            <a:r>
+              <a:rPr lang="en-US" u="sng" dirty="0" smtClean="0">
+                <a:solidFill>
+                  <a:srgbClr val="0070C0"/>
+                </a:solidFill>
+              </a:rPr>
+              <a:t/>
+            </a:r>
+            <a:br>
+              <a:rPr lang="en-US" u="sng" dirty="0" smtClean="0">
+                <a:solidFill>
+                  <a:srgbClr val="0070C0"/>
+                </a:solidFill>
+              </a:rPr>
+            </a:br>
+            <a:r>
+              <a:rPr lang="en-US" u="sng" dirty="0" smtClean="0">
+                <a:solidFill>
+                  <a:srgbClr val="0070C0"/>
+                </a:solidFill>
+              </a:rPr>
+              <a:t>Advantages of DDD:</a:t>
+            </a:r>
+            <a:endParaRPr lang="en-US" sz="3600" dirty="0">
               <a:solidFill>
-                <a:schemeClr val="tx1">
-                  <a:lumMod val="65000"/>
-                  <a:lumOff val="35000"/>
-                </a:schemeClr>
+                <a:schemeClr val="tx1"/>
               </a:solidFill>
             </a:endParaRPr>
           </a:p>
@@ -6243,198 +6876,439 @@
       </p:sp>
       <p:sp>
         <p:nvSpPr>
-          <p:cNvPr id="4" name="Rectangle 3"/>
-          <p:cNvSpPr/>
-          <p:nvPr/>
-        </p:nvSpPr>
-        <p:spPr>
-          <a:xfrm>
-            <a:off x="1028700" y="3366952"/>
-            <a:ext cx="3386138" cy="1728787"/>
-          </a:xfrm>
-          <a:prstGeom prst="rect">
-            <a:avLst/>
-          </a:prstGeom>
-          <a:solidFill>
-            <a:srgbClr val="0070C0"/>
-          </a:solidFill>
-          <a:ln w="19050">
-            <a:solidFill>
-              <a:schemeClr val="bg1"/>
-            </a:solidFill>
-          </a:ln>
-        </p:spPr>
-        <p:style>
-          <a:lnRef idx="2">
-            <a:schemeClr val="accent1">
-              <a:shade val="50000"/>
-            </a:schemeClr>
-          </a:lnRef>
-          <a:fillRef idx="1">
-            <a:schemeClr val="accent1"/>
-          </a:fillRef>
-          <a:effectRef idx="0">
-            <a:schemeClr val="accent1"/>
-          </a:effectRef>
-          <a:fontRef idx="minor">
-            <a:schemeClr val="lt1"/>
-          </a:fontRef>
-        </p:style>
-        <p:txBody>
-          <a:bodyPr lIns="90000" rtlCol="0" anchor="ctr"/>
-          <a:lstStyle/>
-          <a:p>
-            <a:pPr algn="ctr"/>
-            <a:r>
-              <a:rPr lang="en-US" sz="2800" dirty="0" smtClean="0">
-                <a:solidFill>
-                  <a:schemeClr val="bg1"/>
-                </a:solidFill>
-              </a:rPr>
-              <a:t>Business logic</a:t>
-            </a:r>
-            <a:endParaRPr lang="bg-BG" sz="2800" dirty="0">
+          <p:cNvPr id="3" name="Content Placeholder 2"/>
+          <p:cNvSpPr>
+            <a:spLocks noGrp="1"/>
+          </p:cNvSpPr>
+          <p:nvPr>
+            <p:ph idx="1"/>
+          </p:nvPr>
+        </p:nvSpPr>
+        <p:spPr>
+          <a:xfrm>
+            <a:off x="1371600" y="2743200"/>
+            <a:ext cx="9601200" cy="3769896"/>
+          </a:xfrm>
+        </p:spPr>
+        <p:txBody>
+          <a:bodyPr>
+            <a:normAutofit/>
+          </a:bodyPr>
+          <a:lstStyle/>
+          <a:p>
+            <a:r>
+              <a:rPr lang="en-US" sz="3200" dirty="0">
+                <a:solidFill>
+                  <a:prstClr val="black"/>
+                </a:solidFill>
+                <a:ea typeface="+mj-ea"/>
+                <a:cs typeface="+mj-cs"/>
+              </a:rPr>
+              <a:t>Eases Communication</a:t>
+            </a:r>
+            <a:endParaRPr lang="en-US" sz="3200" dirty="0" smtClean="0">
               <a:solidFill>
-                <a:schemeClr val="bg1"/>
+                <a:prstClr val="black"/>
               </a:solidFill>
+              <a:ea typeface="+mj-ea"/>
+              <a:cs typeface="+mj-cs"/>
             </a:endParaRPr>
           </a:p>
-        </p:txBody>
-      </p:sp>
-      <p:sp>
-        <p:nvSpPr>
-          <p:cNvPr id="5" name="Rectangle 4"/>
-          <p:cNvSpPr/>
-          <p:nvPr/>
-        </p:nvSpPr>
-        <p:spPr>
-          <a:xfrm>
-            <a:off x="4655820" y="3366952"/>
-            <a:ext cx="3386138" cy="1728787"/>
-          </a:xfrm>
-          <a:prstGeom prst="rect">
-            <a:avLst/>
-          </a:prstGeom>
-          <a:solidFill>
-            <a:srgbClr val="0070C0"/>
-          </a:solidFill>
-          <a:ln w="19050">
-            <a:solidFill>
-              <a:schemeClr val="bg1"/>
-            </a:solidFill>
-          </a:ln>
-        </p:spPr>
-        <p:style>
-          <a:lnRef idx="2">
-            <a:schemeClr val="accent1">
-              <a:shade val="50000"/>
-            </a:schemeClr>
-          </a:lnRef>
-          <a:fillRef idx="1">
-            <a:schemeClr val="accent1"/>
-          </a:fillRef>
-          <a:effectRef idx="0">
-            <a:schemeClr val="accent1"/>
-          </a:effectRef>
-          <a:fontRef idx="minor">
-            <a:schemeClr val="lt1"/>
-          </a:fontRef>
-        </p:style>
-        <p:txBody>
-          <a:bodyPr lIns="90000" rtlCol="0" anchor="ctr"/>
-          <a:lstStyle/>
-          <a:p>
-            <a:pPr algn="ctr"/>
-            <a:r>
-              <a:rPr lang="en-US" sz="2800" dirty="0" smtClean="0">
-                <a:solidFill>
-                  <a:schemeClr val="bg1"/>
-                </a:solidFill>
-              </a:rPr>
-              <a:t>Business rules</a:t>
-            </a:r>
-            <a:endParaRPr lang="bg-BG" sz="2800" dirty="0">
-              <a:solidFill>
-                <a:schemeClr val="bg1"/>
-              </a:solidFill>
-            </a:endParaRPr>
-          </a:p>
-        </p:txBody>
-      </p:sp>
-      <p:sp>
-        <p:nvSpPr>
-          <p:cNvPr id="6" name="Rectangle 5"/>
-          <p:cNvSpPr/>
-          <p:nvPr/>
-        </p:nvSpPr>
-        <p:spPr>
-          <a:xfrm>
-            <a:off x="8282940" y="3366952"/>
-            <a:ext cx="3386138" cy="1728787"/>
-          </a:xfrm>
-          <a:prstGeom prst="rect">
-            <a:avLst/>
-          </a:prstGeom>
-          <a:solidFill>
-            <a:srgbClr val="0070C0"/>
-          </a:solidFill>
-          <a:ln w="19050">
-            <a:solidFill>
-              <a:schemeClr val="bg1"/>
-            </a:solidFill>
-          </a:ln>
-        </p:spPr>
-        <p:style>
-          <a:lnRef idx="2">
-            <a:schemeClr val="accent1">
-              <a:shade val="50000"/>
-            </a:schemeClr>
-          </a:lnRef>
-          <a:fillRef idx="1">
-            <a:schemeClr val="accent1"/>
-          </a:fillRef>
-          <a:effectRef idx="0">
-            <a:schemeClr val="accent1"/>
-          </a:effectRef>
-          <a:fontRef idx="minor">
-            <a:schemeClr val="lt1"/>
-          </a:fontRef>
-        </p:style>
-        <p:txBody>
-          <a:bodyPr lIns="90000" rtlCol="0" anchor="ctr"/>
-          <a:lstStyle/>
-          <a:p>
-            <a:pPr algn="ctr"/>
-            <a:r>
-              <a:rPr lang="en-US" sz="2800" dirty="0" smtClean="0">
-                <a:solidFill>
-                  <a:schemeClr val="bg1"/>
-                </a:solidFill>
-              </a:rPr>
-              <a:t>Business logic comprises</a:t>
-            </a:r>
-            <a:endParaRPr lang="bg-BG" sz="2800" dirty="0">
-              <a:solidFill>
-                <a:schemeClr val="bg1"/>
-              </a:solidFill>
-            </a:endParaRPr>
+          <a:p>
+            <a:r>
+              <a:rPr lang="en-US" sz="3200" dirty="0">
+                <a:solidFill>
+                  <a:prstClr val="black"/>
+                </a:solidFill>
+                <a:ea typeface="+mj-ea"/>
+                <a:cs typeface="+mj-cs"/>
+              </a:rPr>
+              <a:t>Improves </a:t>
+            </a:r>
+            <a:r>
+              <a:rPr lang="en-US" sz="3200" dirty="0" smtClean="0">
+                <a:solidFill>
+                  <a:prstClr val="black"/>
+                </a:solidFill>
+                <a:ea typeface="+mj-ea"/>
+                <a:cs typeface="+mj-cs"/>
+              </a:rPr>
+              <a:t>Flexibility</a:t>
+            </a:r>
+          </a:p>
+          <a:p>
+            <a:r>
+              <a:rPr lang="en-US" sz="3200" dirty="0">
+                <a:solidFill>
+                  <a:prstClr val="black"/>
+                </a:solidFill>
+                <a:ea typeface="+mj-ea"/>
+                <a:cs typeface="+mj-cs"/>
+              </a:rPr>
+              <a:t>Emphasizes Domain Over Interface</a:t>
+            </a:r>
           </a:p>
         </p:txBody>
       </p:sp>
     </p:spTree>
     <p:extLst>
       <p:ext uri="{BB962C8B-B14F-4D97-AF65-F5344CB8AC3E}">
-        <p14:creationId xmlns:p14="http://schemas.microsoft.com/office/powerpoint/2010/main" val="2487834621"/>
+        <p14:creationId xmlns:p14="http://schemas.microsoft.com/office/powerpoint/2010/main" val="3076682577"/>
       </p:ext>
     </p:extLst>
   </p:cSld>
   <p:clrMapOvr>
     <a:masterClrMapping/>
   </p:clrMapOvr>
+  <p:timing>
+    <p:tnLst>
+      <p:par>
+        <p:cTn id="1" dur="indefinite" restart="never" nodeType="tmRoot"/>
+      </p:par>
+    </p:tnLst>
+  </p:timing>
 </p:sld>
 </file>
 
 <file path=ppt/slides/slide23.xml><?xml version="1.0" encoding="utf-8"?>
+<p:sld xmlns:a="http://schemas.openxmlformats.org/drawingml/2006/main" xmlns:r="http://schemas.openxmlformats.org/officeDocument/2006/relationships" xmlns:p="http://schemas.openxmlformats.org/presentationml/2006/main">
+  <p:cSld>
+    <p:bg>
+      <p:bgPr>
+        <a:solidFill>
+          <a:srgbClr val="0070C0"/>
+        </a:solidFill>
+        <a:effectLst/>
+      </p:bgPr>
+    </p:bg>
+    <p:spTree>
+      <p:nvGrpSpPr>
+        <p:cNvPr id="1" name=""/>
+        <p:cNvGrpSpPr/>
+        <p:nvPr/>
+      </p:nvGrpSpPr>
+      <p:grpSpPr>
+        <a:xfrm>
+          <a:off x="0" y="0"/>
+          <a:ext cx="0" cy="0"/>
+          <a:chOff x="0" y="0"/>
+          <a:chExt cx="0" cy="0"/>
+        </a:xfrm>
+      </p:grpSpPr>
+      <p:sp>
+        <p:nvSpPr>
+          <p:cNvPr id="2" name="Title 1"/>
+          <p:cNvSpPr>
+            <a:spLocks noGrp="1"/>
+          </p:cNvSpPr>
+          <p:nvPr>
+            <p:ph type="title"/>
+          </p:nvPr>
+        </p:nvSpPr>
+        <p:spPr/>
+        <p:txBody>
+          <a:bodyPr/>
+          <a:lstStyle/>
+          <a:p>
+            <a:r>
+              <a:rPr lang="en-US" b="1" u="sng" dirty="0">
+                <a:solidFill>
+                  <a:schemeClr val="bg1"/>
+                </a:solidFill>
+              </a:rPr>
+              <a:t>Eases </a:t>
+            </a:r>
+            <a:r>
+              <a:rPr lang="en-US" b="1" u="sng" dirty="0" smtClean="0">
+                <a:solidFill>
+                  <a:schemeClr val="bg1"/>
+                </a:solidFill>
+              </a:rPr>
+              <a:t>Communication</a:t>
+            </a:r>
+            <a:endParaRPr lang="bg-BG" b="1" u="sng" dirty="0">
+              <a:solidFill>
+                <a:schemeClr val="bg1"/>
+              </a:solidFill>
+            </a:endParaRPr>
+          </a:p>
+        </p:txBody>
+      </p:sp>
+      <p:sp>
+        <p:nvSpPr>
+          <p:cNvPr id="3" name="Content Placeholder 2"/>
+          <p:cNvSpPr>
+            <a:spLocks noGrp="1"/>
+          </p:cNvSpPr>
+          <p:nvPr>
+            <p:ph idx="1"/>
+          </p:nvPr>
+        </p:nvSpPr>
+        <p:spPr>
+          <a:xfrm>
+            <a:off x="1371600" y="2285999"/>
+            <a:ext cx="8674768" cy="4491789"/>
+          </a:xfrm>
+        </p:spPr>
+        <p:txBody>
+          <a:bodyPr>
+            <a:normAutofit lnSpcReduction="10000"/>
+          </a:bodyPr>
+          <a:lstStyle/>
+          <a:p>
+            <a:r>
+              <a:rPr lang="en-US" sz="3200" dirty="0">
+                <a:solidFill>
+                  <a:schemeClr val="bg1"/>
+                </a:solidFill>
+              </a:rPr>
+              <a:t>With an early emphasis on establishing a common and ubiquitous language related to the domain model of the project, teams will often find communication throughout the entire development life cycle to be much easier. Typically, DDD will require less technical jargon when discussing aspects of the application, since the ubiquitous language established early on will likely define simpler terms to refer to those more technical aspects.</a:t>
+            </a:r>
+          </a:p>
+        </p:txBody>
+      </p:sp>
+    </p:spTree>
+    <p:extLst>
+      <p:ext uri="{BB962C8B-B14F-4D97-AF65-F5344CB8AC3E}">
+        <p14:creationId xmlns:p14="http://schemas.microsoft.com/office/powerpoint/2010/main" val="3328177031"/>
+      </p:ext>
+    </p:extLst>
+  </p:cSld>
+  <p:clrMapOvr>
+    <a:masterClrMapping/>
+  </p:clrMapOvr>
+  <p:timing>
+    <p:tnLst>
+      <p:par>
+        <p:cTn id="1" dur="indefinite" restart="never" nodeType="tmRoot"/>
+      </p:par>
+    </p:tnLst>
+  </p:timing>
+</p:sld>
+</file>
+
+<file path=ppt/slides/slide24.xml><?xml version="1.0" encoding="utf-8"?>
+<p:sld xmlns:a="http://schemas.openxmlformats.org/drawingml/2006/main" xmlns:r="http://schemas.openxmlformats.org/officeDocument/2006/relationships" xmlns:p="http://schemas.openxmlformats.org/presentationml/2006/main">
+  <p:cSld>
+    <p:bg>
+      <p:bgPr>
+        <a:solidFill>
+          <a:srgbClr val="0070C0"/>
+        </a:solidFill>
+        <a:effectLst/>
+      </p:bgPr>
+    </p:bg>
+    <p:spTree>
+      <p:nvGrpSpPr>
+        <p:cNvPr id="1" name=""/>
+        <p:cNvGrpSpPr/>
+        <p:nvPr/>
+      </p:nvGrpSpPr>
+      <p:grpSpPr>
+        <a:xfrm>
+          <a:off x="0" y="0"/>
+          <a:ext cx="0" cy="0"/>
+          <a:chOff x="0" y="0"/>
+          <a:chExt cx="0" cy="0"/>
+        </a:xfrm>
+      </p:grpSpPr>
+      <p:sp>
+        <p:nvSpPr>
+          <p:cNvPr id="2" name="Title 1"/>
+          <p:cNvSpPr>
+            <a:spLocks noGrp="1"/>
+          </p:cNvSpPr>
+          <p:nvPr>
+            <p:ph type="title"/>
+          </p:nvPr>
+        </p:nvSpPr>
+        <p:spPr/>
+        <p:txBody>
+          <a:bodyPr/>
+          <a:lstStyle/>
+          <a:p>
+            <a:r>
+              <a:rPr lang="en-US" b="1" u="sng" dirty="0">
+                <a:solidFill>
+                  <a:schemeClr val="bg1"/>
+                </a:solidFill>
+              </a:rPr>
+              <a:t>Improves Flexibility</a:t>
+            </a:r>
+          </a:p>
+        </p:txBody>
+      </p:sp>
+      <p:sp>
+        <p:nvSpPr>
+          <p:cNvPr id="3" name="Content Placeholder 2"/>
+          <p:cNvSpPr>
+            <a:spLocks noGrp="1"/>
+          </p:cNvSpPr>
+          <p:nvPr>
+            <p:ph idx="1"/>
+          </p:nvPr>
+        </p:nvSpPr>
+        <p:spPr>
+          <a:xfrm>
+            <a:off x="1371600" y="2285999"/>
+            <a:ext cx="8674768" cy="4491789"/>
+          </a:xfrm>
+        </p:spPr>
+        <p:txBody>
+          <a:bodyPr>
+            <a:normAutofit/>
+          </a:bodyPr>
+          <a:lstStyle/>
+          <a:p>
+            <a:r>
+              <a:rPr lang="en-US" sz="3200" dirty="0">
+                <a:solidFill>
+                  <a:schemeClr val="bg1"/>
+                </a:solidFill>
+              </a:rPr>
+              <a:t>Since DDD is so heavily based around the concepts of object-oriented analysis and design, nearly everything within the domain model will be based on an object and will, therefore, be quite modular and encapsulated. This allows for various components, or even the entire system as a whole, to be altered and improved on a regular, continuous </a:t>
+            </a:r>
+            <a:r>
+              <a:rPr lang="en-US" sz="3200" dirty="0" smtClean="0">
+                <a:solidFill>
+                  <a:schemeClr val="bg1"/>
+                </a:solidFill>
+              </a:rPr>
+              <a:t>basis.</a:t>
+            </a:r>
+            <a:endParaRPr lang="en-US" sz="3200" dirty="0">
+              <a:solidFill>
+                <a:schemeClr val="bg1"/>
+              </a:solidFill>
+            </a:endParaRPr>
+          </a:p>
+        </p:txBody>
+      </p:sp>
+    </p:spTree>
+    <p:extLst>
+      <p:ext uri="{BB962C8B-B14F-4D97-AF65-F5344CB8AC3E}">
+        <p14:creationId xmlns:p14="http://schemas.microsoft.com/office/powerpoint/2010/main" val="3975672870"/>
+      </p:ext>
+    </p:extLst>
+  </p:cSld>
+  <p:clrMapOvr>
+    <a:masterClrMapping/>
+  </p:clrMapOvr>
+  <p:timing>
+    <p:tnLst>
+      <p:par>
+        <p:cTn id="1" dur="indefinite" restart="never" nodeType="tmRoot"/>
+      </p:par>
+    </p:tnLst>
+  </p:timing>
+</p:sld>
+</file>
+
+<file path=ppt/slides/slide25.xml><?xml version="1.0" encoding="utf-8"?>
+<p:sld xmlns:a="http://schemas.openxmlformats.org/drawingml/2006/main" xmlns:r="http://schemas.openxmlformats.org/officeDocument/2006/relationships" xmlns:p="http://schemas.openxmlformats.org/presentationml/2006/main">
+  <p:cSld>
+    <p:bg>
+      <p:bgPr>
+        <a:solidFill>
+          <a:srgbClr val="0070C0"/>
+        </a:solidFill>
+        <a:effectLst/>
+      </p:bgPr>
+    </p:bg>
+    <p:spTree>
+      <p:nvGrpSpPr>
+        <p:cNvPr id="1" name=""/>
+        <p:cNvGrpSpPr/>
+        <p:nvPr/>
+      </p:nvGrpSpPr>
+      <p:grpSpPr>
+        <a:xfrm>
+          <a:off x="0" y="0"/>
+          <a:ext cx="0" cy="0"/>
+          <a:chOff x="0" y="0"/>
+          <a:chExt cx="0" cy="0"/>
+        </a:xfrm>
+      </p:grpSpPr>
+      <p:sp>
+        <p:nvSpPr>
+          <p:cNvPr id="2" name="Title 1"/>
+          <p:cNvSpPr>
+            <a:spLocks noGrp="1"/>
+          </p:cNvSpPr>
+          <p:nvPr>
+            <p:ph type="title"/>
+          </p:nvPr>
+        </p:nvSpPr>
+        <p:spPr/>
+        <p:txBody>
+          <a:bodyPr/>
+          <a:lstStyle/>
+          <a:p>
+            <a:r>
+              <a:rPr lang="en-US" b="1" u="sng" dirty="0">
+                <a:solidFill>
+                  <a:schemeClr val="bg1"/>
+                </a:solidFill>
+              </a:rPr>
+              <a:t>Emphasizes Domain Over Interface</a:t>
+            </a:r>
+          </a:p>
+        </p:txBody>
+      </p:sp>
+      <p:sp>
+        <p:nvSpPr>
+          <p:cNvPr id="3" name="Content Placeholder 2"/>
+          <p:cNvSpPr>
+            <a:spLocks noGrp="1"/>
+          </p:cNvSpPr>
+          <p:nvPr>
+            <p:ph idx="1"/>
+          </p:nvPr>
+        </p:nvSpPr>
+        <p:spPr>
+          <a:xfrm>
+            <a:off x="1371600" y="1860885"/>
+            <a:ext cx="8674768" cy="4916904"/>
+          </a:xfrm>
+        </p:spPr>
+        <p:txBody>
+          <a:bodyPr>
+            <a:normAutofit lnSpcReduction="10000"/>
+          </a:bodyPr>
+          <a:lstStyle/>
+          <a:p>
+            <a:r>
+              <a:rPr lang="en-US" sz="3200" dirty="0">
+                <a:solidFill>
+                  <a:schemeClr val="bg1"/>
+                </a:solidFill>
+              </a:rPr>
+              <a:t>Since DDD is the practice of building around the concepts of domain and what the domain experts within the project advise, DDD will often produce applications that are accurately suited for and representative of the domain at hand, as opposed to those applications which emphasize the UI/UX first and foremost. While an obvious balance is required, the focus on domain means that a DDD approach can produce a product that resonates well with the audience associated with that domain.</a:t>
+            </a:r>
+          </a:p>
+        </p:txBody>
+      </p:sp>
+    </p:spTree>
+    <p:extLst>
+      <p:ext uri="{BB962C8B-B14F-4D97-AF65-F5344CB8AC3E}">
+        <p14:creationId xmlns:p14="http://schemas.microsoft.com/office/powerpoint/2010/main" val="3601289814"/>
+      </p:ext>
+    </p:extLst>
+  </p:cSld>
+  <p:clrMapOvr>
+    <a:masterClrMapping/>
+  </p:clrMapOvr>
+  <p:timing>
+    <p:tnLst>
+      <p:par>
+        <p:cTn id="1" dur="indefinite" restart="never" nodeType="tmRoot"/>
+      </p:par>
+    </p:tnLst>
+  </p:timing>
+</p:sld>
+</file>
+
+<file path=ppt/slides/slide26.xml><?xml version="1.0" encoding="utf-8"?>
 <p:sld xmlns:a="http://schemas.openxmlformats.org/drawingml/2006/main" xmlns:r="http://schemas.openxmlformats.org/officeDocument/2006/relationships" xmlns:p="http://schemas.openxmlformats.org/presentationml/2006/main">
   <p:cSld>
     <p:spTree>
@@ -6453,7 +7327,7 @@
       </p:grpSpPr>
       <p:sp>
         <p:nvSpPr>
-          <p:cNvPr id="5" name="Title 4"/>
+          <p:cNvPr id="4" name="Title 3"/>
           <p:cNvSpPr>
             <a:spLocks noGrp="1"/>
           </p:cNvSpPr>
@@ -6463,667 +7337,146 @@
         </p:nvSpPr>
         <p:spPr/>
         <p:txBody>
+          <a:bodyPr anchor="ctr">
+            <a:normAutofit/>
+          </a:bodyPr>
+          <a:lstStyle/>
+          <a:p>
+            <a:r>
+              <a:rPr lang="en-US" u="sng" dirty="0" smtClean="0">
+                <a:solidFill>
+                  <a:srgbClr val="0070C0"/>
+                </a:solidFill>
+              </a:rPr>
+              <a:t/>
+            </a:r>
+            <a:br>
+              <a:rPr lang="en-US" u="sng" dirty="0" smtClean="0">
+                <a:solidFill>
+                  <a:srgbClr val="0070C0"/>
+                </a:solidFill>
+              </a:rPr>
+            </a:br>
+            <a:r>
+              <a:rPr lang="en-US" u="sng" dirty="0" smtClean="0">
+                <a:solidFill>
+                  <a:srgbClr val="0070C0"/>
+                </a:solidFill>
+              </a:rPr>
+              <a:t>Disadvantages of DDD:</a:t>
+            </a:r>
+            <a:endParaRPr lang="en-US" sz="3600" dirty="0">
+              <a:solidFill>
+                <a:schemeClr val="tx1"/>
+              </a:solidFill>
+            </a:endParaRPr>
+          </a:p>
+        </p:txBody>
+      </p:sp>
+      <p:sp>
+        <p:nvSpPr>
+          <p:cNvPr id="3" name="Content Placeholder 2"/>
+          <p:cNvSpPr>
+            <a:spLocks noGrp="1"/>
+          </p:cNvSpPr>
+          <p:nvPr>
+            <p:ph idx="1"/>
+          </p:nvPr>
+        </p:nvSpPr>
+        <p:spPr>
+          <a:xfrm>
+            <a:off x="1371600" y="2743200"/>
+            <a:ext cx="9601200" cy="3769896"/>
+          </a:xfrm>
+        </p:spPr>
+        <p:txBody>
           <a:bodyPr>
-            <a:normAutofit fontScale="90000"/>
+            <a:normAutofit/>
           </a:bodyPr>
           <a:lstStyle/>
           <a:p>
             <a:r>
-              <a:rPr lang="en-US" sz="2400" dirty="0">
-                <a:solidFill>
-                  <a:srgbClr val="C586C0"/>
-                </a:solidFill>
-                <a:latin typeface="Consolas" panose="020B0609020204030204" pitchFamily="49" charset="0"/>
-              </a:rPr>
-              <a:t>import</a:t>
-            </a:r>
-            <a:r>
-              <a:rPr lang="en-US" sz="2400" dirty="0">
-                <a:solidFill>
-                  <a:srgbClr val="D4D4D4"/>
-                </a:solidFill>
-                <a:latin typeface="Consolas" panose="020B0609020204030204" pitchFamily="49" charset="0"/>
-              </a:rPr>
-              <a:t> {</a:t>
-            </a:r>
-            <a:r>
-              <a:rPr lang="en-US" sz="2400" dirty="0">
-                <a:solidFill>
-                  <a:srgbClr val="9CDCFE"/>
-                </a:solidFill>
-                <a:latin typeface="Consolas" panose="020B0609020204030204" pitchFamily="49" charset="0"/>
-              </a:rPr>
-              <a:t>Component</a:t>
-            </a:r>
-            <a:r>
-              <a:rPr lang="en-US" sz="2400" dirty="0">
-                <a:solidFill>
-                  <a:srgbClr val="D4D4D4"/>
-                </a:solidFill>
-                <a:latin typeface="Consolas" panose="020B0609020204030204" pitchFamily="49" charset="0"/>
-              </a:rPr>
-              <a:t>} </a:t>
-            </a:r>
-            <a:r>
-              <a:rPr lang="en-US" sz="2400" dirty="0">
-                <a:solidFill>
-                  <a:srgbClr val="C586C0"/>
-                </a:solidFill>
-                <a:latin typeface="Consolas" panose="020B0609020204030204" pitchFamily="49" charset="0"/>
-              </a:rPr>
-              <a:t>from</a:t>
-            </a:r>
-            <a:r>
-              <a:rPr lang="en-US" sz="2400" dirty="0">
-                <a:solidFill>
-                  <a:srgbClr val="D4D4D4"/>
-                </a:solidFill>
-                <a:latin typeface="Consolas" panose="020B0609020204030204" pitchFamily="49" charset="0"/>
-              </a:rPr>
-              <a:t> </a:t>
-            </a:r>
-            <a:r>
-              <a:rPr lang="en-US" sz="2400" dirty="0">
-                <a:solidFill>
-                  <a:srgbClr val="CE9178"/>
-                </a:solidFill>
-                <a:latin typeface="Consolas" panose="020B0609020204030204" pitchFamily="49" charset="0"/>
-              </a:rPr>
-              <a:t>'@angular/core'</a:t>
-            </a:r>
-            <a:r>
-              <a:rPr lang="en-US" sz="2400" dirty="0">
-                <a:solidFill>
-                  <a:srgbClr val="D4D4D4"/>
-                </a:solidFill>
-                <a:latin typeface="Consolas" panose="020B0609020204030204" pitchFamily="49" charset="0"/>
-              </a:rPr>
-              <a:t>;</a:t>
-            </a:r>
-            <a:br>
-              <a:rPr lang="en-US" sz="2400" dirty="0">
-                <a:solidFill>
-                  <a:srgbClr val="D4D4D4"/>
-                </a:solidFill>
-                <a:latin typeface="Consolas" panose="020B0609020204030204" pitchFamily="49" charset="0"/>
-              </a:rPr>
-            </a:br>
-            <a:r>
-              <a:rPr lang="en-US" sz="2400" dirty="0">
-                <a:solidFill>
-                  <a:srgbClr val="D4D4D4"/>
-                </a:solidFill>
-                <a:latin typeface="Consolas" panose="020B0609020204030204" pitchFamily="49" charset="0"/>
-              </a:rPr>
-              <a:t/>
-            </a:r>
-            <a:br>
-              <a:rPr lang="en-US" sz="2400" dirty="0">
-                <a:solidFill>
-                  <a:srgbClr val="D4D4D4"/>
-                </a:solidFill>
-                <a:latin typeface="Consolas" panose="020B0609020204030204" pitchFamily="49" charset="0"/>
-              </a:rPr>
-            </a:br>
-            <a:r>
-              <a:rPr lang="en-US" sz="2400" dirty="0">
-                <a:solidFill>
-                  <a:srgbClr val="C586C0"/>
-                </a:solidFill>
-                <a:latin typeface="Consolas" panose="020B0609020204030204" pitchFamily="49" charset="0"/>
-              </a:rPr>
-              <a:t>import</a:t>
-            </a:r>
-            <a:r>
-              <a:rPr lang="en-US" sz="2400" dirty="0">
-                <a:solidFill>
-                  <a:srgbClr val="D4D4D4"/>
-                </a:solidFill>
-                <a:latin typeface="Consolas" panose="020B0609020204030204" pitchFamily="49" charset="0"/>
-              </a:rPr>
-              <a:t> {</a:t>
-            </a:r>
-            <a:r>
-              <a:rPr lang="en-US" sz="2400" dirty="0">
-                <a:solidFill>
-                  <a:srgbClr val="9CDCFE"/>
-                </a:solidFill>
-                <a:latin typeface="Consolas" panose="020B0609020204030204" pitchFamily="49" charset="0"/>
-              </a:rPr>
-              <a:t>Vehicle</a:t>
-            </a:r>
-            <a:r>
-              <a:rPr lang="en-US" sz="2400" dirty="0">
-                <a:solidFill>
-                  <a:srgbClr val="D4D4D4"/>
-                </a:solidFill>
-                <a:latin typeface="Consolas" panose="020B0609020204030204" pitchFamily="49" charset="0"/>
-              </a:rPr>
-              <a:t>} </a:t>
-            </a:r>
-            <a:r>
-              <a:rPr lang="en-US" sz="2400" dirty="0">
-                <a:solidFill>
-                  <a:srgbClr val="C586C0"/>
-                </a:solidFill>
-                <a:latin typeface="Consolas" panose="020B0609020204030204" pitchFamily="49" charset="0"/>
-              </a:rPr>
-              <a:t>from</a:t>
-            </a:r>
-            <a:r>
-              <a:rPr lang="en-US" sz="2400" dirty="0">
-                <a:solidFill>
-                  <a:srgbClr val="D4D4D4"/>
-                </a:solidFill>
-                <a:latin typeface="Consolas" panose="020B0609020204030204" pitchFamily="49" charset="0"/>
-              </a:rPr>
-              <a:t> </a:t>
-            </a:r>
-            <a:r>
-              <a:rPr lang="en-US" sz="2400" dirty="0">
-                <a:solidFill>
-                  <a:srgbClr val="CE9178"/>
-                </a:solidFill>
-                <a:latin typeface="Consolas" panose="020B0609020204030204" pitchFamily="49" charset="0"/>
-              </a:rPr>
-              <a:t>'./</a:t>
-            </a:r>
-            <a:r>
-              <a:rPr lang="en-US" sz="2400" dirty="0" err="1">
-                <a:solidFill>
-                  <a:srgbClr val="CE9178"/>
-                </a:solidFill>
-                <a:latin typeface="Consolas" panose="020B0609020204030204" pitchFamily="49" charset="0"/>
-              </a:rPr>
-              <a:t>vehicle.service</a:t>
-            </a:r>
-            <a:r>
-              <a:rPr lang="en-US" sz="2400" dirty="0">
-                <a:solidFill>
-                  <a:srgbClr val="CE9178"/>
-                </a:solidFill>
-                <a:latin typeface="Consolas" panose="020B0609020204030204" pitchFamily="49" charset="0"/>
-              </a:rPr>
-              <a:t>'</a:t>
-            </a:r>
-            <a:r>
-              <a:rPr lang="en-US" sz="2400" dirty="0">
-                <a:solidFill>
-                  <a:srgbClr val="D4D4D4"/>
-                </a:solidFill>
-                <a:latin typeface="Consolas" panose="020B0609020204030204" pitchFamily="49" charset="0"/>
-              </a:rPr>
-              <a:t>;</a:t>
-            </a:r>
-            <a:br>
-              <a:rPr lang="en-US" sz="2400" dirty="0">
-                <a:solidFill>
-                  <a:srgbClr val="D4D4D4"/>
-                </a:solidFill>
-                <a:latin typeface="Consolas" panose="020B0609020204030204" pitchFamily="49" charset="0"/>
-              </a:rPr>
-            </a:br>
-            <a:r>
-              <a:rPr lang="en-US" sz="2400" dirty="0">
-                <a:solidFill>
-                  <a:srgbClr val="D4D4D4"/>
-                </a:solidFill>
-                <a:latin typeface="Consolas" panose="020B0609020204030204" pitchFamily="49" charset="0"/>
-              </a:rPr>
-              <a:t/>
-            </a:r>
-            <a:br>
-              <a:rPr lang="en-US" sz="2400" dirty="0">
-                <a:solidFill>
-                  <a:srgbClr val="D4D4D4"/>
-                </a:solidFill>
-                <a:latin typeface="Consolas" panose="020B0609020204030204" pitchFamily="49" charset="0"/>
-              </a:rPr>
-            </a:br>
-            <a:r>
-              <a:rPr lang="en-US" sz="2400" dirty="0">
-                <a:solidFill>
-                  <a:srgbClr val="D4D4D4"/>
-                </a:solidFill>
-                <a:latin typeface="Consolas" panose="020B0609020204030204" pitchFamily="49" charset="0"/>
-              </a:rPr>
-              <a:t>@</a:t>
-            </a:r>
-            <a:r>
-              <a:rPr lang="en-US" sz="2400" dirty="0">
-                <a:solidFill>
-                  <a:srgbClr val="DCDCAA"/>
-                </a:solidFill>
-                <a:latin typeface="Consolas" panose="020B0609020204030204" pitchFamily="49" charset="0"/>
-              </a:rPr>
-              <a:t>Component</a:t>
-            </a:r>
-            <a:r>
-              <a:rPr lang="en-US" sz="2400" dirty="0">
-                <a:solidFill>
-                  <a:srgbClr val="D4D4D4"/>
-                </a:solidFill>
-                <a:latin typeface="Consolas" panose="020B0609020204030204" pitchFamily="49" charset="0"/>
-              </a:rPr>
-              <a:t>({</a:t>
-            </a:r>
-            <a:br>
-              <a:rPr lang="en-US" sz="2400" dirty="0">
-                <a:solidFill>
-                  <a:srgbClr val="D4D4D4"/>
-                </a:solidFill>
-                <a:latin typeface="Consolas" panose="020B0609020204030204" pitchFamily="49" charset="0"/>
-              </a:rPr>
-            </a:br>
-            <a:r>
-              <a:rPr lang="en-US" sz="2400" dirty="0">
-                <a:solidFill>
-                  <a:srgbClr val="D4D4D4"/>
-                </a:solidFill>
-                <a:latin typeface="Consolas" panose="020B0609020204030204" pitchFamily="49" charset="0"/>
-              </a:rPr>
-              <a:t>    </a:t>
-            </a:r>
-            <a:r>
-              <a:rPr lang="en-US" sz="2400" dirty="0" err="1">
-                <a:solidFill>
-                  <a:srgbClr val="9CDCFE"/>
-                </a:solidFill>
-                <a:latin typeface="Consolas" panose="020B0609020204030204" pitchFamily="49" charset="0"/>
-              </a:rPr>
-              <a:t>moduleId</a:t>
-            </a:r>
-            <a:r>
-              <a:rPr lang="en-US" sz="2400" dirty="0">
-                <a:solidFill>
-                  <a:srgbClr val="9CDCFE"/>
-                </a:solidFill>
-                <a:latin typeface="Consolas" panose="020B0609020204030204" pitchFamily="49" charset="0"/>
-              </a:rPr>
-              <a:t>:</a:t>
-            </a:r>
-            <a:r>
-              <a:rPr lang="en-US" sz="2400" dirty="0">
-                <a:solidFill>
-                  <a:srgbClr val="D4D4D4"/>
-                </a:solidFill>
-                <a:latin typeface="Consolas" panose="020B0609020204030204" pitchFamily="49" charset="0"/>
-              </a:rPr>
-              <a:t> </a:t>
-            </a:r>
-            <a:r>
-              <a:rPr lang="en-US" sz="2400" dirty="0">
-                <a:solidFill>
-                  <a:srgbClr val="4EC9B0"/>
-                </a:solidFill>
-                <a:latin typeface="Consolas" panose="020B0609020204030204" pitchFamily="49" charset="0"/>
-              </a:rPr>
-              <a:t>module</a:t>
-            </a:r>
-            <a:r>
-              <a:rPr lang="en-US" sz="2400" dirty="0">
-                <a:solidFill>
-                  <a:srgbClr val="D4D4D4"/>
-                </a:solidFill>
-                <a:latin typeface="Consolas" panose="020B0609020204030204" pitchFamily="49" charset="0"/>
-              </a:rPr>
-              <a:t>.</a:t>
-            </a:r>
-            <a:r>
-              <a:rPr lang="en-US" sz="2400" dirty="0">
-                <a:solidFill>
-                  <a:srgbClr val="4EC9B0"/>
-                </a:solidFill>
-                <a:latin typeface="Consolas" panose="020B0609020204030204" pitchFamily="49" charset="0"/>
-              </a:rPr>
-              <a:t>id</a:t>
-            </a:r>
-            <a:r>
-              <a:rPr lang="en-US" sz="2400" dirty="0">
-                <a:solidFill>
-                  <a:srgbClr val="D4D4D4"/>
-                </a:solidFill>
-                <a:latin typeface="Consolas" panose="020B0609020204030204" pitchFamily="49" charset="0"/>
-              </a:rPr>
-              <a:t>,</a:t>
-            </a:r>
-            <a:br>
-              <a:rPr lang="en-US" sz="2400" dirty="0">
-                <a:solidFill>
-                  <a:srgbClr val="D4D4D4"/>
-                </a:solidFill>
-                <a:latin typeface="Consolas" panose="020B0609020204030204" pitchFamily="49" charset="0"/>
-              </a:rPr>
-            </a:br>
-            <a:r>
-              <a:rPr lang="en-US" sz="2400" dirty="0">
-                <a:solidFill>
-                  <a:srgbClr val="D4D4D4"/>
-                </a:solidFill>
-                <a:latin typeface="Consolas" panose="020B0609020204030204" pitchFamily="49" charset="0"/>
-              </a:rPr>
-              <a:t>    </a:t>
-            </a:r>
-            <a:r>
-              <a:rPr lang="en-US" sz="2400" dirty="0">
-                <a:solidFill>
-                  <a:srgbClr val="9CDCFE"/>
-                </a:solidFill>
-                <a:latin typeface="Consolas" panose="020B0609020204030204" pitchFamily="49" charset="0"/>
-              </a:rPr>
-              <a:t>selector:</a:t>
-            </a:r>
-            <a:r>
-              <a:rPr lang="en-US" sz="2400" dirty="0">
-                <a:solidFill>
-                  <a:srgbClr val="D4D4D4"/>
-                </a:solidFill>
-                <a:latin typeface="Consolas" panose="020B0609020204030204" pitchFamily="49" charset="0"/>
-              </a:rPr>
-              <a:t> </a:t>
-            </a:r>
-            <a:r>
-              <a:rPr lang="en-US" sz="2400" dirty="0">
-                <a:solidFill>
-                  <a:srgbClr val="CE9178"/>
-                </a:solidFill>
-                <a:latin typeface="Consolas" panose="020B0609020204030204" pitchFamily="49" charset="0"/>
-              </a:rPr>
-              <a:t>'story-vehicles'</a:t>
-            </a:r>
-            <a:r>
-              <a:rPr lang="en-US" sz="2400" dirty="0">
-                <a:solidFill>
-                  <a:srgbClr val="D4D4D4"/>
-                </a:solidFill>
-                <a:latin typeface="Consolas" panose="020B0609020204030204" pitchFamily="49" charset="0"/>
-              </a:rPr>
-              <a:t>,</a:t>
-            </a:r>
-            <a:br>
-              <a:rPr lang="en-US" sz="2400" dirty="0">
-                <a:solidFill>
-                  <a:srgbClr val="D4D4D4"/>
-                </a:solidFill>
-                <a:latin typeface="Consolas" panose="020B0609020204030204" pitchFamily="49" charset="0"/>
-              </a:rPr>
-            </a:br>
-            <a:r>
-              <a:rPr lang="en-US" sz="2400" dirty="0">
-                <a:solidFill>
-                  <a:srgbClr val="D4D4D4"/>
-                </a:solidFill>
-                <a:latin typeface="Consolas" panose="020B0609020204030204" pitchFamily="49" charset="0"/>
-              </a:rPr>
-              <a:t>    </a:t>
-            </a:r>
-            <a:r>
-              <a:rPr lang="en-US" sz="2400" dirty="0" err="1">
-                <a:solidFill>
-                  <a:srgbClr val="9CDCFE"/>
-                </a:solidFill>
-                <a:latin typeface="Consolas" panose="020B0609020204030204" pitchFamily="49" charset="0"/>
-              </a:rPr>
-              <a:t>templateUrl</a:t>
-            </a:r>
-            <a:r>
-              <a:rPr lang="en-US" sz="2400" dirty="0">
-                <a:solidFill>
-                  <a:srgbClr val="9CDCFE"/>
-                </a:solidFill>
-                <a:latin typeface="Consolas" panose="020B0609020204030204" pitchFamily="49" charset="0"/>
-              </a:rPr>
-              <a:t>:</a:t>
-            </a:r>
-            <a:r>
-              <a:rPr lang="en-US" sz="2400" dirty="0">
-                <a:solidFill>
-                  <a:srgbClr val="D4D4D4"/>
-                </a:solidFill>
-                <a:latin typeface="Consolas" panose="020B0609020204030204" pitchFamily="49" charset="0"/>
-              </a:rPr>
-              <a:t> </a:t>
-            </a:r>
-            <a:r>
-              <a:rPr lang="en-US" sz="2400" dirty="0">
-                <a:solidFill>
-                  <a:srgbClr val="CE9178"/>
-                </a:solidFill>
-                <a:latin typeface="Consolas" panose="020B0609020204030204" pitchFamily="49" charset="0"/>
-              </a:rPr>
-              <a:t>'vehicles.component.html'</a:t>
-            </a:r>
-            <a:r>
-              <a:rPr lang="en-US" sz="2400" dirty="0">
-                <a:solidFill>
-                  <a:srgbClr val="D4D4D4"/>
-                </a:solidFill>
-                <a:latin typeface="Consolas" panose="020B0609020204030204" pitchFamily="49" charset="0"/>
-              </a:rPr>
-              <a:t/>
-            </a:r>
-            <a:br>
-              <a:rPr lang="en-US" sz="2400" dirty="0">
-                <a:solidFill>
-                  <a:srgbClr val="D4D4D4"/>
-                </a:solidFill>
-                <a:latin typeface="Consolas" panose="020B0609020204030204" pitchFamily="49" charset="0"/>
-              </a:rPr>
-            </a:br>
-            <a:r>
-              <a:rPr lang="en-US" sz="2400" dirty="0">
-                <a:solidFill>
-                  <a:srgbClr val="D4D4D4"/>
-                </a:solidFill>
-                <a:latin typeface="Consolas" panose="020B0609020204030204" pitchFamily="49" charset="0"/>
-              </a:rPr>
-              <a:t>})</a:t>
-            </a:r>
-            <a:br>
-              <a:rPr lang="en-US" sz="2400" dirty="0">
-                <a:solidFill>
-                  <a:srgbClr val="D4D4D4"/>
-                </a:solidFill>
-                <a:latin typeface="Consolas" panose="020B0609020204030204" pitchFamily="49" charset="0"/>
-              </a:rPr>
-            </a:br>
-            <a:r>
-              <a:rPr lang="en-US" sz="2400" dirty="0">
-                <a:solidFill>
-                  <a:srgbClr val="D4D4D4"/>
-                </a:solidFill>
-                <a:latin typeface="Consolas" panose="020B0609020204030204" pitchFamily="49" charset="0"/>
-              </a:rPr>
-              <a:t/>
-            </a:r>
-            <a:br>
-              <a:rPr lang="en-US" sz="2400" dirty="0">
-                <a:solidFill>
-                  <a:srgbClr val="D4D4D4"/>
-                </a:solidFill>
-                <a:latin typeface="Consolas" panose="020B0609020204030204" pitchFamily="49" charset="0"/>
-              </a:rPr>
-            </a:br>
-            <a:r>
-              <a:rPr lang="en-US" sz="2400" dirty="0">
-                <a:solidFill>
-                  <a:srgbClr val="C586C0"/>
-                </a:solidFill>
-                <a:latin typeface="Consolas" panose="020B0609020204030204" pitchFamily="49" charset="0"/>
-              </a:rPr>
-              <a:t>export</a:t>
-            </a:r>
-            <a:r>
-              <a:rPr lang="en-US" sz="2400" dirty="0">
-                <a:solidFill>
-                  <a:srgbClr val="D4D4D4"/>
-                </a:solidFill>
-                <a:latin typeface="Consolas" panose="020B0609020204030204" pitchFamily="49" charset="0"/>
-              </a:rPr>
-              <a:t> </a:t>
-            </a:r>
-            <a:r>
-              <a:rPr lang="en-US" sz="2400" dirty="0">
-                <a:solidFill>
-                  <a:srgbClr val="569CD6"/>
-                </a:solidFill>
-                <a:latin typeface="Consolas" panose="020B0609020204030204" pitchFamily="49" charset="0"/>
-              </a:rPr>
-              <a:t>class</a:t>
-            </a:r>
-            <a:r>
-              <a:rPr lang="en-US" sz="2400" dirty="0">
-                <a:solidFill>
-                  <a:srgbClr val="D4D4D4"/>
-                </a:solidFill>
-                <a:latin typeface="Consolas" panose="020B0609020204030204" pitchFamily="49" charset="0"/>
-              </a:rPr>
-              <a:t> </a:t>
-            </a:r>
-            <a:r>
-              <a:rPr lang="en-US" sz="2400" dirty="0" err="1">
-                <a:solidFill>
-                  <a:srgbClr val="4EC9B0"/>
-                </a:solidFill>
-                <a:latin typeface="Consolas" panose="020B0609020204030204" pitchFamily="49" charset="0"/>
-              </a:rPr>
-              <a:t>VehicleListComponent</a:t>
-            </a:r>
-            <a:r>
-              <a:rPr lang="en-US" sz="2400" dirty="0">
-                <a:solidFill>
-                  <a:srgbClr val="D4D4D4"/>
-                </a:solidFill>
-                <a:latin typeface="Consolas" panose="020B0609020204030204" pitchFamily="49" charset="0"/>
-              </a:rPr>
-              <a:t> {</a:t>
-            </a:r>
-            <a:br>
-              <a:rPr lang="en-US" sz="2400" dirty="0">
-                <a:solidFill>
-                  <a:srgbClr val="D4D4D4"/>
-                </a:solidFill>
-                <a:latin typeface="Consolas" panose="020B0609020204030204" pitchFamily="49" charset="0"/>
-              </a:rPr>
-            </a:br>
-            <a:r>
-              <a:rPr lang="en-US" sz="2400" dirty="0">
-                <a:solidFill>
-                  <a:srgbClr val="D4D4D4"/>
-                </a:solidFill>
-                <a:latin typeface="Consolas" panose="020B0609020204030204" pitchFamily="49" charset="0"/>
-              </a:rPr>
-              <a:t>    </a:t>
-            </a:r>
-            <a:r>
-              <a:rPr lang="en-US" sz="2400" dirty="0">
-                <a:solidFill>
-                  <a:srgbClr val="9CDCFE"/>
-                </a:solidFill>
-                <a:latin typeface="Consolas" panose="020B0609020204030204" pitchFamily="49" charset="0"/>
-              </a:rPr>
-              <a:t>vehicles</a:t>
-            </a:r>
-            <a:r>
-              <a:rPr lang="en-US" sz="2400" dirty="0">
-                <a:solidFill>
-                  <a:srgbClr val="D4D4D4"/>
-                </a:solidFill>
-                <a:latin typeface="Consolas" panose="020B0609020204030204" pitchFamily="49" charset="0"/>
-              </a:rPr>
-              <a:t>: </a:t>
-            </a:r>
-            <a:r>
-              <a:rPr lang="en-US" sz="2400" dirty="0">
-                <a:solidFill>
-                  <a:srgbClr val="4EC9B0"/>
-                </a:solidFill>
-                <a:latin typeface="Consolas" panose="020B0609020204030204" pitchFamily="49" charset="0"/>
-              </a:rPr>
-              <a:t>Vehicle</a:t>
-            </a:r>
-            <a:r>
-              <a:rPr lang="en-US" sz="2400" dirty="0">
-                <a:solidFill>
-                  <a:srgbClr val="D4D4D4"/>
-                </a:solidFill>
-                <a:latin typeface="Consolas" panose="020B0609020204030204" pitchFamily="49" charset="0"/>
-              </a:rPr>
-              <a:t>[];</a:t>
-            </a:r>
-            <a:br>
-              <a:rPr lang="en-US" sz="2400" dirty="0">
-                <a:solidFill>
-                  <a:srgbClr val="D4D4D4"/>
-                </a:solidFill>
-                <a:latin typeface="Consolas" panose="020B0609020204030204" pitchFamily="49" charset="0"/>
-              </a:rPr>
-            </a:br>
-            <a:r>
-              <a:rPr lang="en-US" sz="2400" dirty="0">
-                <a:solidFill>
-                  <a:srgbClr val="D4D4D4"/>
-                </a:solidFill>
-                <a:latin typeface="Consolas" panose="020B0609020204030204" pitchFamily="49" charset="0"/>
-              </a:rPr>
-              <a:t>}</a:t>
-            </a:r>
-            <a:endParaRPr lang="en-US" sz="2400" b="0" dirty="0">
+              <a:rPr lang="en-US" sz="3200" dirty="0">
+                <a:solidFill>
+                  <a:prstClr val="black"/>
+                </a:solidFill>
+                <a:ea typeface="+mj-ea"/>
+                <a:cs typeface="+mj-cs"/>
+              </a:rPr>
+              <a:t>Requires Robust Domain Expertise</a:t>
+            </a:r>
+            <a:endParaRPr lang="en-US" sz="3200" dirty="0" smtClean="0">
               <a:solidFill>
-                <a:srgbClr val="D4D4D4"/>
+                <a:prstClr val="black"/>
               </a:solidFill>
-              <a:effectLst/>
-              <a:latin typeface="Consolas" panose="020B0609020204030204" pitchFamily="49" charset="0"/>
+              <a:ea typeface="+mj-ea"/>
+              <a:cs typeface="+mj-cs"/>
             </a:endParaRPr>
           </a:p>
-        </p:txBody>
-      </p:sp>
-      <p:sp>
-        <p:nvSpPr>
-          <p:cNvPr id="6" name="Text Placeholder 5"/>
-          <p:cNvSpPr>
-            <a:spLocks noGrp="1"/>
-          </p:cNvSpPr>
-          <p:nvPr>
-            <p:ph type="body" sz="quarter" idx="13"/>
-          </p:nvPr>
-        </p:nvSpPr>
-        <p:spPr>
-          <a:xfrm>
-            <a:off x="734291" y="5234187"/>
-            <a:ext cx="4677967" cy="574962"/>
-          </a:xfrm>
-        </p:spPr>
-        <p:txBody>
-          <a:bodyPr>
-            <a:noAutofit/>
-          </a:bodyPr>
-          <a:lstStyle/>
-          <a:p>
-            <a:r>
-              <a:rPr lang="en-US" dirty="0"/>
-              <a:t>Anatomy of Component</a:t>
-            </a:r>
-            <a:endParaRPr lang="bg-BG" dirty="0"/>
+          <a:p>
+            <a:r>
+              <a:rPr lang="en-US" sz="3200" dirty="0">
+                <a:solidFill>
+                  <a:prstClr val="black"/>
+                </a:solidFill>
+                <a:ea typeface="+mj-ea"/>
+                <a:cs typeface="+mj-cs"/>
+              </a:rPr>
+              <a:t>Encourages Iterative Practices</a:t>
+            </a:r>
+            <a:endParaRPr lang="en-US" sz="3200" dirty="0" smtClean="0">
+              <a:solidFill>
+                <a:prstClr val="black"/>
+              </a:solidFill>
+              <a:ea typeface="+mj-ea"/>
+              <a:cs typeface="+mj-cs"/>
+            </a:endParaRPr>
+          </a:p>
+          <a:p>
+            <a:r>
+              <a:rPr lang="en-US" sz="3200" dirty="0">
+                <a:solidFill>
+                  <a:prstClr val="black"/>
+                </a:solidFill>
+                <a:ea typeface="+mj-ea"/>
+                <a:cs typeface="+mj-cs"/>
+              </a:rPr>
+              <a:t>Ill-Suited for Highly Technical Projects</a:t>
+            </a:r>
           </a:p>
         </p:txBody>
       </p:sp>
     </p:spTree>
     <p:extLst>
       <p:ext uri="{BB962C8B-B14F-4D97-AF65-F5344CB8AC3E}">
-        <p14:creationId xmlns:p14="http://schemas.microsoft.com/office/powerpoint/2010/main" val="326217632"/>
+        <p14:creationId xmlns:p14="http://schemas.microsoft.com/office/powerpoint/2010/main" val="755378285"/>
       </p:ext>
     </p:extLst>
   </p:cSld>
   <p:clrMapOvr>
     <a:masterClrMapping/>
   </p:clrMapOvr>
+  <p:timing>
+    <p:tnLst>
+      <p:par>
+        <p:cTn id="1" dur="indefinite" restart="never" nodeType="tmRoot"/>
+      </p:par>
+    </p:tnLst>
+  </p:timing>
 </p:sld>
 </file>
 
-<file path=ppt/slides/slide24.xml><?xml version="1.0" encoding="utf-8"?>
+<file path=ppt/slides/slide27.xml><?xml version="1.0" encoding="utf-8"?>
 <p:sld xmlns:a="http://schemas.openxmlformats.org/drawingml/2006/main" xmlns:r="http://schemas.openxmlformats.org/officeDocument/2006/relationships" xmlns:p="http://schemas.openxmlformats.org/presentationml/2006/main">
   <p:cSld>
+    <p:bg>
+      <p:bgPr>
+        <a:solidFill>
+          <a:srgbClr val="0070C0"/>
+        </a:solidFill>
+        <a:effectLst/>
+      </p:bgPr>
+    </p:bg>
     <p:spTree>
       <p:nvGrpSpPr>
         <p:cNvPr id="1" name=""/>
@@ -7140,7 +7493,7 @@
       </p:grpSpPr>
       <p:sp>
         <p:nvSpPr>
-          <p:cNvPr id="4" name="Title 3"/>
+          <p:cNvPr id="2" name="Title 1"/>
           <p:cNvSpPr>
             <a:spLocks noGrp="1"/>
           </p:cNvSpPr>
@@ -7154,42 +7507,332 @@
           <a:lstStyle/>
           <a:p>
             <a:r>
-              <a:rPr lang="en-US" dirty="0"/>
-              <a:t>demo Components</a:t>
-            </a:r>
-            <a:endParaRPr lang="bg-BG" dirty="0"/>
-          </a:p>
-        </p:txBody>
-      </p:sp>
-      <p:sp>
-        <p:nvSpPr>
-          <p:cNvPr id="5" name="Text Placeholder 4"/>
-          <p:cNvSpPr>
-            <a:spLocks noGrp="1"/>
-          </p:cNvSpPr>
-          <p:nvPr>
-            <p:ph type="body" idx="1"/>
-          </p:nvPr>
-        </p:nvSpPr>
-        <p:spPr/>
-        <p:txBody>
-          <a:bodyPr/>
-          <a:lstStyle/>
-          <a:p>
-            <a:endParaRPr lang="bg-BG"/>
+              <a:rPr lang="en-US" b="1" u="sng" dirty="0">
+                <a:solidFill>
+                  <a:schemeClr val="bg1"/>
+                </a:solidFill>
+              </a:rPr>
+              <a:t>Requires Robust Domain Expertise</a:t>
+            </a:r>
+          </a:p>
+        </p:txBody>
+      </p:sp>
+      <p:sp>
+        <p:nvSpPr>
+          <p:cNvPr id="3" name="Content Placeholder 2"/>
+          <p:cNvSpPr>
+            <a:spLocks noGrp="1"/>
+          </p:cNvSpPr>
+          <p:nvPr>
+            <p:ph idx="1"/>
+          </p:nvPr>
+        </p:nvSpPr>
+        <p:spPr>
+          <a:xfrm>
+            <a:off x="1371600" y="2285999"/>
+            <a:ext cx="8674768" cy="4491789"/>
+          </a:xfrm>
+        </p:spPr>
+        <p:txBody>
+          <a:bodyPr>
+            <a:normAutofit lnSpcReduction="10000"/>
+          </a:bodyPr>
+          <a:lstStyle/>
+          <a:p>
+            <a:r>
+              <a:rPr lang="en-US" sz="3200" dirty="0">
+                <a:solidFill>
+                  <a:schemeClr val="bg1"/>
+                </a:solidFill>
+              </a:rPr>
+              <a:t>Even with the most technically proficient minds working on development, it’s all for naught if there isn’t at least one domain expert on the team that knows the exact ins and outs of the subject area on which the application is intended to apply. In some cases, domain-driven design may require the integration of one or more outside team members who can act as domain experts throughout the development life </a:t>
+            </a:r>
+            <a:r>
+              <a:rPr lang="en-US" sz="3200" dirty="0" smtClean="0">
+                <a:solidFill>
+                  <a:schemeClr val="bg1"/>
+                </a:solidFill>
+              </a:rPr>
+              <a:t>cycle.</a:t>
+            </a:r>
+            <a:endParaRPr lang="en-US" sz="3200" dirty="0">
+              <a:solidFill>
+                <a:schemeClr val="bg1"/>
+              </a:solidFill>
+            </a:endParaRPr>
           </a:p>
         </p:txBody>
       </p:sp>
     </p:spTree>
     <p:extLst>
       <p:ext uri="{BB962C8B-B14F-4D97-AF65-F5344CB8AC3E}">
-        <p14:creationId xmlns:p14="http://schemas.microsoft.com/office/powerpoint/2010/main" val="2769662677"/>
+        <p14:creationId xmlns:p14="http://schemas.microsoft.com/office/powerpoint/2010/main" val="1251797458"/>
       </p:ext>
     </p:extLst>
   </p:cSld>
   <p:clrMapOvr>
     <a:masterClrMapping/>
   </p:clrMapOvr>
+  <p:timing>
+    <p:tnLst>
+      <p:par>
+        <p:cTn id="1" dur="indefinite" restart="never" nodeType="tmRoot"/>
+      </p:par>
+    </p:tnLst>
+  </p:timing>
+</p:sld>
+</file>
+
+<file path=ppt/slides/slide28.xml><?xml version="1.0" encoding="utf-8"?>
+<p:sld xmlns:a="http://schemas.openxmlformats.org/drawingml/2006/main" xmlns:r="http://schemas.openxmlformats.org/officeDocument/2006/relationships" xmlns:p="http://schemas.openxmlformats.org/presentationml/2006/main">
+  <p:cSld>
+    <p:bg>
+      <p:bgPr>
+        <a:solidFill>
+          <a:srgbClr val="0070C0"/>
+        </a:solidFill>
+        <a:effectLst/>
+      </p:bgPr>
+    </p:bg>
+    <p:spTree>
+      <p:nvGrpSpPr>
+        <p:cNvPr id="1" name=""/>
+        <p:cNvGrpSpPr/>
+        <p:nvPr/>
+      </p:nvGrpSpPr>
+      <p:grpSpPr>
+        <a:xfrm>
+          <a:off x="0" y="0"/>
+          <a:ext cx="0" cy="0"/>
+          <a:chOff x="0" y="0"/>
+          <a:chExt cx="0" cy="0"/>
+        </a:xfrm>
+      </p:grpSpPr>
+      <p:sp>
+        <p:nvSpPr>
+          <p:cNvPr id="2" name="Title 1"/>
+          <p:cNvSpPr>
+            <a:spLocks noGrp="1"/>
+          </p:cNvSpPr>
+          <p:nvPr>
+            <p:ph type="title"/>
+          </p:nvPr>
+        </p:nvSpPr>
+        <p:spPr/>
+        <p:txBody>
+          <a:bodyPr/>
+          <a:lstStyle/>
+          <a:p>
+            <a:r>
+              <a:rPr lang="en-US" b="1" u="sng" dirty="0">
+                <a:solidFill>
+                  <a:schemeClr val="bg1"/>
+                </a:solidFill>
+              </a:rPr>
+              <a:t>Encourages Iterative Practices</a:t>
+            </a:r>
+          </a:p>
+        </p:txBody>
+      </p:sp>
+      <p:sp>
+        <p:nvSpPr>
+          <p:cNvPr id="3" name="Content Placeholder 2"/>
+          <p:cNvSpPr>
+            <a:spLocks noGrp="1"/>
+          </p:cNvSpPr>
+          <p:nvPr>
+            <p:ph idx="1"/>
+          </p:nvPr>
+        </p:nvSpPr>
+        <p:spPr>
+          <a:xfrm>
+            <a:off x="1371600" y="2285999"/>
+            <a:ext cx="8674768" cy="4491789"/>
+          </a:xfrm>
+        </p:spPr>
+        <p:txBody>
+          <a:bodyPr>
+            <a:normAutofit/>
+          </a:bodyPr>
+          <a:lstStyle/>
+          <a:p>
+            <a:r>
+              <a:rPr lang="en-US" sz="3200" dirty="0">
+                <a:solidFill>
+                  <a:schemeClr val="bg1"/>
+                </a:solidFill>
+              </a:rPr>
+              <a:t>While many would consider this an advantage, it cannot be denied that </a:t>
+            </a:r>
+            <a:r>
+              <a:rPr lang="en-US" sz="3200" dirty="0" smtClean="0">
+                <a:solidFill>
+                  <a:schemeClr val="bg1"/>
+                </a:solidFill>
+              </a:rPr>
+              <a:t>DDD practices </a:t>
+            </a:r>
+            <a:r>
+              <a:rPr lang="en-US" sz="3200" dirty="0">
+                <a:solidFill>
+                  <a:schemeClr val="bg1"/>
+                </a:solidFill>
+              </a:rPr>
+              <a:t>strongly rely on constant iteration and continuous integration in order to build a malleable project that can adjust itself when necessary. Some organizations may have trouble with these practices, particularly if their past experience is largely tied to less-flexible development models, such as the waterfall model or the </a:t>
+            </a:r>
+            <a:r>
+              <a:rPr lang="en-US" sz="3200" dirty="0" smtClean="0">
+                <a:solidFill>
+                  <a:schemeClr val="bg1"/>
+                </a:solidFill>
+              </a:rPr>
+              <a:t>like.</a:t>
+            </a:r>
+            <a:endParaRPr lang="en-US" sz="3200" dirty="0">
+              <a:solidFill>
+                <a:schemeClr val="bg1"/>
+              </a:solidFill>
+            </a:endParaRPr>
+          </a:p>
+        </p:txBody>
+      </p:sp>
+    </p:spTree>
+    <p:extLst>
+      <p:ext uri="{BB962C8B-B14F-4D97-AF65-F5344CB8AC3E}">
+        <p14:creationId xmlns:p14="http://schemas.microsoft.com/office/powerpoint/2010/main" val="1096094263"/>
+      </p:ext>
+    </p:extLst>
+  </p:cSld>
+  <p:clrMapOvr>
+    <a:masterClrMapping/>
+  </p:clrMapOvr>
+  <p:timing>
+    <p:tnLst>
+      <p:par>
+        <p:cTn id="1" dur="indefinite" restart="never" nodeType="tmRoot"/>
+      </p:par>
+    </p:tnLst>
+  </p:timing>
+</p:sld>
+</file>
+
+<file path=ppt/slides/slide29.xml><?xml version="1.0" encoding="utf-8"?>
+<p:sld xmlns:a="http://schemas.openxmlformats.org/drawingml/2006/main" xmlns:r="http://schemas.openxmlformats.org/officeDocument/2006/relationships" xmlns:p="http://schemas.openxmlformats.org/presentationml/2006/main">
+  <p:cSld>
+    <p:bg>
+      <p:bgPr>
+        <a:solidFill>
+          <a:srgbClr val="0070C0"/>
+        </a:solidFill>
+        <a:effectLst/>
+      </p:bgPr>
+    </p:bg>
+    <p:spTree>
+      <p:nvGrpSpPr>
+        <p:cNvPr id="1" name=""/>
+        <p:cNvGrpSpPr/>
+        <p:nvPr/>
+      </p:nvGrpSpPr>
+      <p:grpSpPr>
+        <a:xfrm>
+          <a:off x="0" y="0"/>
+          <a:ext cx="0" cy="0"/>
+          <a:chOff x="0" y="0"/>
+          <a:chExt cx="0" cy="0"/>
+        </a:xfrm>
+      </p:grpSpPr>
+      <p:sp>
+        <p:nvSpPr>
+          <p:cNvPr id="2" name="Title 1"/>
+          <p:cNvSpPr>
+            <a:spLocks noGrp="1"/>
+          </p:cNvSpPr>
+          <p:nvPr>
+            <p:ph type="title"/>
+          </p:nvPr>
+        </p:nvSpPr>
+        <p:spPr/>
+        <p:txBody>
+          <a:bodyPr/>
+          <a:lstStyle/>
+          <a:p>
+            <a:r>
+              <a:rPr lang="en-US" b="1" u="sng" dirty="0">
+                <a:solidFill>
+                  <a:schemeClr val="bg1"/>
+                </a:solidFill>
+              </a:rPr>
+              <a:t>Ill-Suited for Highly Technical Projects</a:t>
+            </a:r>
+          </a:p>
+        </p:txBody>
+      </p:sp>
+      <p:sp>
+        <p:nvSpPr>
+          <p:cNvPr id="3" name="Content Placeholder 2"/>
+          <p:cNvSpPr>
+            <a:spLocks noGrp="1"/>
+          </p:cNvSpPr>
+          <p:nvPr>
+            <p:ph idx="1"/>
+          </p:nvPr>
+        </p:nvSpPr>
+        <p:spPr>
+          <a:xfrm>
+            <a:off x="1371599" y="1712563"/>
+            <a:ext cx="9601201" cy="5253925"/>
+          </a:xfrm>
+        </p:spPr>
+        <p:txBody>
+          <a:bodyPr>
+            <a:normAutofit/>
+          </a:bodyPr>
+          <a:lstStyle/>
+          <a:p>
+            <a:r>
+              <a:rPr lang="en-US" sz="3200" dirty="0">
+                <a:solidFill>
+                  <a:schemeClr val="bg1"/>
+                </a:solidFill>
+              </a:rPr>
+              <a:t>While DDD is great for applications where there is a great deal of domain complexity (where business logic is rather complex and convoluted), DDD is not very well-suited for applications that have marginal domain complexity, but conversely have a great deal of technical complexity. </a:t>
+            </a:r>
+            <a:r>
+              <a:rPr lang="en-US" sz="3200" dirty="0" smtClean="0">
+                <a:solidFill>
+                  <a:schemeClr val="bg1"/>
+                </a:solidFill>
+              </a:rPr>
+              <a:t>Project </a:t>
+            </a:r>
+            <a:r>
+              <a:rPr lang="en-US" sz="3200" dirty="0">
+                <a:solidFill>
+                  <a:schemeClr val="bg1"/>
+                </a:solidFill>
+              </a:rPr>
+              <a:t>that is incredibly technically complex may be challenging for domain experts to grasp, causing problems down the line, perhaps when technical requirements or limitations were not fully understood by all members of the team.</a:t>
+            </a:r>
+          </a:p>
+        </p:txBody>
+      </p:sp>
+    </p:spTree>
+    <p:extLst>
+      <p:ext uri="{BB962C8B-B14F-4D97-AF65-F5344CB8AC3E}">
+        <p14:creationId xmlns:p14="http://schemas.microsoft.com/office/powerpoint/2010/main" val="3970883614"/>
+      </p:ext>
+    </p:extLst>
+  </p:cSld>
+  <p:clrMapOvr>
+    <a:masterClrMapping/>
+  </p:clrMapOvr>
+  <p:timing>
+    <p:tnLst>
+      <p:par>
+        <p:cTn id="1" dur="indefinite" restart="never" nodeType="tmRoot"/>
+      </p:par>
+    </p:tnLst>
+  </p:timing>
 </p:sld>
 </file>
 
@@ -7231,12 +7874,20 @@
           <a:lstStyle/>
           <a:p>
             <a:r>
+              <a:rPr lang="en-US" u="sng" dirty="0">
+                <a:solidFill>
+                  <a:srgbClr val="0070C0"/>
+                </a:solidFill>
+              </a:rPr>
+              <a:t>What is the Domain</a:t>
+            </a:r>
+            <a:r>
               <a:rPr lang="en-US" u="sng" dirty="0" smtClean="0">
                 <a:solidFill>
                   <a:srgbClr val="0070C0"/>
                 </a:solidFill>
               </a:rPr>
-              <a:t>Definition:</a:t>
+              <a:t>?</a:t>
             </a:r>
             <a:r>
               <a:rPr lang="en-US" dirty="0" smtClean="0">
@@ -7274,7 +7925,7 @@
                   <a:schemeClr val="tx1"/>
                 </a:solidFill>
               </a:rPr>
-              <a:t>Domain-driven design (DDD) is an approach to software development for complex needs by connecting the implementation to an evolving </a:t>
+              <a:t>The common dictionary definition of domain is: “A sphere of knowledge or activity</a:t>
             </a:r>
             <a:r>
               <a:rPr lang="en-US" sz="3600" dirty="0" smtClean="0">
@@ -7282,7 +7933,7 @@
                   <a:schemeClr val="tx1"/>
                 </a:solidFill>
               </a:rPr>
-              <a:t>model.</a:t>
+              <a:t>.”</a:t>
             </a:r>
             <a:endParaRPr lang="en-US" sz="3600" dirty="0">
               <a:solidFill>
@@ -7339,11 +7990,14 @@
             <p:ph type="title"/>
           </p:nvPr>
         </p:nvSpPr>
-        <p:spPr/>
-        <p:txBody>
-          <a:bodyPr anchor="ctr">
-            <a:normAutofit/>
-          </a:bodyPr>
+        <p:spPr>
+          <a:xfrm>
+            <a:off x="1371600" y="685800"/>
+            <a:ext cx="9601200" cy="5446060"/>
+          </a:xfrm>
+        </p:spPr>
+        <p:txBody>
+          <a:bodyPr anchor="ctr"/>
           <a:lstStyle/>
           <a:p>
             <a:r>
@@ -7352,164 +8006,77 @@
                   <a:srgbClr val="0070C0"/>
                 </a:solidFill>
               </a:rPr>
+              <a:t>From a software engineer point of view:</a:t>
+            </a:r>
+            <a:r>
+              <a:rPr lang="en-US" dirty="0" smtClean="0">
+                <a:solidFill>
+                  <a:schemeClr val="tx1"/>
+                </a:solidFill>
+              </a:rPr>
               <a:t/>
             </a:r>
             <a:br>
-              <a:rPr lang="en-US" u="sng" dirty="0" smtClean="0">
-                <a:solidFill>
-                  <a:srgbClr val="0070C0"/>
+              <a:rPr lang="en-US" dirty="0" smtClean="0">
+                <a:solidFill>
+                  <a:schemeClr val="tx1"/>
                 </a:solidFill>
               </a:rPr>
             </a:br>
             <a:r>
-              <a:rPr lang="en-US" u="sng" dirty="0" smtClean="0">
-                <a:solidFill>
-                  <a:srgbClr val="0070C0"/>
-                </a:solidFill>
-              </a:rPr>
-              <a:t>Building blocks:</a:t>
-            </a:r>
-            <a:endParaRPr lang="en-US" sz="3600" dirty="0">
-              <a:solidFill>
-                <a:schemeClr val="tx1"/>
-              </a:solidFill>
-            </a:endParaRPr>
-          </a:p>
-        </p:txBody>
-      </p:sp>
-      <p:sp>
-        <p:nvSpPr>
-          <p:cNvPr id="3" name="Content Placeholder 2"/>
-          <p:cNvSpPr>
-            <a:spLocks noGrp="1"/>
-          </p:cNvSpPr>
-          <p:nvPr>
-            <p:ph idx="1"/>
-          </p:nvPr>
-        </p:nvSpPr>
-        <p:spPr>
-          <a:xfrm>
-            <a:off x="1371600" y="2422359"/>
-            <a:ext cx="9601200" cy="4090738"/>
-          </a:xfrm>
-        </p:spPr>
-        <p:txBody>
-          <a:bodyPr>
-            <a:normAutofit lnSpcReduction="10000"/>
-          </a:bodyPr>
-          <a:lstStyle/>
-          <a:p>
-            <a:r>
-              <a:rPr lang="en-US" sz="3200" dirty="0" smtClean="0">
-                <a:solidFill>
-                  <a:prstClr val="black"/>
-                </a:solidFill>
-                <a:ea typeface="+mj-ea"/>
-                <a:cs typeface="+mj-cs"/>
-              </a:rPr>
-              <a:t>Entity</a:t>
-            </a:r>
-            <a:endParaRPr lang="en-US" sz="3200" dirty="0" smtClean="0">
-              <a:solidFill>
-                <a:prstClr val="black"/>
-              </a:solidFill>
-              <a:ea typeface="+mj-ea"/>
-              <a:cs typeface="+mj-cs"/>
-            </a:endParaRPr>
-          </a:p>
-          <a:p>
-            <a:r>
-              <a:rPr lang="en-US" sz="3200" dirty="0" smtClean="0">
-                <a:solidFill>
-                  <a:prstClr val="black"/>
-                </a:solidFill>
-                <a:ea typeface="+mj-ea"/>
-                <a:cs typeface="+mj-cs"/>
-              </a:rPr>
-              <a:t>Value Object</a:t>
-            </a:r>
-            <a:endParaRPr lang="en-US" sz="3200" dirty="0" smtClean="0">
-              <a:solidFill>
-                <a:prstClr val="black"/>
-              </a:solidFill>
-              <a:ea typeface="+mj-ea"/>
-              <a:cs typeface="+mj-cs"/>
-            </a:endParaRPr>
-          </a:p>
-          <a:p>
-            <a:r>
-              <a:rPr lang="en-US" sz="3200" dirty="0" smtClean="0">
-                <a:solidFill>
-                  <a:prstClr val="black"/>
-                </a:solidFill>
-                <a:ea typeface="+mj-ea"/>
-                <a:cs typeface="+mj-cs"/>
-              </a:rPr>
-              <a:t>Domain Event</a:t>
-            </a:r>
-            <a:endParaRPr lang="en-US" sz="3200" dirty="0" smtClean="0">
-              <a:solidFill>
-                <a:prstClr val="black"/>
-              </a:solidFill>
-              <a:ea typeface="+mj-ea"/>
-              <a:cs typeface="+mj-cs"/>
-            </a:endParaRPr>
-          </a:p>
-          <a:p>
-            <a:r>
-              <a:rPr lang="en-US" sz="3200" dirty="0" smtClean="0">
-                <a:solidFill>
-                  <a:prstClr val="black"/>
-                </a:solidFill>
-                <a:ea typeface="+mj-ea"/>
-                <a:cs typeface="+mj-cs"/>
-              </a:rPr>
-              <a:t>Aggregate</a:t>
-            </a:r>
-          </a:p>
-          <a:p>
-            <a:r>
-              <a:rPr lang="en-US" sz="3200" dirty="0" smtClean="0">
-                <a:solidFill>
-                  <a:prstClr val="black"/>
-                </a:solidFill>
-                <a:ea typeface="+mj-ea"/>
-                <a:cs typeface="+mj-cs"/>
-              </a:rPr>
-              <a:t>Service</a:t>
-            </a:r>
-          </a:p>
-          <a:p>
-            <a:r>
-              <a:rPr lang="en-US" sz="3200" dirty="0" smtClean="0">
-                <a:solidFill>
-                  <a:prstClr val="black"/>
-                </a:solidFill>
-                <a:ea typeface="+mj-ea"/>
-                <a:cs typeface="+mj-cs"/>
-              </a:rPr>
-              <a:t>Repositories</a:t>
-            </a:r>
-          </a:p>
-          <a:p>
-            <a:r>
-              <a:rPr lang="en-US" sz="3200" dirty="0" smtClean="0">
-                <a:solidFill>
-                  <a:prstClr val="black"/>
-                </a:solidFill>
-                <a:ea typeface="+mj-ea"/>
-                <a:cs typeface="+mj-cs"/>
-              </a:rPr>
-              <a:t>Factories</a:t>
-            </a:r>
-            <a:endParaRPr lang="en-US" dirty="0"/>
+              <a:rPr lang="en-US" dirty="0" smtClean="0">
+                <a:solidFill>
+                  <a:schemeClr val="tx1"/>
+                </a:solidFill>
+              </a:rPr>
+              <a:t/>
+            </a:r>
+            <a:br>
+              <a:rPr lang="en-US" dirty="0" smtClean="0">
+                <a:solidFill>
+                  <a:schemeClr val="tx1"/>
+                </a:solidFill>
+              </a:rPr>
+            </a:br>
+            <a:r>
+              <a:rPr lang="en-US" sz="3600" dirty="0" smtClean="0">
+                <a:solidFill>
+                  <a:schemeClr val="tx1"/>
+                </a:solidFill>
+              </a:rPr>
+              <a:t>Domain refers </a:t>
+            </a:r>
+            <a:r>
+              <a:rPr lang="en-US" sz="3600" dirty="0">
+                <a:solidFill>
+                  <a:schemeClr val="tx1"/>
+                </a:solidFill>
+              </a:rPr>
+              <a:t>to the subject area on which the application is intended </a:t>
+            </a:r>
+            <a:r>
+              <a:rPr lang="en-US" sz="3600" dirty="0" smtClean="0">
+                <a:solidFill>
+                  <a:schemeClr val="tx1"/>
+                </a:solidFill>
+              </a:rPr>
+              <a:t>to apply “sphere </a:t>
+            </a:r>
+            <a:r>
+              <a:rPr lang="en-US" sz="3600" dirty="0">
+                <a:solidFill>
+                  <a:schemeClr val="tx1"/>
+                </a:solidFill>
+              </a:rPr>
+              <a:t>of knowledge and activity around which the application logic revolves.”</a:t>
+            </a:r>
           </a:p>
         </p:txBody>
       </p:sp>
     </p:spTree>
     <p:extLst>
       <p:ext uri="{BB962C8B-B14F-4D97-AF65-F5344CB8AC3E}">
-        <p14:creationId xmlns:p14="http://schemas.microsoft.com/office/powerpoint/2010/main" val="1534050435"/>
+        <p14:creationId xmlns:p14="http://schemas.microsoft.com/office/powerpoint/2010/main" val="5481574"/>
       </p:ext>
     </p:extLst>
   </p:cSld>
@@ -7529,14 +8096,6 @@
 <file path=ppt/slides/slide5.xml><?xml version="1.0" encoding="utf-8"?>
 <p:sld xmlns:a="http://schemas.openxmlformats.org/drawingml/2006/main" xmlns:r="http://schemas.openxmlformats.org/officeDocument/2006/relationships" xmlns:p="http://schemas.openxmlformats.org/presentationml/2006/main">
   <p:cSld>
-    <p:bg>
-      <p:bgPr>
-        <a:solidFill>
-          <a:srgbClr val="0070C0"/>
-        </a:solidFill>
-        <a:effectLst/>
-      </p:bgPr>
-    </p:bg>
     <p:spTree>
       <p:nvGrpSpPr>
         <p:cNvPr id="1" name=""/>
@@ -7553,7 +8112,7 @@
       </p:grpSpPr>
       <p:sp>
         <p:nvSpPr>
-          <p:cNvPr id="2" name="Title 1"/>
+          <p:cNvPr id="4" name="Title 3"/>
           <p:cNvSpPr>
             <a:spLocks noGrp="1"/>
           </p:cNvSpPr>
@@ -7561,60 +8120,73 @@
             <p:ph type="title"/>
           </p:nvPr>
         </p:nvSpPr>
-        <p:spPr/>
-        <p:txBody>
-          <a:bodyPr/>
-          <a:lstStyle/>
-          <a:p>
-            <a:r>
-              <a:rPr lang="en-US" b="1" u="sng" dirty="0" smtClean="0">
-                <a:solidFill>
-                  <a:schemeClr val="bg1"/>
-                </a:solidFill>
-              </a:rPr>
-              <a:t>Entity</a:t>
-            </a:r>
-            <a:endParaRPr lang="bg-BG" b="1" u="sng" dirty="0">
+        <p:spPr>
+          <a:xfrm>
+            <a:off x="1371600" y="685800"/>
+            <a:ext cx="9601200" cy="5446060"/>
+          </a:xfrm>
+        </p:spPr>
+        <p:txBody>
+          <a:bodyPr anchor="ctr"/>
+          <a:lstStyle/>
+          <a:p>
+            <a:r>
+              <a:rPr lang="en-US" u="sng" dirty="0" smtClean="0">
+                <a:solidFill>
+                  <a:srgbClr val="0070C0"/>
+                </a:solidFill>
+              </a:rPr>
+              <a:t>Definition of DDD:</a:t>
+            </a:r>
+            <a:r>
+              <a:rPr lang="en-US" dirty="0" smtClean="0">
+                <a:solidFill>
+                  <a:schemeClr val="tx1"/>
+                </a:solidFill>
+              </a:rPr>
+              <a:t/>
+            </a:r>
+            <a:br>
+              <a:rPr lang="en-US" dirty="0" smtClean="0">
+                <a:solidFill>
+                  <a:schemeClr val="tx1"/>
+                </a:solidFill>
+              </a:rPr>
+            </a:br>
+            <a:r>
+              <a:rPr lang="en-US" dirty="0" smtClean="0">
+                <a:solidFill>
+                  <a:schemeClr val="tx1"/>
+                </a:solidFill>
+              </a:rPr>
+              <a:t/>
+            </a:r>
+            <a:br>
+              <a:rPr lang="en-US" dirty="0" smtClean="0">
+                <a:solidFill>
+                  <a:schemeClr val="tx1"/>
+                </a:solidFill>
+              </a:rPr>
+            </a:br>
+            <a:r>
+              <a:rPr lang="en-US" sz="3600" dirty="0">
+                <a:solidFill>
+                  <a:schemeClr val="tx1"/>
+                </a:solidFill>
+              </a:rPr>
+              <a:t>Domain-driven design (DDD) is an approach to software development for complex needs by connecting the implementation to an evolving </a:t>
+            </a:r>
+            <a:r>
+              <a:rPr lang="en-US" sz="3600" dirty="0" smtClean="0">
+                <a:solidFill>
+                  <a:schemeClr val="tx1"/>
+                </a:solidFill>
+              </a:rPr>
+              <a:t>model.</a:t>
+            </a:r>
+            <a:endParaRPr lang="en-US" sz="3600" dirty="0">
               <a:solidFill>
-                <a:schemeClr val="bg1"/>
-              </a:solidFill>
-            </a:endParaRPr>
-          </a:p>
-        </p:txBody>
-      </p:sp>
-      <p:sp>
-        <p:nvSpPr>
-          <p:cNvPr id="3" name="Content Placeholder 2"/>
-          <p:cNvSpPr>
-            <a:spLocks noGrp="1"/>
-          </p:cNvSpPr>
-          <p:nvPr>
-            <p:ph idx="1"/>
-          </p:nvPr>
-        </p:nvSpPr>
-        <p:spPr>
-          <a:xfrm>
-            <a:off x="1371600" y="2286000"/>
-            <a:ext cx="8674768" cy="3581400"/>
-          </a:xfrm>
-        </p:spPr>
-        <p:txBody>
-          <a:bodyPr>
-            <a:normAutofit/>
-          </a:bodyPr>
-          <a:lstStyle/>
-          <a:p>
-            <a:r>
-              <a:rPr lang="en-US" sz="3200" dirty="0">
-                <a:solidFill>
-                  <a:schemeClr val="bg1"/>
-                </a:solidFill>
-              </a:rPr>
-              <a:t>An object that is identified by its consistent thread of continuity, as opposed to traditional objects, which are defined by their attributes.</a:t>
-            </a:r>
-            <a:endParaRPr lang="en-US" sz="3200" dirty="0">
-              <a:solidFill>
-                <a:schemeClr val="bg1"/>
+                <a:schemeClr val="tx1"/>
               </a:solidFill>
             </a:endParaRPr>
           </a:p>
@@ -7623,7 +8195,7 @@
     </p:spTree>
     <p:extLst>
       <p:ext uri="{BB962C8B-B14F-4D97-AF65-F5344CB8AC3E}">
-        <p14:creationId xmlns:p14="http://schemas.microsoft.com/office/powerpoint/2010/main" val="1869702916"/>
+        <p14:creationId xmlns:p14="http://schemas.microsoft.com/office/powerpoint/2010/main" val="1311274019"/>
       </p:ext>
     </p:extLst>
   </p:cSld>
@@ -7643,14 +8215,6 @@
 <file path=ppt/slides/slide6.xml><?xml version="1.0" encoding="utf-8"?>
 <p:sld xmlns:a="http://schemas.openxmlformats.org/drawingml/2006/main" xmlns:r="http://schemas.openxmlformats.org/officeDocument/2006/relationships" xmlns:p="http://schemas.openxmlformats.org/presentationml/2006/main">
   <p:cSld>
-    <p:bg>
-      <p:bgPr>
-        <a:solidFill>
-          <a:srgbClr val="0070C0"/>
-        </a:solidFill>
-        <a:effectLst/>
-      </p:bgPr>
-    </p:bg>
     <p:spTree>
       <p:nvGrpSpPr>
         <p:cNvPr id="1" name=""/>
@@ -7667,7 +8231,7 @@
       </p:grpSpPr>
       <p:sp>
         <p:nvSpPr>
-          <p:cNvPr id="2" name="Title 1"/>
+          <p:cNvPr id="4" name="Title 3"/>
           <p:cNvSpPr>
             <a:spLocks noGrp="1"/>
           </p:cNvSpPr>
@@ -7677,20 +8241,37 @@
         </p:nvSpPr>
         <p:spPr/>
         <p:txBody>
-          <a:bodyPr/>
-          <a:lstStyle/>
-          <a:p>
-            <a:r>
-              <a:rPr lang="en-US" b="1" u="sng" dirty="0" smtClean="0">
-                <a:solidFill>
-                  <a:schemeClr val="bg1"/>
-                </a:solidFill>
-              </a:rPr>
-              <a:t>Value Object</a:t>
-            </a:r>
-            <a:endParaRPr lang="bg-BG" b="1" u="sng" dirty="0">
+          <a:bodyPr anchor="ctr">
+            <a:normAutofit/>
+          </a:bodyPr>
+          <a:lstStyle/>
+          <a:p>
+            <a:r>
+              <a:rPr lang="en-US" u="sng" dirty="0" smtClean="0">
+                <a:solidFill>
+                  <a:srgbClr val="0070C0"/>
+                </a:solidFill>
+              </a:rPr>
+              <a:t/>
+            </a:r>
+            <a:br>
+              <a:rPr lang="en-US" u="sng" dirty="0" smtClean="0">
+                <a:solidFill>
+                  <a:srgbClr val="0070C0"/>
+                </a:solidFill>
+              </a:rPr>
+            </a:br>
+            <a:r>
+              <a:rPr lang="en-US" u="sng" dirty="0" smtClean="0">
+                <a:solidFill>
+                  <a:srgbClr val="0070C0"/>
+                </a:solidFill>
+              </a:rPr>
+              <a:t>Base principles:</a:t>
+            </a:r>
+            <a:endParaRPr lang="en-US" sz="3600" dirty="0">
               <a:solidFill>
-                <a:schemeClr val="bg1"/>
+                <a:schemeClr val="tx1"/>
               </a:solidFill>
             </a:endParaRPr>
           </a:p>
@@ -7708,8 +8289,8 @@
         </p:nvSpPr>
         <p:spPr>
           <a:xfrm>
-            <a:off x="1371600" y="2286000"/>
-            <a:ext cx="8674768" cy="3581400"/>
+            <a:off x="1371600" y="2422359"/>
+            <a:ext cx="9601200" cy="4090738"/>
           </a:xfrm>
         </p:spPr>
         <p:txBody>
@@ -7721,15 +8302,83 @@
             <a:r>
               <a:rPr lang="en-US" sz="3200" dirty="0">
                 <a:solidFill>
-                  <a:schemeClr val="bg1"/>
-                </a:solidFill>
-              </a:rPr>
-              <a:t>An immutable (unchangeable) object that has attributes, but no distinct identity.</a:t>
-            </a:r>
-            <a:endParaRPr lang="en-US" sz="3200" dirty="0">
+                  <a:prstClr val="black"/>
+                </a:solidFill>
+                <a:ea typeface="+mj-ea"/>
+                <a:cs typeface="+mj-cs"/>
+              </a:rPr>
+              <a:t>Focus on the core domain and domain logic</a:t>
+            </a:r>
+            <a:r>
+              <a:rPr lang="en-US" sz="3200" dirty="0" smtClean="0">
+                <a:solidFill>
+                  <a:prstClr val="black"/>
+                </a:solidFill>
+                <a:ea typeface="+mj-ea"/>
+                <a:cs typeface="+mj-cs"/>
+              </a:rPr>
+              <a:t>.</a:t>
+            </a:r>
+          </a:p>
+          <a:p>
+            <a:r>
+              <a:rPr lang="en-US" sz="3200" dirty="0">
+                <a:solidFill>
+                  <a:prstClr val="black"/>
+                </a:solidFill>
+                <a:ea typeface="+mj-ea"/>
+                <a:cs typeface="+mj-cs"/>
+              </a:rPr>
+              <a:t>Base complex </a:t>
+            </a:r>
+            <a:r>
+              <a:rPr lang="en-US" sz="3200" dirty="0" smtClean="0">
+                <a:solidFill>
+                  <a:prstClr val="black"/>
+                </a:solidFill>
+                <a:ea typeface="+mj-ea"/>
+                <a:cs typeface="+mj-cs"/>
+              </a:rPr>
+              <a:t>designs </a:t>
+            </a:r>
+            <a:r>
+              <a:rPr lang="en-US" sz="3200" dirty="0">
+                <a:solidFill>
+                  <a:prstClr val="black"/>
+                </a:solidFill>
+                <a:ea typeface="+mj-ea"/>
+                <a:cs typeface="+mj-cs"/>
+              </a:rPr>
+              <a:t>on models of the domain</a:t>
+            </a:r>
+            <a:r>
+              <a:rPr lang="en-US" sz="3200" dirty="0" smtClean="0">
+                <a:solidFill>
+                  <a:prstClr val="black"/>
+                </a:solidFill>
+                <a:ea typeface="+mj-ea"/>
+                <a:cs typeface="+mj-cs"/>
+              </a:rPr>
+              <a:t>.</a:t>
+            </a:r>
+          </a:p>
+          <a:p>
+            <a:r>
+              <a:rPr lang="en-US" sz="3200" dirty="0">
+                <a:solidFill>
+                  <a:prstClr val="black"/>
+                </a:solidFill>
+                <a:ea typeface="+mj-ea"/>
+                <a:cs typeface="+mj-cs"/>
+              </a:rPr>
+              <a:t>Constantly collaborate with domain experts, in order to improve the application model and resolve any emerging domain-related issues.</a:t>
+            </a:r>
+            <a:endParaRPr lang="en-US" sz="3200" dirty="0" smtClean="0">
               <a:solidFill>
-                <a:schemeClr val="bg1"/>
+                <a:prstClr val="black"/>
               </a:solidFill>
+              <a:ea typeface="+mj-ea"/>
+              <a:cs typeface="+mj-cs"/>
             </a:endParaRPr>
           </a:p>
         </p:txBody>
@@ -7737,7 +8386,7 @@
     </p:spTree>
     <p:extLst>
       <p:ext uri="{BB962C8B-B14F-4D97-AF65-F5344CB8AC3E}">
-        <p14:creationId xmlns:p14="http://schemas.microsoft.com/office/powerpoint/2010/main" val="3277738392"/>
+        <p14:creationId xmlns:p14="http://schemas.microsoft.com/office/powerpoint/2010/main" val="1641396589"/>
       </p:ext>
     </p:extLst>
   </p:cSld>
@@ -7760,7 +8409,7 @@
     <p:bg>
       <p:bgPr>
         <a:solidFill>
-          <a:srgbClr val="0070C0"/>
+          <a:srgbClr val="002060"/>
         </a:solidFill>
         <a:effectLst/>
       </p:bgPr>
@@ -7781,7 +8430,7 @@
       </p:grpSpPr>
       <p:sp>
         <p:nvSpPr>
-          <p:cNvPr id="2" name="Title 1"/>
+          <p:cNvPr id="4" name="Title 3"/>
           <p:cNvSpPr>
             <a:spLocks noGrp="1"/>
           </p:cNvSpPr>
@@ -7789,20 +8438,26 @@
             <p:ph type="title"/>
           </p:nvPr>
         </p:nvSpPr>
-        <p:spPr/>
-        <p:txBody>
-          <a:bodyPr/>
-          <a:lstStyle/>
-          <a:p>
-            <a:r>
-              <a:rPr lang="en-US" b="1" u="sng" dirty="0">
+        <p:spPr>
+          <a:xfrm>
+            <a:off x="1371600" y="685800"/>
+            <a:ext cx="9601200" cy="5446060"/>
+          </a:xfrm>
+        </p:spPr>
+        <p:txBody>
+          <a:bodyPr anchor="ctr"/>
+          <a:lstStyle/>
+          <a:p>
+            <a:pPr algn="ctr"/>
+            <a:r>
+              <a:rPr lang="en-US" dirty="0">
                 <a:solidFill>
                   <a:schemeClr val="bg1"/>
                 </a:solidFill>
               </a:rPr>
-              <a:t>Domain Event</a:t>
-            </a:r>
-            <a:endParaRPr lang="bg-BG" b="1" u="sng" dirty="0">
+              <a:t>Common terms</a:t>
+            </a:r>
+            <a:endParaRPr lang="bg-BG" dirty="0">
               <a:solidFill>
                 <a:schemeClr val="bg1"/>
               </a:solidFill>
@@ -7810,61 +8465,16 @@
           </a:p>
         </p:txBody>
       </p:sp>
-      <p:sp>
-        <p:nvSpPr>
-          <p:cNvPr id="3" name="Content Placeholder 2"/>
-          <p:cNvSpPr>
-            <a:spLocks noGrp="1"/>
-          </p:cNvSpPr>
-          <p:nvPr>
-            <p:ph idx="1"/>
-          </p:nvPr>
-        </p:nvSpPr>
-        <p:spPr>
-          <a:xfrm>
-            <a:off x="1371600" y="2286000"/>
-            <a:ext cx="8674768" cy="3581400"/>
-          </a:xfrm>
-        </p:spPr>
-        <p:txBody>
-          <a:bodyPr>
-            <a:normAutofit/>
-          </a:bodyPr>
-          <a:lstStyle/>
-          <a:p>
-            <a:r>
-              <a:rPr lang="en-US" sz="3200" dirty="0">
-                <a:solidFill>
-                  <a:schemeClr val="bg1"/>
-                </a:solidFill>
-              </a:rPr>
-              <a:t>An object that is used to record a discrete event related to model activity within the system. While all events within the system could be tracked, a domain event is only created for event types which the domain experts care about.</a:t>
-            </a:r>
-            <a:endParaRPr lang="en-US" sz="3200" dirty="0">
-              <a:solidFill>
-                <a:schemeClr val="bg1"/>
-              </a:solidFill>
-            </a:endParaRPr>
-          </a:p>
-        </p:txBody>
-      </p:sp>
     </p:spTree>
     <p:extLst>
       <p:ext uri="{BB962C8B-B14F-4D97-AF65-F5344CB8AC3E}">
-        <p14:creationId xmlns:p14="http://schemas.microsoft.com/office/powerpoint/2010/main" val="3112873849"/>
+        <p14:creationId xmlns:p14="http://schemas.microsoft.com/office/powerpoint/2010/main" val="4060343587"/>
       </p:ext>
     </p:extLst>
   </p:cSld>
   <p:clrMapOvr>
     <a:masterClrMapping/>
   </p:clrMapOvr>
-  <p:timing>
-    <p:tnLst>
-      <p:par>
-        <p:cTn id="1" dur="indefinite" restart="never" nodeType="tmRoot"/>
-      </p:par>
-    </p:tnLst>
-  </p:timing>
 </p:sld>
 </file>
 
@@ -7914,7 +8524,7 @@
                   <a:schemeClr val="bg1"/>
                 </a:solidFill>
               </a:rPr>
-              <a:t>Aggregate</a:t>
+              <a:t>Context</a:t>
             </a:r>
             <a:endParaRPr lang="bg-BG" b="1" u="sng" dirty="0">
               <a:solidFill>
@@ -7936,13 +8546,13 @@
         </p:nvSpPr>
         <p:spPr>
           <a:xfrm>
-            <a:off x="1371600" y="1892968"/>
-            <a:ext cx="8674768" cy="4844716"/>
+            <a:off x="1371600" y="2286000"/>
+            <a:ext cx="8674768" cy="3581400"/>
           </a:xfrm>
         </p:spPr>
         <p:txBody>
           <a:bodyPr>
-            <a:normAutofit lnSpcReduction="10000"/>
+            <a:normAutofit/>
           </a:bodyPr>
           <a:lstStyle/>
           <a:p>
@@ -7952,7 +8562,15 @@
                   <a:schemeClr val="bg1"/>
                 </a:solidFill>
               </a:rPr>
-              <a:t>A cluster of entities and value objects with defined boundaries around the group. Rather than allowing every single entity or value object to perform all actions on its own, the collective aggregate of items is assigned a singular aggregate root item. Now, external objects no longer have direct access to every individual entity or value object within the aggregate, but instead only have access to the single aggregate root item, and use that to pass along instructions to the group as a whole.</a:t>
+              <a:t>The setting in which a word or statement appears that determines its meaning. Statements about a model can only be understood in a </a:t>
+            </a:r>
+            <a:r>
+              <a:rPr lang="en-US" sz="3200" dirty="0" smtClean="0">
+                <a:solidFill>
+                  <a:schemeClr val="bg1"/>
+                </a:solidFill>
+              </a:rPr>
+              <a:t>context.</a:t>
             </a:r>
             <a:endParaRPr lang="en-US" sz="3200" dirty="0">
               <a:solidFill>
@@ -7965,7 +8583,7 @@
     </p:spTree>
     <p:extLst>
       <p:ext uri="{BB962C8B-B14F-4D97-AF65-F5344CB8AC3E}">
-        <p14:creationId xmlns:p14="http://schemas.microsoft.com/office/powerpoint/2010/main" val="2891436946"/>
+        <p14:creationId xmlns:p14="http://schemas.microsoft.com/office/powerpoint/2010/main" val="1869702916"/>
       </p:ext>
     </p:extLst>
   </p:cSld>
@@ -8028,7 +8646,7 @@
                   <a:schemeClr val="bg1"/>
                 </a:solidFill>
               </a:rPr>
-              <a:t>Service</a:t>
+              <a:t>Model</a:t>
             </a:r>
             <a:endParaRPr lang="bg-BG" b="1" u="sng" dirty="0">
               <a:solidFill>
@@ -8066,7 +8684,7 @@
                   <a:schemeClr val="bg1"/>
                 </a:solidFill>
               </a:rPr>
-              <a:t>Essentially, a service is an operation or form of business logic that doesn’t naturally fit within the realm of objects. In other words, if some functionality must exist, but it cannot be related to an entity or value object, it’s probably a </a:t>
+              <a:t>A system of abstractions that describes selected aspects of a domain and can be used to solve problems related to that </a:t>
             </a:r>
             <a:r>
               <a:rPr lang="en-US" sz="3200" dirty="0" smtClean="0">
@@ -8074,7 +8692,7 @@
                   <a:schemeClr val="bg1"/>
                 </a:solidFill>
               </a:rPr>
-              <a:t>service.</a:t>
+              <a:t>domain.</a:t>
             </a:r>
             <a:endParaRPr lang="en-US" sz="3200" dirty="0">
               <a:solidFill>
@@ -8087,7 +8705,7 @@
     </p:spTree>
     <p:extLst>
       <p:ext uri="{BB962C8B-B14F-4D97-AF65-F5344CB8AC3E}">
-        <p14:creationId xmlns:p14="http://schemas.microsoft.com/office/powerpoint/2010/main" val="990535507"/>
+        <p14:creationId xmlns:p14="http://schemas.microsoft.com/office/powerpoint/2010/main" val="1269987864"/>
       </p:ext>
     </p:extLst>
   </p:cSld>

--- a/presentations/domain-driven design.pptx
+++ b/presentations/domain-driven design.pptx
@@ -5,7 +5,7 @@
     <p:sldMasterId id="2147483660" r:id="rId1"/>
   </p:sldMasterIdLst>
   <p:notesMasterIdLst>
-    <p:notesMasterId r:id="rId31"/>
+    <p:notesMasterId r:id="rId35"/>
   </p:notesMasterIdLst>
   <p:sldIdLst>
     <p:sldId id="256" r:id="rId2"/>
@@ -15,50 +15,54 @@
     <p:sldId id="344" r:id="rId6"/>
     <p:sldId id="343" r:id="rId7"/>
     <p:sldId id="279" r:id="rId8"/>
-    <p:sldId id="263" r:id="rId9"/>
-    <p:sldId id="347" r:id="rId10"/>
+    <p:sldId id="347" r:id="rId9"/>
+    <p:sldId id="263" r:id="rId10"/>
     <p:sldId id="348" r:id="rId11"/>
     <p:sldId id="349" r:id="rId12"/>
     <p:sldId id="326" r:id="rId13"/>
     <p:sldId id="346" r:id="rId14"/>
     <p:sldId id="267" r:id="rId15"/>
     <p:sldId id="328" r:id="rId16"/>
-    <p:sldId id="329" r:id="rId17"/>
-    <p:sldId id="330" r:id="rId18"/>
-    <p:sldId id="331" r:id="rId19"/>
-    <p:sldId id="332" r:id="rId20"/>
-    <p:sldId id="333" r:id="rId21"/>
-    <p:sldId id="315" r:id="rId22"/>
-    <p:sldId id="334" r:id="rId23"/>
-    <p:sldId id="335" r:id="rId24"/>
-    <p:sldId id="336" r:id="rId25"/>
-    <p:sldId id="337" r:id="rId26"/>
-    <p:sldId id="338" r:id="rId27"/>
-    <p:sldId id="339" r:id="rId28"/>
-    <p:sldId id="340" r:id="rId29"/>
-    <p:sldId id="341" r:id="rId30"/>
+    <p:sldId id="350" r:id="rId17"/>
+    <p:sldId id="329" r:id="rId18"/>
+    <p:sldId id="351" r:id="rId19"/>
+    <p:sldId id="330" r:id="rId20"/>
+    <p:sldId id="352" r:id="rId21"/>
+    <p:sldId id="331" r:id="rId22"/>
+    <p:sldId id="353" r:id="rId23"/>
+    <p:sldId id="332" r:id="rId24"/>
+    <p:sldId id="333" r:id="rId25"/>
+    <p:sldId id="315" r:id="rId26"/>
+    <p:sldId id="334" r:id="rId27"/>
+    <p:sldId id="335" r:id="rId28"/>
+    <p:sldId id="336" r:id="rId29"/>
+    <p:sldId id="337" r:id="rId30"/>
+    <p:sldId id="338" r:id="rId31"/>
+    <p:sldId id="339" r:id="rId32"/>
+    <p:sldId id="340" r:id="rId33"/>
+    <p:sldId id="341" r:id="rId34"/>
   </p:sldIdLst>
   <p:sldSz cx="12192000" cy="6858000"/>
   <p:notesSz cx="6858000" cy="9144000"/>
   <p:embeddedFontLst>
     <p:embeddedFont>
       <p:font typeface="Consolas" panose="020B0609020204030204" pitchFamily="49" charset="0"/>
-      <p:regular r:id="rId32"/>
-      <p:bold r:id="rId33"/>
-      <p:italic r:id="rId34"/>
-      <p:boldItalic r:id="rId35"/>
-    </p:embeddedFont>
-    <p:embeddedFont>
-      <p:font typeface="Calibri" panose="020F0502020204030204" pitchFamily="34" charset="0"/>
       <p:regular r:id="rId36"/>
       <p:bold r:id="rId37"/>
       <p:italic r:id="rId38"/>
       <p:boldItalic r:id="rId39"/>
     </p:embeddedFont>
     <p:embeddedFont>
+      <p:font typeface="Calibri" panose="020F0502020204030204" pitchFamily="34" charset="0"/>
+      <p:regular r:id="rId40"/>
+      <p:bold r:id="rId41"/>
+      <p:italic r:id="rId42"/>
+      <p:boldItalic r:id="rId43"/>
+    </p:embeddedFont>
+    <p:embeddedFont>
       <p:font typeface="Franklin Gothic Book" panose="020B0604020202020204" charset="0"/>
-      <p:regular r:id="rId40"/>
-      <p:italic r:id="rId41"/>
+      <p:regular r:id="rId44"/>
+      <p:italic r:id="rId45"/>
     </p:embeddedFont>
   </p:embeddedFontLst>
   <p:defaultTextStyle>
@@ -5248,6 +5252,10 @@
           </a:bodyPr>
           <a:lstStyle/>
           <a:p>
+            <a:r>
+              <a:rPr lang="en-US" dirty="0" smtClean="0"/>
+              <a:t>Car</a:t>
+            </a:r>
             <a:endParaRPr lang="bg-BG" dirty="0"/>
           </a:p>
         </p:txBody>
@@ -5377,14 +5385,6 @@
 <file path=ppt/slides/slide16.xml><?xml version="1.0" encoding="utf-8"?>
 <p:sld xmlns:a="http://schemas.openxmlformats.org/drawingml/2006/main" xmlns:r="http://schemas.openxmlformats.org/officeDocument/2006/relationships" xmlns:p="http://schemas.openxmlformats.org/presentationml/2006/main">
   <p:cSld>
-    <p:bg>
-      <p:bgPr>
-        <a:solidFill>
-          <a:srgbClr val="0070C0"/>
-        </a:solidFill>
-        <a:effectLst/>
-      </p:bgPr>
-    </p:bg>
     <p:spTree>
       <p:nvGrpSpPr>
         <p:cNvPr id="1" name=""/>
@@ -5401,7 +5401,7 @@
       </p:grpSpPr>
       <p:sp>
         <p:nvSpPr>
-          <p:cNvPr id="2" name="Title 1"/>
+          <p:cNvPr id="5" name="Title 4"/>
           <p:cNvSpPr>
             <a:spLocks noGrp="1"/>
           </p:cNvSpPr>
@@ -5410,76 +5410,62 @@
           </p:nvPr>
         </p:nvSpPr>
         <p:spPr/>
-        <p:txBody>
-          <a:bodyPr/>
-          <a:lstStyle/>
-          <a:p>
-            <a:r>
-              <a:rPr lang="en-US" b="1" u="sng" dirty="0">
-                <a:solidFill>
-                  <a:schemeClr val="bg1"/>
-                </a:solidFill>
-              </a:rPr>
-              <a:t>Domain Event</a:t>
-            </a:r>
-            <a:endParaRPr lang="bg-BG" b="1" u="sng" dirty="0">
-              <a:solidFill>
-                <a:schemeClr val="bg1"/>
-              </a:solidFill>
-            </a:endParaRPr>
-          </a:p>
-        </p:txBody>
-      </p:sp>
-      <p:sp>
-        <p:nvSpPr>
-          <p:cNvPr id="3" name="Content Placeholder 2"/>
-          <p:cNvSpPr>
-            <a:spLocks noGrp="1"/>
-          </p:cNvSpPr>
-          <p:nvPr>
-            <p:ph idx="1"/>
-          </p:nvPr>
-        </p:nvSpPr>
-        <p:spPr>
-          <a:xfrm>
-            <a:off x="1371600" y="2286000"/>
-            <a:ext cx="8674768" cy="3581400"/>
-          </a:xfrm>
-        </p:spPr>
         <p:txBody>
           <a:bodyPr>
             <a:normAutofit/>
           </a:bodyPr>
           <a:lstStyle/>
           <a:p>
-            <a:r>
-              <a:rPr lang="en-US" sz="3200" dirty="0">
-                <a:solidFill>
-                  <a:schemeClr val="bg1"/>
-                </a:solidFill>
-              </a:rPr>
-              <a:t>An object that is used to record a discrete event related to model activity within the system. While all events within the system could be tracked, a domain event is only created for event types which the domain experts care about.</a:t>
-            </a:r>
+            <a:endParaRPr lang="en-US" sz="2400" b="0" dirty="0">
+              <a:solidFill>
+                <a:srgbClr val="D4D4D4"/>
+              </a:solidFill>
+              <a:effectLst/>
+              <a:latin typeface="Consolas" panose="020B0609020204030204" pitchFamily="49" charset="0"/>
+            </a:endParaRPr>
+          </a:p>
+        </p:txBody>
+      </p:sp>
+      <p:sp>
+        <p:nvSpPr>
+          <p:cNvPr id="6" name="Text Placeholder 5"/>
+          <p:cNvSpPr>
+            <a:spLocks noGrp="1"/>
+          </p:cNvSpPr>
+          <p:nvPr>
+            <p:ph type="body" sz="quarter" idx="13"/>
+          </p:nvPr>
+        </p:nvSpPr>
+        <p:spPr>
+          <a:xfrm>
+            <a:off x="734291" y="5234187"/>
+            <a:ext cx="4677967" cy="574962"/>
+          </a:xfrm>
+        </p:spPr>
+        <p:txBody>
+          <a:bodyPr>
+            <a:noAutofit/>
+          </a:bodyPr>
+          <a:lstStyle/>
+          <a:p>
+            <a:r>
+              <a:rPr lang="en-US" dirty="0" smtClean="0"/>
+              <a:t>Tires</a:t>
+            </a:r>
+            <a:endParaRPr lang="bg-BG" dirty="0"/>
           </a:p>
         </p:txBody>
       </p:sp>
     </p:spTree>
     <p:extLst>
       <p:ext uri="{BB962C8B-B14F-4D97-AF65-F5344CB8AC3E}">
-        <p14:creationId xmlns:p14="http://schemas.microsoft.com/office/powerpoint/2010/main" val="3112873849"/>
+        <p14:creationId xmlns:p14="http://schemas.microsoft.com/office/powerpoint/2010/main" val="2683645070"/>
       </p:ext>
     </p:extLst>
   </p:cSld>
   <p:clrMapOvr>
     <a:masterClrMapping/>
   </p:clrMapOvr>
-  <p:timing>
-    <p:tnLst>
-      <p:par>
-        <p:cTn id="1" dur="indefinite" restart="never" nodeType="tmRoot"/>
-      </p:par>
-    </p:tnLst>
-  </p:timing>
 </p:sld>
 </file>
 
@@ -5529,7 +5515,7 @@
                   <a:schemeClr val="bg1"/>
                 </a:solidFill>
               </a:rPr>
-              <a:t>Aggregate</a:t>
+              <a:t>Domain Event</a:t>
             </a:r>
             <a:endParaRPr lang="bg-BG" b="1" u="sng" dirty="0">
               <a:solidFill>
@@ -5551,13 +5537,13 @@
         </p:nvSpPr>
         <p:spPr>
           <a:xfrm>
-            <a:off x="1371600" y="1892968"/>
-            <a:ext cx="8674768" cy="4844716"/>
+            <a:off x="1371600" y="2286000"/>
+            <a:ext cx="8674768" cy="3581400"/>
           </a:xfrm>
         </p:spPr>
         <p:txBody>
           <a:bodyPr>
-            <a:normAutofit lnSpcReduction="10000"/>
+            <a:normAutofit/>
           </a:bodyPr>
           <a:lstStyle/>
           <a:p>
@@ -5567,7 +5553,7 @@
                   <a:schemeClr val="bg1"/>
                 </a:solidFill>
               </a:rPr>
-              <a:t>A cluster of entities and value objects with defined boundaries around the group. Rather than allowing every single entity or value object to perform all actions on its own, the collective aggregate of items is assigned a singular aggregate root item. Now, external objects no longer have direct access to every individual entity or value object within the aggregate, but instead only have access to the single aggregate root item, and use that to pass along instructions to the group as a whole.</a:t>
+              <a:t>An object that is used to record a discrete event related to model activity within the system. While all events within the system could be tracked, a domain event is only created for event types which the domain experts care about.</a:t>
             </a:r>
           </a:p>
         </p:txBody>
@@ -5575,7 +5561,7 @@
     </p:spTree>
     <p:extLst>
       <p:ext uri="{BB962C8B-B14F-4D97-AF65-F5344CB8AC3E}">
-        <p14:creationId xmlns:p14="http://schemas.microsoft.com/office/powerpoint/2010/main" val="2891436946"/>
+        <p14:creationId xmlns:p14="http://schemas.microsoft.com/office/powerpoint/2010/main" val="3112873849"/>
       </p:ext>
     </p:extLst>
   </p:cSld>
@@ -5595,14 +5581,6 @@
 <file path=ppt/slides/slide18.xml><?xml version="1.0" encoding="utf-8"?>
 <p:sld xmlns:a="http://schemas.openxmlformats.org/drawingml/2006/main" xmlns:r="http://schemas.openxmlformats.org/officeDocument/2006/relationships" xmlns:p="http://schemas.openxmlformats.org/presentationml/2006/main">
   <p:cSld>
-    <p:bg>
-      <p:bgPr>
-        <a:solidFill>
-          <a:srgbClr val="0070C0"/>
-        </a:solidFill>
-        <a:effectLst/>
-      </p:bgPr>
-    </p:bg>
     <p:spTree>
       <p:nvGrpSpPr>
         <p:cNvPr id="1" name=""/>
@@ -5619,7 +5597,7 @@
       </p:grpSpPr>
       <p:sp>
         <p:nvSpPr>
-          <p:cNvPr id="2" name="Title 1"/>
+          <p:cNvPr id="5" name="Title 4"/>
           <p:cNvSpPr>
             <a:spLocks noGrp="1"/>
           </p:cNvSpPr>
@@ -5628,89 +5606,66 @@
           </p:nvPr>
         </p:nvSpPr>
         <p:spPr/>
-        <p:txBody>
-          <a:bodyPr/>
-          <a:lstStyle/>
-          <a:p>
-            <a:r>
-              <a:rPr lang="en-US" b="1" u="sng" dirty="0">
-                <a:solidFill>
-                  <a:schemeClr val="bg1"/>
-                </a:solidFill>
-              </a:rPr>
-              <a:t>Service</a:t>
-            </a:r>
-            <a:endParaRPr lang="bg-BG" b="1" u="sng" dirty="0">
-              <a:solidFill>
-                <a:schemeClr val="bg1"/>
-              </a:solidFill>
-            </a:endParaRPr>
-          </a:p>
-        </p:txBody>
-      </p:sp>
-      <p:sp>
-        <p:nvSpPr>
-          <p:cNvPr id="3" name="Content Placeholder 2"/>
-          <p:cNvSpPr>
-            <a:spLocks noGrp="1"/>
-          </p:cNvSpPr>
-          <p:nvPr>
-            <p:ph idx="1"/>
-          </p:nvPr>
-        </p:nvSpPr>
-        <p:spPr>
-          <a:xfrm>
-            <a:off x="1371600" y="2286000"/>
-            <a:ext cx="8674768" cy="3581400"/>
-          </a:xfrm>
-        </p:spPr>
         <p:txBody>
           <a:bodyPr>
             <a:normAutofit/>
           </a:bodyPr>
           <a:lstStyle/>
           <a:p>
-            <a:r>
-              <a:rPr lang="en-US" sz="3200" dirty="0">
-                <a:solidFill>
-                  <a:schemeClr val="bg1"/>
-                </a:solidFill>
-              </a:rPr>
-              <a:t>Essentially, a service is an operation or form of business logic that doesn’t naturally fit within the realm of objects. In other words, if some functionality must exist, but it cannot be related to an entity or value object, it’s probably a </a:t>
-            </a:r>
-            <a:r>
-              <a:rPr lang="en-US" sz="3200" dirty="0" smtClean="0">
-                <a:solidFill>
-                  <a:schemeClr val="bg1"/>
-                </a:solidFill>
-              </a:rPr>
-              <a:t>service.</a:t>
-            </a:r>
-            <a:endParaRPr lang="en-US" sz="3200" dirty="0">
+            <a:endParaRPr lang="en-US" sz="2400" b="0" dirty="0">
               <a:solidFill>
-                <a:schemeClr val="bg1"/>
+                <a:srgbClr val="D4D4D4"/>
               </a:solidFill>
+              <a:effectLst/>
+              <a:latin typeface="Consolas" panose="020B0609020204030204" pitchFamily="49" charset="0"/>
             </a:endParaRPr>
+          </a:p>
+        </p:txBody>
+      </p:sp>
+      <p:sp>
+        <p:nvSpPr>
+          <p:cNvPr id="6" name="Text Placeholder 5"/>
+          <p:cNvSpPr>
+            <a:spLocks noGrp="1"/>
+          </p:cNvSpPr>
+          <p:nvPr>
+            <p:ph type="body" sz="quarter" idx="13"/>
+          </p:nvPr>
+        </p:nvSpPr>
+        <p:spPr>
+          <a:xfrm>
+            <a:off x="734291" y="5234187"/>
+            <a:ext cx="4677967" cy="574962"/>
+          </a:xfrm>
+        </p:spPr>
+        <p:txBody>
+          <a:bodyPr>
+            <a:noAutofit/>
+          </a:bodyPr>
+          <a:lstStyle/>
+          <a:p>
+            <a:r>
+              <a:rPr lang="en-US" dirty="0"/>
+              <a:t>History of motor </a:t>
+            </a:r>
+            <a:r>
+              <a:rPr lang="en-US" dirty="0" smtClean="0"/>
+              <a:t>oil</a:t>
+            </a:r>
+            <a:endParaRPr lang="en-US" dirty="0"/>
           </a:p>
         </p:txBody>
       </p:sp>
     </p:spTree>
     <p:extLst>
       <p:ext uri="{BB962C8B-B14F-4D97-AF65-F5344CB8AC3E}">
-        <p14:creationId xmlns:p14="http://schemas.microsoft.com/office/powerpoint/2010/main" val="990535507"/>
+        <p14:creationId xmlns:p14="http://schemas.microsoft.com/office/powerpoint/2010/main" val="1909442235"/>
       </p:ext>
     </p:extLst>
   </p:cSld>
   <p:clrMapOvr>
     <a:masterClrMapping/>
   </p:clrMapOvr>
-  <p:timing>
-    <p:tnLst>
-      <p:par>
-        <p:cTn id="1" dur="indefinite" restart="never" nodeType="tmRoot"/>
-      </p:par>
-    </p:tnLst>
-  </p:timing>
 </p:sld>
 </file>
 
@@ -5760,7 +5715,7 @@
                   <a:schemeClr val="bg1"/>
                 </a:solidFill>
               </a:rPr>
-              <a:t>Repositories</a:t>
+              <a:t>Aggregate</a:t>
             </a:r>
             <a:endParaRPr lang="bg-BG" b="1" u="sng" dirty="0">
               <a:solidFill>
@@ -5782,8 +5737,8 @@
         </p:nvSpPr>
         <p:spPr>
           <a:xfrm>
-            <a:off x="1371600" y="1684421"/>
-            <a:ext cx="8674768" cy="5173580"/>
+            <a:off x="1371600" y="1892968"/>
+            <a:ext cx="8674768" cy="4844716"/>
           </a:xfrm>
         </p:spPr>
         <p:txBody>
@@ -5798,7 +5753,7 @@
                   <a:schemeClr val="bg1"/>
                 </a:solidFill>
               </a:rPr>
-              <a:t>Not be confused with common version control repositories, the DDD meaning of a repository is a service that uses a global interface to provide access to all entities and value objects that are within a particular aggregate collection. Methods should be defined to allow for creation, modification, and deletion of objects within the aggregate. However, by using this repository service to make data queries, the goal is to remove such data query capabilities from within the business logic of object models.</a:t>
+              <a:t>A cluster of entities and value objects with defined boundaries around the group. Rather than allowing every single entity or value object to perform all actions on its own, the collective aggregate of items is assigned a singular aggregate root item. Now, external objects no longer have direct access to every individual entity or value object within the aggregate, but instead only have access to the single aggregate root item, and use that to pass along instructions to the group as a whole.</a:t>
             </a:r>
           </a:p>
         </p:txBody>
@@ -5806,7 +5761,7 @@
     </p:spTree>
     <p:extLst>
       <p:ext uri="{BB962C8B-B14F-4D97-AF65-F5344CB8AC3E}">
-        <p14:creationId xmlns:p14="http://schemas.microsoft.com/office/powerpoint/2010/main" val="2265497143"/>
+        <p14:creationId xmlns:p14="http://schemas.microsoft.com/office/powerpoint/2010/main" val="2891436946"/>
       </p:ext>
     </p:extLst>
   </p:cSld>
@@ -5925,6 +5880,93 @@
 <file path=ppt/slides/slide20.xml><?xml version="1.0" encoding="utf-8"?>
 <p:sld xmlns:a="http://schemas.openxmlformats.org/drawingml/2006/main" xmlns:r="http://schemas.openxmlformats.org/officeDocument/2006/relationships" xmlns:p="http://schemas.openxmlformats.org/presentationml/2006/main">
   <p:cSld>
+    <p:spTree>
+      <p:nvGrpSpPr>
+        <p:cNvPr id="1" name=""/>
+        <p:cNvGrpSpPr/>
+        <p:nvPr/>
+      </p:nvGrpSpPr>
+      <p:grpSpPr>
+        <a:xfrm>
+          <a:off x="0" y="0"/>
+          <a:ext cx="0" cy="0"/>
+          <a:chOff x="0" y="0"/>
+          <a:chExt cx="0" cy="0"/>
+        </a:xfrm>
+      </p:grpSpPr>
+      <p:sp>
+        <p:nvSpPr>
+          <p:cNvPr id="5" name="Title 4"/>
+          <p:cNvSpPr>
+            <a:spLocks noGrp="1"/>
+          </p:cNvSpPr>
+          <p:nvPr>
+            <p:ph type="title"/>
+          </p:nvPr>
+        </p:nvSpPr>
+        <p:spPr/>
+        <p:txBody>
+          <a:bodyPr>
+            <a:normAutofit/>
+          </a:bodyPr>
+          <a:lstStyle/>
+          <a:p>
+            <a:endParaRPr lang="en-US" sz="2400" b="0" dirty="0">
+              <a:solidFill>
+                <a:srgbClr val="D4D4D4"/>
+              </a:solidFill>
+              <a:effectLst/>
+              <a:latin typeface="Consolas" panose="020B0609020204030204" pitchFamily="49" charset="0"/>
+            </a:endParaRPr>
+          </a:p>
+        </p:txBody>
+      </p:sp>
+      <p:sp>
+        <p:nvSpPr>
+          <p:cNvPr id="6" name="Text Placeholder 5"/>
+          <p:cNvSpPr>
+            <a:spLocks noGrp="1"/>
+          </p:cNvSpPr>
+          <p:nvPr>
+            <p:ph type="body" sz="quarter" idx="13"/>
+          </p:nvPr>
+        </p:nvSpPr>
+        <p:spPr>
+          <a:xfrm>
+            <a:off x="734291" y="5234187"/>
+            <a:ext cx="4677967" cy="574962"/>
+          </a:xfrm>
+        </p:spPr>
+        <p:txBody>
+          <a:bodyPr>
+            <a:noAutofit/>
+          </a:bodyPr>
+          <a:lstStyle/>
+          <a:p>
+            <a:r>
+              <a:rPr lang="en-US" dirty="0" smtClean="0"/>
+              <a:t>Machine</a:t>
+            </a:r>
+            <a:endParaRPr lang="en-US" dirty="0"/>
+          </a:p>
+        </p:txBody>
+      </p:sp>
+    </p:spTree>
+    <p:extLst>
+      <p:ext uri="{BB962C8B-B14F-4D97-AF65-F5344CB8AC3E}">
+        <p14:creationId xmlns:p14="http://schemas.microsoft.com/office/powerpoint/2010/main" val="1208011767"/>
+      </p:ext>
+    </p:extLst>
+  </p:cSld>
+  <p:clrMapOvr>
+    <a:masterClrMapping/>
+  </p:clrMapOvr>
+</p:sld>
+</file>
+
+<file path=ppt/slides/slide21.xml><?xml version="1.0" encoding="utf-8"?>
+<p:sld xmlns:a="http://schemas.openxmlformats.org/drawingml/2006/main" xmlns:r="http://schemas.openxmlformats.org/officeDocument/2006/relationships" xmlns:p="http://schemas.openxmlformats.org/presentationml/2006/main">
+  <p:cSld>
     <p:bg>
       <p:bgPr>
         <a:solidFill>
@@ -5963,12 +6005,12 @@
           <a:lstStyle/>
           <a:p>
             <a:r>
-              <a:rPr lang="en-US" b="1" u="sng" dirty="0" smtClean="0">
+              <a:rPr lang="en-US" b="1" u="sng" dirty="0">
                 <a:solidFill>
                   <a:schemeClr val="bg1"/>
                 </a:solidFill>
               </a:rPr>
-              <a:t>Factories</a:t>
+              <a:t>Service</a:t>
             </a:r>
             <a:endParaRPr lang="bg-BG" b="1" u="sng" dirty="0">
               <a:solidFill>
@@ -6006,15 +6048,28 @@
                   <a:schemeClr val="bg1"/>
                 </a:solidFill>
               </a:rPr>
-              <a:t>As we’ve discussed through a number of design patterns articles already, DDD suggests the use of a factory, which encapsulates the logic of creating complex objects and aggregates, ensuring that the client has no knowledge of the inner-workings of object manipulation.</a:t>
-            </a:r>
+              <a:t>Essentially, a service is an operation or form of business logic that doesn’t naturally fit within the realm of objects. In other words, if some functionality must exist, but it cannot be related to an entity or value object, it’s probably a </a:t>
+            </a:r>
+            <a:r>
+              <a:rPr lang="en-US" sz="3200" dirty="0" smtClean="0">
+                <a:solidFill>
+                  <a:schemeClr val="bg1"/>
+                </a:solidFill>
+              </a:rPr>
+              <a:t>service.</a:t>
+            </a:r>
+            <a:endParaRPr lang="en-US" sz="3200" dirty="0">
+              <a:solidFill>
+                <a:schemeClr val="bg1"/>
+              </a:solidFill>
+            </a:endParaRPr>
           </a:p>
         </p:txBody>
       </p:sp>
     </p:spTree>
     <p:extLst>
       <p:ext uri="{BB962C8B-B14F-4D97-AF65-F5344CB8AC3E}">
-        <p14:creationId xmlns:p14="http://schemas.microsoft.com/office/powerpoint/2010/main" val="3571187264"/>
+        <p14:creationId xmlns:p14="http://schemas.microsoft.com/office/powerpoint/2010/main" val="990535507"/>
       </p:ext>
     </p:extLst>
   </p:cSld>
@@ -6028,784 +6083,6 @@
       </p:par>
     </p:tnLst>
   </p:timing>
-</p:sld>
-</file>
-
-<file path=ppt/slides/slide21.xml><?xml version="1.0" encoding="utf-8"?>
-<p:sld xmlns:a="http://schemas.openxmlformats.org/drawingml/2006/main" xmlns:r="http://schemas.openxmlformats.org/officeDocument/2006/relationships" xmlns:p="http://schemas.openxmlformats.org/presentationml/2006/main">
-  <p:cSld>
-    <p:spTree>
-      <p:nvGrpSpPr>
-        <p:cNvPr id="1" name=""/>
-        <p:cNvGrpSpPr/>
-        <p:nvPr/>
-      </p:nvGrpSpPr>
-      <p:grpSpPr>
-        <a:xfrm>
-          <a:off x="0" y="0"/>
-          <a:ext cx="0" cy="0"/>
-          <a:chOff x="0" y="0"/>
-          <a:chExt cx="0" cy="0"/>
-        </a:xfrm>
-      </p:grpSpPr>
-      <p:sp>
-        <p:nvSpPr>
-          <p:cNvPr id="2" name="Title 1"/>
-          <p:cNvSpPr>
-            <a:spLocks noGrp="1"/>
-          </p:cNvSpPr>
-          <p:nvPr>
-            <p:ph type="title"/>
-          </p:nvPr>
-        </p:nvSpPr>
-        <p:spPr/>
-        <p:txBody>
-          <a:bodyPr/>
-          <a:lstStyle/>
-          <a:p>
-            <a:pPr algn="ctr"/>
-            <a:r>
-              <a:rPr lang="en-US" dirty="0" smtClean="0">
-                <a:solidFill>
-                  <a:schemeClr val="tx1">
-                    <a:lumMod val="65000"/>
-                    <a:lumOff val="35000"/>
-                  </a:schemeClr>
-                </a:solidFill>
-              </a:rPr>
-              <a:t>Domain</a:t>
-            </a:r>
-            <a:endParaRPr lang="bg-BG" dirty="0">
-              <a:solidFill>
-                <a:schemeClr val="tx1">
-                  <a:lumMod val="65000"/>
-                  <a:lumOff val="35000"/>
-                </a:schemeClr>
-              </a:solidFill>
-            </a:endParaRPr>
-          </a:p>
-        </p:txBody>
-      </p:sp>
-      <p:sp>
-        <p:nvSpPr>
-          <p:cNvPr id="3" name="Rectangle 2"/>
-          <p:cNvSpPr/>
-          <p:nvPr/>
-        </p:nvSpPr>
-        <p:spPr>
-          <a:xfrm>
-            <a:off x="2425484" y="2100019"/>
-            <a:ext cx="9128501" cy="4494509"/>
-          </a:xfrm>
-          <a:prstGeom prst="rect">
-            <a:avLst/>
-          </a:prstGeom>
-          <a:noFill/>
-          <a:ln>
-            <a:solidFill>
-              <a:schemeClr val="tx1"/>
-            </a:solidFill>
-          </a:ln>
-        </p:spPr>
-        <p:style>
-          <a:lnRef idx="2">
-            <a:schemeClr val="accent1">
-              <a:shade val="50000"/>
-            </a:schemeClr>
-          </a:lnRef>
-          <a:fillRef idx="1">
-            <a:schemeClr val="accent1"/>
-          </a:fillRef>
-          <a:effectRef idx="0">
-            <a:schemeClr val="accent1"/>
-          </a:effectRef>
-          <a:fontRef idx="minor">
-            <a:schemeClr val="lt1"/>
-          </a:fontRef>
-        </p:style>
-        <p:txBody>
-          <a:bodyPr rtlCol="0" anchor="ctr"/>
-          <a:lstStyle/>
-          <a:p>
-            <a:pPr algn="ctr"/>
-            <a:endParaRPr lang="en-US"/>
-          </a:p>
-        </p:txBody>
-      </p:sp>
-      <p:sp>
-        <p:nvSpPr>
-          <p:cNvPr id="7" name="TextBox 6"/>
-          <p:cNvSpPr txBox="1"/>
-          <p:nvPr/>
-        </p:nvSpPr>
-        <p:spPr>
-          <a:xfrm>
-            <a:off x="2425484" y="1730687"/>
-            <a:ext cx="945396" cy="369332"/>
-          </a:xfrm>
-          <a:prstGeom prst="rect">
-            <a:avLst/>
-          </a:prstGeom>
-          <a:noFill/>
-        </p:spPr>
-        <p:txBody>
-          <a:bodyPr wrap="square" rtlCol="0">
-            <a:spAutoFit/>
-          </a:bodyPr>
-          <a:lstStyle/>
-          <a:p>
-            <a:r>
-              <a:rPr lang="en-US" dirty="0" smtClean="0"/>
-              <a:t>Domain</a:t>
-            </a:r>
-            <a:endParaRPr lang="en-US" dirty="0"/>
-          </a:p>
-        </p:txBody>
-      </p:sp>
-      <p:sp>
-        <p:nvSpPr>
-          <p:cNvPr id="8" name="Rectangle 7"/>
-          <p:cNvSpPr/>
-          <p:nvPr/>
-        </p:nvSpPr>
-        <p:spPr>
-          <a:xfrm>
-            <a:off x="2564970" y="2541032"/>
-            <a:ext cx="8552479" cy="3957923"/>
-          </a:xfrm>
-          <a:prstGeom prst="rect">
-            <a:avLst/>
-          </a:prstGeom>
-          <a:noFill/>
-          <a:ln>
-            <a:solidFill>
-              <a:schemeClr val="tx1"/>
-            </a:solidFill>
-          </a:ln>
-        </p:spPr>
-        <p:style>
-          <a:lnRef idx="2">
-            <a:schemeClr val="accent1">
-              <a:shade val="50000"/>
-            </a:schemeClr>
-          </a:lnRef>
-          <a:fillRef idx="1">
-            <a:schemeClr val="accent1"/>
-          </a:fillRef>
-          <a:effectRef idx="0">
-            <a:schemeClr val="accent1"/>
-          </a:effectRef>
-          <a:fontRef idx="minor">
-            <a:schemeClr val="lt1"/>
-          </a:fontRef>
-        </p:style>
-        <p:txBody>
-          <a:bodyPr rtlCol="0" anchor="ctr"/>
-          <a:lstStyle/>
-          <a:p>
-            <a:pPr algn="ctr"/>
-            <a:endParaRPr lang="en-US"/>
-          </a:p>
-        </p:txBody>
-      </p:sp>
-      <p:sp>
-        <p:nvSpPr>
-          <p:cNvPr id="9" name="TextBox 8"/>
-          <p:cNvSpPr txBox="1"/>
-          <p:nvPr/>
-        </p:nvSpPr>
-        <p:spPr>
-          <a:xfrm>
-            <a:off x="2564970" y="2171700"/>
-            <a:ext cx="2146515" cy="369332"/>
-          </a:xfrm>
-          <a:prstGeom prst="rect">
-            <a:avLst/>
-          </a:prstGeom>
-          <a:noFill/>
-        </p:spPr>
-        <p:txBody>
-          <a:bodyPr wrap="square" rtlCol="0">
-            <a:spAutoFit/>
-          </a:bodyPr>
-          <a:lstStyle/>
-          <a:p>
-            <a:r>
-              <a:rPr lang="en-US" dirty="0" smtClean="0"/>
-              <a:t>Bounded Context</a:t>
-            </a:r>
-            <a:endParaRPr lang="en-US" dirty="0"/>
-          </a:p>
-        </p:txBody>
-      </p:sp>
-      <p:sp>
-        <p:nvSpPr>
-          <p:cNvPr id="11" name="TextBox 10"/>
-          <p:cNvSpPr txBox="1"/>
-          <p:nvPr/>
-        </p:nvSpPr>
-        <p:spPr>
-          <a:xfrm>
-            <a:off x="2681207" y="2656714"/>
-            <a:ext cx="2146515" cy="369332"/>
-          </a:xfrm>
-          <a:prstGeom prst="rect">
-            <a:avLst/>
-          </a:prstGeom>
-          <a:noFill/>
-        </p:spPr>
-        <p:txBody>
-          <a:bodyPr wrap="square" rtlCol="0">
-            <a:spAutoFit/>
-          </a:bodyPr>
-          <a:lstStyle/>
-          <a:p>
-            <a:r>
-              <a:rPr lang="en-US" dirty="0" smtClean="0"/>
-              <a:t>Aggregate</a:t>
-            </a:r>
-            <a:endParaRPr lang="en-US" dirty="0"/>
-          </a:p>
-        </p:txBody>
-      </p:sp>
-      <p:sp>
-        <p:nvSpPr>
-          <p:cNvPr id="12" name="Rectangle 11"/>
-          <p:cNvSpPr/>
-          <p:nvPr/>
-        </p:nvSpPr>
-        <p:spPr>
-          <a:xfrm>
-            <a:off x="2939511" y="3467059"/>
-            <a:ext cx="4050223" cy="577999"/>
-          </a:xfrm>
-          <a:prstGeom prst="rect">
-            <a:avLst/>
-          </a:prstGeom>
-          <a:noFill/>
-          <a:ln>
-            <a:solidFill>
-              <a:schemeClr val="tx1"/>
-            </a:solidFill>
-          </a:ln>
-        </p:spPr>
-        <p:style>
-          <a:lnRef idx="2">
-            <a:schemeClr val="accent1">
-              <a:shade val="50000"/>
-            </a:schemeClr>
-          </a:lnRef>
-          <a:fillRef idx="1">
-            <a:schemeClr val="accent1"/>
-          </a:fillRef>
-          <a:effectRef idx="0">
-            <a:schemeClr val="accent1"/>
-          </a:effectRef>
-          <a:fontRef idx="minor">
-            <a:schemeClr val="lt1"/>
-          </a:fontRef>
-        </p:style>
-        <p:txBody>
-          <a:bodyPr rtlCol="0" anchor="ctr"/>
-          <a:lstStyle/>
-          <a:p>
-            <a:pPr algn="ctr"/>
-            <a:endParaRPr lang="en-US"/>
-          </a:p>
-        </p:txBody>
-      </p:sp>
-      <p:sp>
-        <p:nvSpPr>
-          <p:cNvPr id="13" name="TextBox 12"/>
-          <p:cNvSpPr txBox="1"/>
-          <p:nvPr/>
-        </p:nvSpPr>
-        <p:spPr>
-          <a:xfrm>
-            <a:off x="3042835" y="3571087"/>
-            <a:ext cx="2146515" cy="369332"/>
-          </a:xfrm>
-          <a:prstGeom prst="rect">
-            <a:avLst/>
-          </a:prstGeom>
-          <a:noFill/>
-        </p:spPr>
-        <p:txBody>
-          <a:bodyPr wrap="square" rtlCol="0">
-            <a:spAutoFit/>
-          </a:bodyPr>
-          <a:lstStyle/>
-          <a:p>
-            <a:r>
-              <a:rPr lang="en-US" dirty="0" smtClean="0"/>
-              <a:t>Aggregate Root</a:t>
-            </a:r>
-            <a:endParaRPr lang="en-US" dirty="0"/>
-          </a:p>
-        </p:txBody>
-      </p:sp>
-      <p:sp>
-        <p:nvSpPr>
-          <p:cNvPr id="14" name="Rectangle 13"/>
-          <p:cNvSpPr/>
-          <p:nvPr/>
-        </p:nvSpPr>
-        <p:spPr>
-          <a:xfrm>
-            <a:off x="4355665" y="4519991"/>
-            <a:ext cx="1217913" cy="529627"/>
-          </a:xfrm>
-          <a:prstGeom prst="rect">
-            <a:avLst/>
-          </a:prstGeom>
-          <a:noFill/>
-          <a:ln>
-            <a:solidFill>
-              <a:schemeClr val="tx1"/>
-            </a:solidFill>
-          </a:ln>
-        </p:spPr>
-        <p:style>
-          <a:lnRef idx="2">
-            <a:schemeClr val="accent1">
-              <a:shade val="50000"/>
-            </a:schemeClr>
-          </a:lnRef>
-          <a:fillRef idx="1">
-            <a:schemeClr val="accent1"/>
-          </a:fillRef>
-          <a:effectRef idx="0">
-            <a:schemeClr val="accent1"/>
-          </a:effectRef>
-          <a:fontRef idx="minor">
-            <a:schemeClr val="lt1"/>
-          </a:fontRef>
-        </p:style>
-        <p:txBody>
-          <a:bodyPr rtlCol="0" anchor="ctr"/>
-          <a:lstStyle/>
-          <a:p>
-            <a:pPr algn="ctr"/>
-            <a:endParaRPr lang="en-US"/>
-          </a:p>
-        </p:txBody>
-      </p:sp>
-      <p:sp>
-        <p:nvSpPr>
-          <p:cNvPr id="15" name="Rectangle 14"/>
-          <p:cNvSpPr/>
-          <p:nvPr/>
-        </p:nvSpPr>
-        <p:spPr>
-          <a:xfrm>
-            <a:off x="2939509" y="4519990"/>
-            <a:ext cx="1217913" cy="529627"/>
-          </a:xfrm>
-          <a:prstGeom prst="rect">
-            <a:avLst/>
-          </a:prstGeom>
-          <a:noFill/>
-          <a:ln>
-            <a:solidFill>
-              <a:schemeClr val="tx1"/>
-            </a:solidFill>
-          </a:ln>
-        </p:spPr>
-        <p:style>
-          <a:lnRef idx="2">
-            <a:schemeClr val="accent1">
-              <a:shade val="50000"/>
-            </a:schemeClr>
-          </a:lnRef>
-          <a:fillRef idx="1">
-            <a:schemeClr val="accent1"/>
-          </a:fillRef>
-          <a:effectRef idx="0">
-            <a:schemeClr val="accent1"/>
-          </a:effectRef>
-          <a:fontRef idx="minor">
-            <a:schemeClr val="lt1"/>
-          </a:fontRef>
-        </p:style>
-        <p:txBody>
-          <a:bodyPr rtlCol="0" anchor="ctr"/>
-          <a:lstStyle/>
-          <a:p>
-            <a:pPr algn="ctr"/>
-            <a:endParaRPr lang="en-US"/>
-          </a:p>
-        </p:txBody>
-      </p:sp>
-      <p:sp>
-        <p:nvSpPr>
-          <p:cNvPr id="16" name="Rectangle 15"/>
-          <p:cNvSpPr/>
-          <p:nvPr/>
-        </p:nvSpPr>
-        <p:spPr>
-          <a:xfrm>
-            <a:off x="5771821" y="4519993"/>
-            <a:ext cx="1217913" cy="529627"/>
-          </a:xfrm>
-          <a:prstGeom prst="rect">
-            <a:avLst/>
-          </a:prstGeom>
-          <a:noFill/>
-          <a:ln>
-            <a:solidFill>
-              <a:schemeClr val="tx1"/>
-            </a:solidFill>
-          </a:ln>
-        </p:spPr>
-        <p:style>
-          <a:lnRef idx="2">
-            <a:schemeClr val="accent1">
-              <a:shade val="50000"/>
-            </a:schemeClr>
-          </a:lnRef>
-          <a:fillRef idx="1">
-            <a:schemeClr val="accent1"/>
-          </a:fillRef>
-          <a:effectRef idx="0">
-            <a:schemeClr val="accent1"/>
-          </a:effectRef>
-          <a:fontRef idx="minor">
-            <a:schemeClr val="lt1"/>
-          </a:fontRef>
-        </p:style>
-        <p:txBody>
-          <a:bodyPr rtlCol="0" anchor="ctr"/>
-          <a:lstStyle/>
-          <a:p>
-            <a:pPr algn="ctr"/>
-            <a:endParaRPr lang="en-US"/>
-          </a:p>
-        </p:txBody>
-      </p:sp>
-      <p:sp>
-        <p:nvSpPr>
-          <p:cNvPr id="17" name="TextBox 16"/>
-          <p:cNvSpPr txBox="1"/>
-          <p:nvPr/>
-        </p:nvSpPr>
-        <p:spPr>
-          <a:xfrm>
-            <a:off x="3099660" y="4601753"/>
-            <a:ext cx="937647" cy="369332"/>
-          </a:xfrm>
-          <a:prstGeom prst="rect">
-            <a:avLst/>
-          </a:prstGeom>
-          <a:noFill/>
-        </p:spPr>
-        <p:txBody>
-          <a:bodyPr wrap="square" rtlCol="0">
-            <a:spAutoFit/>
-          </a:bodyPr>
-          <a:lstStyle/>
-          <a:p>
-            <a:r>
-              <a:rPr lang="en-US" dirty="0" smtClean="0"/>
-              <a:t>Entity</a:t>
-            </a:r>
-            <a:endParaRPr lang="en-US" dirty="0"/>
-          </a:p>
-        </p:txBody>
-      </p:sp>
-      <p:sp>
-        <p:nvSpPr>
-          <p:cNvPr id="18" name="TextBox 17"/>
-          <p:cNvSpPr txBox="1"/>
-          <p:nvPr/>
-        </p:nvSpPr>
-        <p:spPr>
-          <a:xfrm>
-            <a:off x="4495798" y="4601753"/>
-            <a:ext cx="937647" cy="369332"/>
-          </a:xfrm>
-          <a:prstGeom prst="rect">
-            <a:avLst/>
-          </a:prstGeom>
-          <a:noFill/>
-        </p:spPr>
-        <p:txBody>
-          <a:bodyPr wrap="square" rtlCol="0">
-            <a:spAutoFit/>
-          </a:bodyPr>
-          <a:lstStyle/>
-          <a:p>
-            <a:r>
-              <a:rPr lang="en-US" dirty="0" smtClean="0"/>
-              <a:t>Entity</a:t>
-            </a:r>
-            <a:endParaRPr lang="en-US" dirty="0"/>
-          </a:p>
-        </p:txBody>
-      </p:sp>
-      <p:sp>
-        <p:nvSpPr>
-          <p:cNvPr id="19" name="TextBox 18"/>
-          <p:cNvSpPr txBox="1"/>
-          <p:nvPr/>
-        </p:nvSpPr>
-        <p:spPr>
-          <a:xfrm>
-            <a:off x="5911953" y="4600137"/>
-            <a:ext cx="937647" cy="369332"/>
-          </a:xfrm>
-          <a:prstGeom prst="rect">
-            <a:avLst/>
-          </a:prstGeom>
-          <a:noFill/>
-        </p:spPr>
-        <p:txBody>
-          <a:bodyPr wrap="square" rtlCol="0">
-            <a:spAutoFit/>
-          </a:bodyPr>
-          <a:lstStyle/>
-          <a:p>
-            <a:r>
-              <a:rPr lang="en-US" dirty="0" smtClean="0"/>
-              <a:t>Value</a:t>
-            </a:r>
-            <a:endParaRPr lang="en-US" dirty="0"/>
-          </a:p>
-        </p:txBody>
-      </p:sp>
-      <p:sp>
-        <p:nvSpPr>
-          <p:cNvPr id="21" name="Rectangle 20"/>
-          <p:cNvSpPr/>
-          <p:nvPr/>
-        </p:nvSpPr>
-        <p:spPr>
-          <a:xfrm>
-            <a:off x="2959528" y="5534548"/>
-            <a:ext cx="1217913" cy="529627"/>
-          </a:xfrm>
-          <a:prstGeom prst="rect">
-            <a:avLst/>
-          </a:prstGeom>
-          <a:noFill/>
-          <a:ln>
-            <a:solidFill>
-              <a:schemeClr val="tx1"/>
-            </a:solidFill>
-          </a:ln>
-        </p:spPr>
-        <p:style>
-          <a:lnRef idx="2">
-            <a:schemeClr val="accent1">
-              <a:shade val="50000"/>
-            </a:schemeClr>
-          </a:lnRef>
-          <a:fillRef idx="1">
-            <a:schemeClr val="accent1"/>
-          </a:fillRef>
-          <a:effectRef idx="0">
-            <a:schemeClr val="accent1"/>
-          </a:effectRef>
-          <a:fontRef idx="minor">
-            <a:schemeClr val="lt1"/>
-          </a:fontRef>
-        </p:style>
-        <p:txBody>
-          <a:bodyPr rtlCol="0" anchor="ctr"/>
-          <a:lstStyle/>
-          <a:p>
-            <a:pPr algn="ctr"/>
-            <a:endParaRPr lang="en-US"/>
-          </a:p>
-        </p:txBody>
-      </p:sp>
-      <p:sp>
-        <p:nvSpPr>
-          <p:cNvPr id="22" name="TextBox 21"/>
-          <p:cNvSpPr txBox="1"/>
-          <p:nvPr/>
-        </p:nvSpPr>
-        <p:spPr>
-          <a:xfrm>
-            <a:off x="3099660" y="5614692"/>
-            <a:ext cx="937647" cy="369332"/>
-          </a:xfrm>
-          <a:prstGeom prst="rect">
-            <a:avLst/>
-          </a:prstGeom>
-          <a:noFill/>
-        </p:spPr>
-        <p:txBody>
-          <a:bodyPr wrap="square" rtlCol="0">
-            <a:spAutoFit/>
-          </a:bodyPr>
-          <a:lstStyle/>
-          <a:p>
-            <a:r>
-              <a:rPr lang="en-US" dirty="0" smtClean="0"/>
-              <a:t>Value</a:t>
-            </a:r>
-            <a:endParaRPr lang="en-US" dirty="0"/>
-          </a:p>
-        </p:txBody>
-      </p:sp>
-      <p:cxnSp>
-        <p:nvCxnSpPr>
-          <p:cNvPr id="28" name="Straight Arrow Connector 27"/>
-          <p:cNvCxnSpPr/>
-          <p:nvPr/>
-        </p:nvCxnSpPr>
-        <p:spPr>
-          <a:xfrm>
-            <a:off x="3548464" y="4126820"/>
-            <a:ext cx="1" cy="370904"/>
-          </a:xfrm>
-          <a:prstGeom prst="straightConnector1">
-            <a:avLst/>
-          </a:prstGeom>
-          <a:ln w="31750" cmpd="sng">
-            <a:solidFill>
-              <a:schemeClr val="tx1"/>
-            </a:solidFill>
-            <a:headEnd type="none" w="lg" len="lg"/>
-            <a:tailEnd type="triangle"/>
-          </a:ln>
-        </p:spPr>
-        <p:style>
-          <a:lnRef idx="1">
-            <a:schemeClr val="accent1"/>
-          </a:lnRef>
-          <a:fillRef idx="0">
-            <a:schemeClr val="accent1"/>
-          </a:fillRef>
-          <a:effectRef idx="0">
-            <a:schemeClr val="accent1"/>
-          </a:effectRef>
-          <a:fontRef idx="minor">
-            <a:schemeClr val="tx1"/>
-          </a:fontRef>
-        </p:style>
-      </p:cxnSp>
-      <p:cxnSp>
-        <p:nvCxnSpPr>
-          <p:cNvPr id="31" name="Straight Arrow Connector 30"/>
-          <p:cNvCxnSpPr/>
-          <p:nvPr/>
-        </p:nvCxnSpPr>
-        <p:spPr>
-          <a:xfrm>
-            <a:off x="4964620" y="4126820"/>
-            <a:ext cx="1" cy="370904"/>
-          </a:xfrm>
-          <a:prstGeom prst="straightConnector1">
-            <a:avLst/>
-          </a:prstGeom>
-          <a:ln w="31750" cmpd="sng">
-            <a:solidFill>
-              <a:schemeClr val="tx1"/>
-            </a:solidFill>
-            <a:headEnd type="none" w="lg" len="lg"/>
-            <a:tailEnd type="triangle"/>
-          </a:ln>
-        </p:spPr>
-        <p:style>
-          <a:lnRef idx="1">
-            <a:schemeClr val="accent1"/>
-          </a:lnRef>
-          <a:fillRef idx="0">
-            <a:schemeClr val="accent1"/>
-          </a:fillRef>
-          <a:effectRef idx="0">
-            <a:schemeClr val="accent1"/>
-          </a:effectRef>
-          <a:fontRef idx="minor">
-            <a:schemeClr val="tx1"/>
-          </a:fontRef>
-        </p:style>
-      </p:cxnSp>
-      <p:cxnSp>
-        <p:nvCxnSpPr>
-          <p:cNvPr id="32" name="Straight Arrow Connector 31"/>
-          <p:cNvCxnSpPr/>
-          <p:nvPr/>
-        </p:nvCxnSpPr>
-        <p:spPr>
-          <a:xfrm>
-            <a:off x="3568482" y="5106630"/>
-            <a:ext cx="1" cy="370904"/>
-          </a:xfrm>
-          <a:prstGeom prst="straightConnector1">
-            <a:avLst/>
-          </a:prstGeom>
-          <a:ln w="31750" cmpd="sng">
-            <a:solidFill>
-              <a:schemeClr val="tx1"/>
-            </a:solidFill>
-            <a:headEnd type="none" w="lg" len="lg"/>
-            <a:tailEnd type="triangle"/>
-          </a:ln>
-        </p:spPr>
-        <p:style>
-          <a:lnRef idx="1">
-            <a:schemeClr val="accent1"/>
-          </a:lnRef>
-          <a:fillRef idx="0">
-            <a:schemeClr val="accent1"/>
-          </a:fillRef>
-          <a:effectRef idx="0">
-            <a:schemeClr val="accent1"/>
-          </a:effectRef>
-          <a:fontRef idx="minor">
-            <a:schemeClr val="tx1"/>
-          </a:fontRef>
-        </p:style>
-      </p:cxnSp>
-      <p:cxnSp>
-        <p:nvCxnSpPr>
-          <p:cNvPr id="33" name="Straight Arrow Connector 32"/>
-          <p:cNvCxnSpPr/>
-          <p:nvPr/>
-        </p:nvCxnSpPr>
-        <p:spPr>
-          <a:xfrm>
-            <a:off x="6380775" y="4123818"/>
-            <a:ext cx="1" cy="370904"/>
-          </a:xfrm>
-          <a:prstGeom prst="straightConnector1">
-            <a:avLst/>
-          </a:prstGeom>
-          <a:ln w="31750" cmpd="sng">
-            <a:solidFill>
-              <a:schemeClr val="tx1"/>
-            </a:solidFill>
-            <a:headEnd type="none" w="lg" len="lg"/>
-            <a:tailEnd type="triangle"/>
-          </a:ln>
-        </p:spPr>
-        <p:style>
-          <a:lnRef idx="1">
-            <a:schemeClr val="accent1"/>
-          </a:lnRef>
-          <a:fillRef idx="0">
-            <a:schemeClr val="accent1"/>
-          </a:fillRef>
-          <a:effectRef idx="0">
-            <a:schemeClr val="accent1"/>
-          </a:effectRef>
-          <a:fontRef idx="minor">
-            <a:schemeClr val="tx1"/>
-          </a:fontRef>
-        </p:style>
-      </p:cxnSp>
-    </p:spTree>
-    <p:extLst>
-      <p:ext uri="{BB962C8B-B14F-4D97-AF65-F5344CB8AC3E}">
-        <p14:creationId xmlns:p14="http://schemas.microsoft.com/office/powerpoint/2010/main" val="2487834621"/>
-      </p:ext>
-    </p:extLst>
-  </p:cSld>
-  <p:clrMapOvr>
-    <a:masterClrMapping/>
-  </p:clrMapOvr>
 </p:sld>
 </file>
 
@@ -6828,7 +6105,7 @@
       </p:grpSpPr>
       <p:sp>
         <p:nvSpPr>
-          <p:cNvPr id="4" name="Title 3"/>
+          <p:cNvPr id="5" name="Title 4"/>
           <p:cNvSpPr>
             <a:spLocks noGrp="1"/>
           </p:cNvSpPr>
@@ -6837,136 +6114,62 @@
           </p:nvPr>
         </p:nvSpPr>
         <p:spPr/>
-        <p:txBody>
-          <a:bodyPr anchor="ctr">
-            <a:normAutofit/>
-          </a:bodyPr>
-          <a:lstStyle/>
-          <a:p>
-            <a:r>
-              <a:rPr lang="en-US" u="sng" dirty="0" smtClean="0">
-                <a:solidFill>
-                  <a:srgbClr val="0070C0"/>
-                </a:solidFill>
-              </a:rPr>
-              <a:t/>
-            </a:r>
-            <a:br>
-              <a:rPr lang="en-US" u="sng" dirty="0" smtClean="0">
-                <a:solidFill>
-                  <a:srgbClr val="0070C0"/>
-                </a:solidFill>
-              </a:rPr>
-            </a:br>
-            <a:r>
-              <a:rPr lang="en-US" u="sng" dirty="0" smtClean="0">
-                <a:solidFill>
-                  <a:srgbClr val="0070C0"/>
-                </a:solidFill>
-              </a:rPr>
-              <a:t>Advantages of DDD:</a:t>
-            </a:r>
-            <a:endParaRPr lang="en-US" sz="3600" dirty="0">
-              <a:solidFill>
-                <a:schemeClr val="tx1"/>
-              </a:solidFill>
-            </a:endParaRPr>
-          </a:p>
-        </p:txBody>
-      </p:sp>
-      <p:sp>
-        <p:nvSpPr>
-          <p:cNvPr id="3" name="Content Placeholder 2"/>
-          <p:cNvSpPr>
-            <a:spLocks noGrp="1"/>
-          </p:cNvSpPr>
-          <p:nvPr>
-            <p:ph idx="1"/>
-          </p:nvPr>
-        </p:nvSpPr>
-        <p:spPr>
-          <a:xfrm>
-            <a:off x="1371600" y="2743200"/>
-            <a:ext cx="9601200" cy="3769896"/>
-          </a:xfrm>
-        </p:spPr>
         <p:txBody>
           <a:bodyPr>
             <a:normAutofit/>
           </a:bodyPr>
           <a:lstStyle/>
           <a:p>
-            <a:r>
-              <a:rPr lang="en-US" sz="3200" dirty="0">
-                <a:solidFill>
-                  <a:prstClr val="black"/>
-                </a:solidFill>
-                <a:ea typeface="+mj-ea"/>
-                <a:cs typeface="+mj-cs"/>
-              </a:rPr>
-              <a:t>Eases Communication</a:t>
-            </a:r>
-            <a:endParaRPr lang="en-US" sz="3200" dirty="0" smtClean="0">
+            <a:endParaRPr lang="en-US" sz="2400" b="0" dirty="0">
               <a:solidFill>
-                <a:prstClr val="black"/>
+                <a:srgbClr val="D4D4D4"/>
               </a:solidFill>
-              <a:ea typeface="+mj-ea"/>
-              <a:cs typeface="+mj-cs"/>
+              <a:effectLst/>
+              <a:latin typeface="Consolas" panose="020B0609020204030204" pitchFamily="49" charset="0"/>
             </a:endParaRPr>
           </a:p>
-          <a:p>
-            <a:r>
-              <a:rPr lang="en-US" sz="3200" dirty="0">
-                <a:solidFill>
-                  <a:prstClr val="black"/>
-                </a:solidFill>
-                <a:ea typeface="+mj-ea"/>
-                <a:cs typeface="+mj-cs"/>
-              </a:rPr>
-              <a:t>Improves </a:t>
-            </a:r>
-            <a:r>
-              <a:rPr lang="en-US" sz="3200" dirty="0" smtClean="0">
-                <a:solidFill>
-                  <a:prstClr val="black"/>
-                </a:solidFill>
-                <a:ea typeface="+mj-ea"/>
-                <a:cs typeface="+mj-cs"/>
-              </a:rPr>
-              <a:t>Flexibility</a:t>
-            </a:r>
-          </a:p>
-          <a:p>
-            <a:r>
-              <a:rPr lang="en-US" sz="3200" dirty="0">
-                <a:solidFill>
-                  <a:prstClr val="black"/>
-                </a:solidFill>
-                <a:ea typeface="+mj-ea"/>
-                <a:cs typeface="+mj-cs"/>
-              </a:rPr>
-              <a:t>Emphasizes Domain Over Interface</a:t>
-            </a:r>
+        </p:txBody>
+      </p:sp>
+      <p:sp>
+        <p:nvSpPr>
+          <p:cNvPr id="6" name="Text Placeholder 5"/>
+          <p:cNvSpPr>
+            <a:spLocks noGrp="1"/>
+          </p:cNvSpPr>
+          <p:nvPr>
+            <p:ph type="body" sz="quarter" idx="13"/>
+          </p:nvPr>
+        </p:nvSpPr>
+        <p:spPr>
+          <a:xfrm>
+            <a:off x="734291" y="5234187"/>
+            <a:ext cx="4677967" cy="574962"/>
+          </a:xfrm>
+        </p:spPr>
+        <p:txBody>
+          <a:bodyPr>
+            <a:noAutofit/>
+          </a:bodyPr>
+          <a:lstStyle/>
+          <a:p>
+            <a:r>
+              <a:rPr lang="en-US" dirty="0" smtClean="0"/>
+              <a:t>Create a car</a:t>
+            </a:r>
+            <a:endParaRPr lang="en-US" dirty="0"/>
           </a:p>
         </p:txBody>
       </p:sp>
     </p:spTree>
     <p:extLst>
       <p:ext uri="{BB962C8B-B14F-4D97-AF65-F5344CB8AC3E}">
-        <p14:creationId xmlns:p14="http://schemas.microsoft.com/office/powerpoint/2010/main" val="3076682577"/>
+        <p14:creationId xmlns:p14="http://schemas.microsoft.com/office/powerpoint/2010/main" val="1597668521"/>
       </p:ext>
     </p:extLst>
   </p:cSld>
   <p:clrMapOvr>
     <a:masterClrMapping/>
   </p:clrMapOvr>
-  <p:timing>
-    <p:tnLst>
-      <p:par>
-        <p:cTn id="1" dur="indefinite" restart="never" nodeType="tmRoot"/>
-      </p:par>
-    </p:tnLst>
-  </p:timing>
 </p:sld>
 </file>
 
@@ -7016,15 +6219,7 @@
                   <a:schemeClr val="bg1"/>
                 </a:solidFill>
               </a:rPr>
-              <a:t>Eases </a:t>
-            </a:r>
-            <a:r>
-              <a:rPr lang="en-US" b="1" u="sng" dirty="0" smtClean="0">
-                <a:solidFill>
-                  <a:schemeClr val="bg1"/>
-                </a:solidFill>
-              </a:rPr>
-              <a:t>Communication</a:t>
+              <a:t>Repositories</a:t>
             </a:r>
             <a:endParaRPr lang="bg-BG" b="1" u="sng" dirty="0">
               <a:solidFill>
@@ -7046,8 +6241,8 @@
         </p:nvSpPr>
         <p:spPr>
           <a:xfrm>
-            <a:off x="1371600" y="2285999"/>
-            <a:ext cx="8674768" cy="4491789"/>
+            <a:off x="1371600" y="1684421"/>
+            <a:ext cx="8674768" cy="5173580"/>
           </a:xfrm>
         </p:spPr>
         <p:txBody>
@@ -7062,7 +6257,7 @@
                   <a:schemeClr val="bg1"/>
                 </a:solidFill>
               </a:rPr>
-              <a:t>With an early emphasis on establishing a common and ubiquitous language related to the domain model of the project, teams will often find communication throughout the entire development life cycle to be much easier. Typically, DDD will require less technical jargon when discussing aspects of the application, since the ubiquitous language established early on will likely define simpler terms to refer to those more technical aspects.</a:t>
+              <a:t>Not be confused with common version control repositories, the DDD meaning of a repository is a service that uses a global interface to provide access to all entities and value objects that are within a particular aggregate collection. Methods should be defined to allow for creation, modification, and deletion of objects within the aggregate. However, by using this repository service to make data queries, the goal is to remove such data query capabilities from within the business logic of object models.</a:t>
             </a:r>
           </a:p>
         </p:txBody>
@@ -7070,7 +6265,7 @@
     </p:spTree>
     <p:extLst>
       <p:ext uri="{BB962C8B-B14F-4D97-AF65-F5344CB8AC3E}">
-        <p14:creationId xmlns:p14="http://schemas.microsoft.com/office/powerpoint/2010/main" val="3328177031"/>
+        <p14:creationId xmlns:p14="http://schemas.microsoft.com/office/powerpoint/2010/main" val="2265497143"/>
       </p:ext>
     </p:extLst>
   </p:cSld>
@@ -7128,55 +6323,14 @@
           <a:lstStyle/>
           <a:p>
             <a:r>
-              <a:rPr lang="en-US" b="1" u="sng" dirty="0">
+              <a:rPr lang="en-US" b="1" u="sng" dirty="0" smtClean="0">
                 <a:solidFill>
                   <a:schemeClr val="bg1"/>
                 </a:solidFill>
               </a:rPr>
-              <a:t>Improves Flexibility</a:t>
-            </a:r>
-          </a:p>
-        </p:txBody>
-      </p:sp>
-      <p:sp>
-        <p:nvSpPr>
-          <p:cNvPr id="3" name="Content Placeholder 2"/>
-          <p:cNvSpPr>
-            <a:spLocks noGrp="1"/>
-          </p:cNvSpPr>
-          <p:nvPr>
-            <p:ph idx="1"/>
-          </p:nvPr>
-        </p:nvSpPr>
-        <p:spPr>
-          <a:xfrm>
-            <a:off x="1371600" y="2285999"/>
-            <a:ext cx="8674768" cy="4491789"/>
-          </a:xfrm>
-        </p:spPr>
-        <p:txBody>
-          <a:bodyPr>
-            <a:normAutofit/>
-          </a:bodyPr>
-          <a:lstStyle/>
-          <a:p>
-            <a:r>
-              <a:rPr lang="en-US" sz="3200" dirty="0">
-                <a:solidFill>
-                  <a:schemeClr val="bg1"/>
-                </a:solidFill>
-              </a:rPr>
-              <a:t>Since DDD is so heavily based around the concepts of object-oriented analysis and design, nearly everything within the domain model will be based on an object and will, therefore, be quite modular and encapsulated. This allows for various components, or even the entire system as a whole, to be altered and improved on a regular, continuous </a:t>
-            </a:r>
-            <a:r>
-              <a:rPr lang="en-US" sz="3200" dirty="0" smtClean="0">
-                <a:solidFill>
-                  <a:schemeClr val="bg1"/>
-                </a:solidFill>
-              </a:rPr>
-              <a:t>basis.</a:t>
-            </a:r>
-            <a:endParaRPr lang="en-US" sz="3200" dirty="0">
+              <a:t>Factories</a:t>
+            </a:r>
+            <a:endParaRPr lang="bg-BG" b="1" u="sng" dirty="0">
               <a:solidFill>
                 <a:schemeClr val="bg1"/>
               </a:solidFill>
@@ -7184,10 +6338,51 @@
           </a:p>
         </p:txBody>
       </p:sp>
+      <p:sp>
+        <p:nvSpPr>
+          <p:cNvPr id="3" name="Content Placeholder 2"/>
+          <p:cNvSpPr>
+            <a:spLocks noGrp="1"/>
+          </p:cNvSpPr>
+          <p:nvPr>
+            <p:ph idx="1"/>
+          </p:nvPr>
+        </p:nvSpPr>
+        <p:spPr>
+          <a:xfrm>
+            <a:off x="1371600" y="2286000"/>
+            <a:ext cx="8674768" cy="3581400"/>
+          </a:xfrm>
+        </p:spPr>
+        <p:txBody>
+          <a:bodyPr>
+            <a:normAutofit/>
+          </a:bodyPr>
+          <a:lstStyle/>
+          <a:p>
+            <a:r>
+              <a:rPr lang="en-US" sz="3200" dirty="0" smtClean="0">
+                <a:solidFill>
+                  <a:schemeClr val="bg1"/>
+                </a:solidFill>
+              </a:rPr>
+              <a:t>DDD </a:t>
+            </a:r>
+            <a:r>
+              <a:rPr lang="en-US" sz="3200" dirty="0">
+                <a:solidFill>
+                  <a:schemeClr val="bg1"/>
+                </a:solidFill>
+              </a:rPr>
+              <a:t>suggests the use of a factory, which encapsulates the logic of creating complex objects and aggregates, ensuring that the client has no knowledge of the inner-workings of object manipulation.</a:t>
+            </a:r>
+          </a:p>
+        </p:txBody>
+      </p:sp>
     </p:spTree>
     <p:extLst>
       <p:ext uri="{BB962C8B-B14F-4D97-AF65-F5344CB8AC3E}">
-        <p14:creationId xmlns:p14="http://schemas.microsoft.com/office/powerpoint/2010/main" val="3975672870"/>
+        <p14:creationId xmlns:p14="http://schemas.microsoft.com/office/powerpoint/2010/main" val="3571187264"/>
       </p:ext>
     </p:extLst>
   </p:cSld>
@@ -7207,14 +6402,6 @@
 <file path=ppt/slides/slide25.xml><?xml version="1.0" encoding="utf-8"?>
 <p:sld xmlns:a="http://schemas.openxmlformats.org/drawingml/2006/main" xmlns:r="http://schemas.openxmlformats.org/officeDocument/2006/relationships" xmlns:p="http://schemas.openxmlformats.org/presentationml/2006/main">
   <p:cSld>
-    <p:bg>
-      <p:bgPr>
-        <a:solidFill>
-          <a:srgbClr val="0070C0"/>
-        </a:solidFill>
-        <a:effectLst/>
-      </p:bgPr>
-    </p:bg>
     <p:spTree>
       <p:nvGrpSpPr>
         <p:cNvPr id="1" name=""/>
@@ -7244,67 +6431,749 @@
           <a:bodyPr/>
           <a:lstStyle/>
           <a:p>
-            <a:r>
-              <a:rPr lang="en-US" b="1" u="sng" dirty="0">
-                <a:solidFill>
-                  <a:schemeClr val="bg1"/>
-                </a:solidFill>
-              </a:rPr>
-              <a:t>Emphasizes Domain Over Interface</a:t>
-            </a:r>
-          </a:p>
-        </p:txBody>
-      </p:sp>
-      <p:sp>
-        <p:nvSpPr>
-          <p:cNvPr id="3" name="Content Placeholder 2"/>
-          <p:cNvSpPr>
-            <a:spLocks noGrp="1"/>
-          </p:cNvSpPr>
-          <p:nvPr>
-            <p:ph idx="1"/>
-          </p:nvPr>
-        </p:nvSpPr>
-        <p:spPr>
-          <a:xfrm>
-            <a:off x="1371600" y="1860885"/>
-            <a:ext cx="8674768" cy="4916904"/>
-          </a:xfrm>
-        </p:spPr>
-        <p:txBody>
-          <a:bodyPr>
-            <a:normAutofit lnSpcReduction="10000"/>
+            <a:pPr algn="ctr"/>
+            <a:r>
+              <a:rPr lang="en-US" dirty="0" smtClean="0">
+                <a:solidFill>
+                  <a:schemeClr val="tx1">
+                    <a:lumMod val="65000"/>
+                    <a:lumOff val="35000"/>
+                  </a:schemeClr>
+                </a:solidFill>
+              </a:rPr>
+              <a:t>Domain</a:t>
+            </a:r>
+            <a:endParaRPr lang="bg-BG" dirty="0">
+              <a:solidFill>
+                <a:schemeClr val="tx1">
+                  <a:lumMod val="65000"/>
+                  <a:lumOff val="35000"/>
+                </a:schemeClr>
+              </a:solidFill>
+            </a:endParaRPr>
+          </a:p>
+        </p:txBody>
+      </p:sp>
+      <p:sp>
+        <p:nvSpPr>
+          <p:cNvPr id="3" name="Rectangle 2"/>
+          <p:cNvSpPr/>
+          <p:nvPr/>
+        </p:nvSpPr>
+        <p:spPr>
+          <a:xfrm>
+            <a:off x="2425484" y="2100019"/>
+            <a:ext cx="9128501" cy="4494509"/>
+          </a:xfrm>
+          <a:prstGeom prst="rect">
+            <a:avLst/>
+          </a:prstGeom>
+          <a:noFill/>
+          <a:ln>
+            <a:solidFill>
+              <a:schemeClr val="tx1"/>
+            </a:solidFill>
+          </a:ln>
+        </p:spPr>
+        <p:style>
+          <a:lnRef idx="2">
+            <a:schemeClr val="accent1">
+              <a:shade val="50000"/>
+            </a:schemeClr>
+          </a:lnRef>
+          <a:fillRef idx="1">
+            <a:schemeClr val="accent1"/>
+          </a:fillRef>
+          <a:effectRef idx="0">
+            <a:schemeClr val="accent1"/>
+          </a:effectRef>
+          <a:fontRef idx="minor">
+            <a:schemeClr val="lt1"/>
+          </a:fontRef>
+        </p:style>
+        <p:txBody>
+          <a:bodyPr rtlCol="0" anchor="ctr"/>
+          <a:lstStyle/>
+          <a:p>
+            <a:pPr algn="ctr"/>
+            <a:endParaRPr lang="en-US"/>
+          </a:p>
+        </p:txBody>
+      </p:sp>
+      <p:sp>
+        <p:nvSpPr>
+          <p:cNvPr id="7" name="TextBox 6"/>
+          <p:cNvSpPr txBox="1"/>
+          <p:nvPr/>
+        </p:nvSpPr>
+        <p:spPr>
+          <a:xfrm>
+            <a:off x="2425484" y="1730687"/>
+            <a:ext cx="945396" cy="369332"/>
+          </a:xfrm>
+          <a:prstGeom prst="rect">
+            <a:avLst/>
+          </a:prstGeom>
+          <a:noFill/>
+        </p:spPr>
+        <p:txBody>
+          <a:bodyPr wrap="square" rtlCol="0">
+            <a:spAutoFit/>
           </a:bodyPr>
           <a:lstStyle/>
           <a:p>
             <a:r>
-              <a:rPr lang="en-US" sz="3200" dirty="0">
-                <a:solidFill>
-                  <a:schemeClr val="bg1"/>
-                </a:solidFill>
-              </a:rPr>
-              <a:t>Since DDD is the practice of building around the concepts of domain and what the domain experts within the project advise, DDD will often produce applications that are accurately suited for and representative of the domain at hand, as opposed to those applications which emphasize the UI/UX first and foremost. While an obvious balance is required, the focus on domain means that a DDD approach can produce a product that resonates well with the audience associated with that domain.</a:t>
-            </a:r>
-          </a:p>
-        </p:txBody>
-      </p:sp>
+              <a:rPr lang="en-US" dirty="0" smtClean="0"/>
+              <a:t>Domain</a:t>
+            </a:r>
+            <a:endParaRPr lang="en-US" dirty="0"/>
+          </a:p>
+        </p:txBody>
+      </p:sp>
+      <p:sp>
+        <p:nvSpPr>
+          <p:cNvPr id="8" name="Rectangle 7"/>
+          <p:cNvSpPr/>
+          <p:nvPr/>
+        </p:nvSpPr>
+        <p:spPr>
+          <a:xfrm>
+            <a:off x="2564970" y="2541032"/>
+            <a:ext cx="8552479" cy="3957923"/>
+          </a:xfrm>
+          <a:prstGeom prst="rect">
+            <a:avLst/>
+          </a:prstGeom>
+          <a:noFill/>
+          <a:ln>
+            <a:solidFill>
+              <a:schemeClr val="tx1"/>
+            </a:solidFill>
+          </a:ln>
+        </p:spPr>
+        <p:style>
+          <a:lnRef idx="2">
+            <a:schemeClr val="accent1">
+              <a:shade val="50000"/>
+            </a:schemeClr>
+          </a:lnRef>
+          <a:fillRef idx="1">
+            <a:schemeClr val="accent1"/>
+          </a:fillRef>
+          <a:effectRef idx="0">
+            <a:schemeClr val="accent1"/>
+          </a:effectRef>
+          <a:fontRef idx="minor">
+            <a:schemeClr val="lt1"/>
+          </a:fontRef>
+        </p:style>
+        <p:txBody>
+          <a:bodyPr rtlCol="0" anchor="ctr"/>
+          <a:lstStyle/>
+          <a:p>
+            <a:pPr algn="ctr"/>
+            <a:endParaRPr lang="en-US"/>
+          </a:p>
+        </p:txBody>
+      </p:sp>
+      <p:sp>
+        <p:nvSpPr>
+          <p:cNvPr id="9" name="TextBox 8"/>
+          <p:cNvSpPr txBox="1"/>
+          <p:nvPr/>
+        </p:nvSpPr>
+        <p:spPr>
+          <a:xfrm>
+            <a:off x="2564970" y="2171700"/>
+            <a:ext cx="2146515" cy="369332"/>
+          </a:xfrm>
+          <a:prstGeom prst="rect">
+            <a:avLst/>
+          </a:prstGeom>
+          <a:noFill/>
+        </p:spPr>
+        <p:txBody>
+          <a:bodyPr wrap="square" rtlCol="0">
+            <a:spAutoFit/>
+          </a:bodyPr>
+          <a:lstStyle/>
+          <a:p>
+            <a:r>
+              <a:rPr lang="en-US" dirty="0" smtClean="0"/>
+              <a:t>Bounded Context</a:t>
+            </a:r>
+            <a:endParaRPr lang="en-US" dirty="0"/>
+          </a:p>
+        </p:txBody>
+      </p:sp>
+      <p:sp>
+        <p:nvSpPr>
+          <p:cNvPr id="11" name="TextBox 10"/>
+          <p:cNvSpPr txBox="1"/>
+          <p:nvPr/>
+        </p:nvSpPr>
+        <p:spPr>
+          <a:xfrm>
+            <a:off x="2681207" y="2656714"/>
+            <a:ext cx="2146515" cy="369332"/>
+          </a:xfrm>
+          <a:prstGeom prst="rect">
+            <a:avLst/>
+          </a:prstGeom>
+          <a:noFill/>
+        </p:spPr>
+        <p:txBody>
+          <a:bodyPr wrap="square" rtlCol="0">
+            <a:spAutoFit/>
+          </a:bodyPr>
+          <a:lstStyle/>
+          <a:p>
+            <a:r>
+              <a:rPr lang="en-US" dirty="0" smtClean="0"/>
+              <a:t>Aggregate</a:t>
+            </a:r>
+            <a:endParaRPr lang="en-US" dirty="0"/>
+          </a:p>
+        </p:txBody>
+      </p:sp>
+      <p:sp>
+        <p:nvSpPr>
+          <p:cNvPr id="12" name="Rectangle 11"/>
+          <p:cNvSpPr/>
+          <p:nvPr/>
+        </p:nvSpPr>
+        <p:spPr>
+          <a:xfrm>
+            <a:off x="2939511" y="3467059"/>
+            <a:ext cx="4050223" cy="577999"/>
+          </a:xfrm>
+          <a:prstGeom prst="rect">
+            <a:avLst/>
+          </a:prstGeom>
+          <a:noFill/>
+          <a:ln>
+            <a:solidFill>
+              <a:schemeClr val="tx1"/>
+            </a:solidFill>
+          </a:ln>
+        </p:spPr>
+        <p:style>
+          <a:lnRef idx="2">
+            <a:schemeClr val="accent1">
+              <a:shade val="50000"/>
+            </a:schemeClr>
+          </a:lnRef>
+          <a:fillRef idx="1">
+            <a:schemeClr val="accent1"/>
+          </a:fillRef>
+          <a:effectRef idx="0">
+            <a:schemeClr val="accent1"/>
+          </a:effectRef>
+          <a:fontRef idx="minor">
+            <a:schemeClr val="lt1"/>
+          </a:fontRef>
+        </p:style>
+        <p:txBody>
+          <a:bodyPr rtlCol="0" anchor="ctr"/>
+          <a:lstStyle/>
+          <a:p>
+            <a:pPr algn="ctr"/>
+            <a:endParaRPr lang="en-US"/>
+          </a:p>
+        </p:txBody>
+      </p:sp>
+      <p:sp>
+        <p:nvSpPr>
+          <p:cNvPr id="13" name="TextBox 12"/>
+          <p:cNvSpPr txBox="1"/>
+          <p:nvPr/>
+        </p:nvSpPr>
+        <p:spPr>
+          <a:xfrm>
+            <a:off x="3042835" y="3571087"/>
+            <a:ext cx="2146515" cy="369332"/>
+          </a:xfrm>
+          <a:prstGeom prst="rect">
+            <a:avLst/>
+          </a:prstGeom>
+          <a:noFill/>
+        </p:spPr>
+        <p:txBody>
+          <a:bodyPr wrap="square" rtlCol="0">
+            <a:spAutoFit/>
+          </a:bodyPr>
+          <a:lstStyle/>
+          <a:p>
+            <a:r>
+              <a:rPr lang="en-US" dirty="0" smtClean="0"/>
+              <a:t>Aggregate Root</a:t>
+            </a:r>
+            <a:endParaRPr lang="en-US" dirty="0"/>
+          </a:p>
+        </p:txBody>
+      </p:sp>
+      <p:sp>
+        <p:nvSpPr>
+          <p:cNvPr id="14" name="Rectangle 13"/>
+          <p:cNvSpPr/>
+          <p:nvPr/>
+        </p:nvSpPr>
+        <p:spPr>
+          <a:xfrm>
+            <a:off x="4355665" y="4519991"/>
+            <a:ext cx="1217913" cy="529627"/>
+          </a:xfrm>
+          <a:prstGeom prst="rect">
+            <a:avLst/>
+          </a:prstGeom>
+          <a:noFill/>
+          <a:ln>
+            <a:solidFill>
+              <a:schemeClr val="tx1"/>
+            </a:solidFill>
+          </a:ln>
+        </p:spPr>
+        <p:style>
+          <a:lnRef idx="2">
+            <a:schemeClr val="accent1">
+              <a:shade val="50000"/>
+            </a:schemeClr>
+          </a:lnRef>
+          <a:fillRef idx="1">
+            <a:schemeClr val="accent1"/>
+          </a:fillRef>
+          <a:effectRef idx="0">
+            <a:schemeClr val="accent1"/>
+          </a:effectRef>
+          <a:fontRef idx="minor">
+            <a:schemeClr val="lt1"/>
+          </a:fontRef>
+        </p:style>
+        <p:txBody>
+          <a:bodyPr rtlCol="0" anchor="ctr"/>
+          <a:lstStyle/>
+          <a:p>
+            <a:pPr algn="ctr"/>
+            <a:endParaRPr lang="en-US"/>
+          </a:p>
+        </p:txBody>
+      </p:sp>
+      <p:sp>
+        <p:nvSpPr>
+          <p:cNvPr id="15" name="Rectangle 14"/>
+          <p:cNvSpPr/>
+          <p:nvPr/>
+        </p:nvSpPr>
+        <p:spPr>
+          <a:xfrm>
+            <a:off x="2939509" y="4519990"/>
+            <a:ext cx="1217913" cy="529627"/>
+          </a:xfrm>
+          <a:prstGeom prst="rect">
+            <a:avLst/>
+          </a:prstGeom>
+          <a:noFill/>
+          <a:ln>
+            <a:solidFill>
+              <a:schemeClr val="tx1"/>
+            </a:solidFill>
+          </a:ln>
+        </p:spPr>
+        <p:style>
+          <a:lnRef idx="2">
+            <a:schemeClr val="accent1">
+              <a:shade val="50000"/>
+            </a:schemeClr>
+          </a:lnRef>
+          <a:fillRef idx="1">
+            <a:schemeClr val="accent1"/>
+          </a:fillRef>
+          <a:effectRef idx="0">
+            <a:schemeClr val="accent1"/>
+          </a:effectRef>
+          <a:fontRef idx="minor">
+            <a:schemeClr val="lt1"/>
+          </a:fontRef>
+        </p:style>
+        <p:txBody>
+          <a:bodyPr rtlCol="0" anchor="ctr"/>
+          <a:lstStyle/>
+          <a:p>
+            <a:pPr algn="ctr"/>
+            <a:endParaRPr lang="en-US"/>
+          </a:p>
+        </p:txBody>
+      </p:sp>
+      <p:sp>
+        <p:nvSpPr>
+          <p:cNvPr id="16" name="Rectangle 15"/>
+          <p:cNvSpPr/>
+          <p:nvPr/>
+        </p:nvSpPr>
+        <p:spPr>
+          <a:xfrm>
+            <a:off x="5771821" y="4519993"/>
+            <a:ext cx="1217913" cy="529627"/>
+          </a:xfrm>
+          <a:prstGeom prst="rect">
+            <a:avLst/>
+          </a:prstGeom>
+          <a:noFill/>
+          <a:ln>
+            <a:solidFill>
+              <a:schemeClr val="tx1"/>
+            </a:solidFill>
+          </a:ln>
+        </p:spPr>
+        <p:style>
+          <a:lnRef idx="2">
+            <a:schemeClr val="accent1">
+              <a:shade val="50000"/>
+            </a:schemeClr>
+          </a:lnRef>
+          <a:fillRef idx="1">
+            <a:schemeClr val="accent1"/>
+          </a:fillRef>
+          <a:effectRef idx="0">
+            <a:schemeClr val="accent1"/>
+          </a:effectRef>
+          <a:fontRef idx="minor">
+            <a:schemeClr val="lt1"/>
+          </a:fontRef>
+        </p:style>
+        <p:txBody>
+          <a:bodyPr rtlCol="0" anchor="ctr"/>
+          <a:lstStyle/>
+          <a:p>
+            <a:pPr algn="ctr"/>
+            <a:endParaRPr lang="en-US"/>
+          </a:p>
+        </p:txBody>
+      </p:sp>
+      <p:sp>
+        <p:nvSpPr>
+          <p:cNvPr id="17" name="TextBox 16"/>
+          <p:cNvSpPr txBox="1"/>
+          <p:nvPr/>
+        </p:nvSpPr>
+        <p:spPr>
+          <a:xfrm>
+            <a:off x="3099660" y="4601753"/>
+            <a:ext cx="937647" cy="369332"/>
+          </a:xfrm>
+          <a:prstGeom prst="rect">
+            <a:avLst/>
+          </a:prstGeom>
+          <a:noFill/>
+        </p:spPr>
+        <p:txBody>
+          <a:bodyPr wrap="square" rtlCol="0">
+            <a:spAutoFit/>
+          </a:bodyPr>
+          <a:lstStyle/>
+          <a:p>
+            <a:r>
+              <a:rPr lang="en-US" dirty="0" smtClean="0"/>
+              <a:t>Entity</a:t>
+            </a:r>
+            <a:endParaRPr lang="en-US" dirty="0"/>
+          </a:p>
+        </p:txBody>
+      </p:sp>
+      <p:sp>
+        <p:nvSpPr>
+          <p:cNvPr id="18" name="TextBox 17"/>
+          <p:cNvSpPr txBox="1"/>
+          <p:nvPr/>
+        </p:nvSpPr>
+        <p:spPr>
+          <a:xfrm>
+            <a:off x="4495798" y="4601753"/>
+            <a:ext cx="937647" cy="369332"/>
+          </a:xfrm>
+          <a:prstGeom prst="rect">
+            <a:avLst/>
+          </a:prstGeom>
+          <a:noFill/>
+        </p:spPr>
+        <p:txBody>
+          <a:bodyPr wrap="square" rtlCol="0">
+            <a:spAutoFit/>
+          </a:bodyPr>
+          <a:lstStyle/>
+          <a:p>
+            <a:r>
+              <a:rPr lang="en-US" dirty="0" smtClean="0"/>
+              <a:t>Entity</a:t>
+            </a:r>
+            <a:endParaRPr lang="en-US" dirty="0"/>
+          </a:p>
+        </p:txBody>
+      </p:sp>
+      <p:sp>
+        <p:nvSpPr>
+          <p:cNvPr id="19" name="TextBox 18"/>
+          <p:cNvSpPr txBox="1"/>
+          <p:nvPr/>
+        </p:nvSpPr>
+        <p:spPr>
+          <a:xfrm>
+            <a:off x="5911953" y="4600137"/>
+            <a:ext cx="937647" cy="369332"/>
+          </a:xfrm>
+          <a:prstGeom prst="rect">
+            <a:avLst/>
+          </a:prstGeom>
+          <a:noFill/>
+        </p:spPr>
+        <p:txBody>
+          <a:bodyPr wrap="square" rtlCol="0">
+            <a:spAutoFit/>
+          </a:bodyPr>
+          <a:lstStyle/>
+          <a:p>
+            <a:r>
+              <a:rPr lang="en-US" dirty="0" smtClean="0"/>
+              <a:t>Value</a:t>
+            </a:r>
+            <a:endParaRPr lang="en-US" dirty="0"/>
+          </a:p>
+        </p:txBody>
+      </p:sp>
+      <p:sp>
+        <p:nvSpPr>
+          <p:cNvPr id="21" name="Rectangle 20"/>
+          <p:cNvSpPr/>
+          <p:nvPr/>
+        </p:nvSpPr>
+        <p:spPr>
+          <a:xfrm>
+            <a:off x="2959528" y="5534548"/>
+            <a:ext cx="1217913" cy="529627"/>
+          </a:xfrm>
+          <a:prstGeom prst="rect">
+            <a:avLst/>
+          </a:prstGeom>
+          <a:noFill/>
+          <a:ln>
+            <a:solidFill>
+              <a:schemeClr val="tx1"/>
+            </a:solidFill>
+          </a:ln>
+        </p:spPr>
+        <p:style>
+          <a:lnRef idx="2">
+            <a:schemeClr val="accent1">
+              <a:shade val="50000"/>
+            </a:schemeClr>
+          </a:lnRef>
+          <a:fillRef idx="1">
+            <a:schemeClr val="accent1"/>
+          </a:fillRef>
+          <a:effectRef idx="0">
+            <a:schemeClr val="accent1"/>
+          </a:effectRef>
+          <a:fontRef idx="minor">
+            <a:schemeClr val="lt1"/>
+          </a:fontRef>
+        </p:style>
+        <p:txBody>
+          <a:bodyPr rtlCol="0" anchor="ctr"/>
+          <a:lstStyle/>
+          <a:p>
+            <a:pPr algn="ctr"/>
+            <a:endParaRPr lang="en-US"/>
+          </a:p>
+        </p:txBody>
+      </p:sp>
+      <p:sp>
+        <p:nvSpPr>
+          <p:cNvPr id="22" name="TextBox 21"/>
+          <p:cNvSpPr txBox="1"/>
+          <p:nvPr/>
+        </p:nvSpPr>
+        <p:spPr>
+          <a:xfrm>
+            <a:off x="3099660" y="5614692"/>
+            <a:ext cx="937647" cy="369332"/>
+          </a:xfrm>
+          <a:prstGeom prst="rect">
+            <a:avLst/>
+          </a:prstGeom>
+          <a:noFill/>
+        </p:spPr>
+        <p:txBody>
+          <a:bodyPr wrap="square" rtlCol="0">
+            <a:spAutoFit/>
+          </a:bodyPr>
+          <a:lstStyle/>
+          <a:p>
+            <a:r>
+              <a:rPr lang="en-US" dirty="0" smtClean="0"/>
+              <a:t>Value</a:t>
+            </a:r>
+            <a:endParaRPr lang="en-US" dirty="0"/>
+          </a:p>
+        </p:txBody>
+      </p:sp>
+      <p:cxnSp>
+        <p:nvCxnSpPr>
+          <p:cNvPr id="28" name="Straight Arrow Connector 27"/>
+          <p:cNvCxnSpPr/>
+          <p:nvPr/>
+        </p:nvCxnSpPr>
+        <p:spPr>
+          <a:xfrm>
+            <a:off x="3548464" y="4126820"/>
+            <a:ext cx="1" cy="370904"/>
+          </a:xfrm>
+          <a:prstGeom prst="straightConnector1">
+            <a:avLst/>
+          </a:prstGeom>
+          <a:ln w="31750" cmpd="sng">
+            <a:solidFill>
+              <a:schemeClr val="tx1"/>
+            </a:solidFill>
+            <a:headEnd type="none" w="lg" len="lg"/>
+            <a:tailEnd type="triangle"/>
+          </a:ln>
+        </p:spPr>
+        <p:style>
+          <a:lnRef idx="1">
+            <a:schemeClr val="accent1"/>
+          </a:lnRef>
+          <a:fillRef idx="0">
+            <a:schemeClr val="accent1"/>
+          </a:fillRef>
+          <a:effectRef idx="0">
+            <a:schemeClr val="accent1"/>
+          </a:effectRef>
+          <a:fontRef idx="minor">
+            <a:schemeClr val="tx1"/>
+          </a:fontRef>
+        </p:style>
+      </p:cxnSp>
+      <p:cxnSp>
+        <p:nvCxnSpPr>
+          <p:cNvPr id="31" name="Straight Arrow Connector 30"/>
+          <p:cNvCxnSpPr/>
+          <p:nvPr/>
+        </p:nvCxnSpPr>
+        <p:spPr>
+          <a:xfrm>
+            <a:off x="4964620" y="4126820"/>
+            <a:ext cx="1" cy="370904"/>
+          </a:xfrm>
+          <a:prstGeom prst="straightConnector1">
+            <a:avLst/>
+          </a:prstGeom>
+          <a:ln w="31750" cmpd="sng">
+            <a:solidFill>
+              <a:schemeClr val="tx1"/>
+            </a:solidFill>
+            <a:headEnd type="none" w="lg" len="lg"/>
+            <a:tailEnd type="triangle"/>
+          </a:ln>
+        </p:spPr>
+        <p:style>
+          <a:lnRef idx="1">
+            <a:schemeClr val="accent1"/>
+          </a:lnRef>
+          <a:fillRef idx="0">
+            <a:schemeClr val="accent1"/>
+          </a:fillRef>
+          <a:effectRef idx="0">
+            <a:schemeClr val="accent1"/>
+          </a:effectRef>
+          <a:fontRef idx="minor">
+            <a:schemeClr val="tx1"/>
+          </a:fontRef>
+        </p:style>
+      </p:cxnSp>
+      <p:cxnSp>
+        <p:nvCxnSpPr>
+          <p:cNvPr id="32" name="Straight Arrow Connector 31"/>
+          <p:cNvCxnSpPr/>
+          <p:nvPr/>
+        </p:nvCxnSpPr>
+        <p:spPr>
+          <a:xfrm>
+            <a:off x="3568482" y="5106630"/>
+            <a:ext cx="1" cy="370904"/>
+          </a:xfrm>
+          <a:prstGeom prst="straightConnector1">
+            <a:avLst/>
+          </a:prstGeom>
+          <a:ln w="31750" cmpd="sng">
+            <a:solidFill>
+              <a:schemeClr val="tx1"/>
+            </a:solidFill>
+            <a:headEnd type="none" w="lg" len="lg"/>
+            <a:tailEnd type="triangle"/>
+          </a:ln>
+        </p:spPr>
+        <p:style>
+          <a:lnRef idx="1">
+            <a:schemeClr val="accent1"/>
+          </a:lnRef>
+          <a:fillRef idx="0">
+            <a:schemeClr val="accent1"/>
+          </a:fillRef>
+          <a:effectRef idx="0">
+            <a:schemeClr val="accent1"/>
+          </a:effectRef>
+          <a:fontRef idx="minor">
+            <a:schemeClr val="tx1"/>
+          </a:fontRef>
+        </p:style>
+      </p:cxnSp>
+      <p:cxnSp>
+        <p:nvCxnSpPr>
+          <p:cNvPr id="33" name="Straight Arrow Connector 32"/>
+          <p:cNvCxnSpPr/>
+          <p:nvPr/>
+        </p:nvCxnSpPr>
+        <p:spPr>
+          <a:xfrm>
+            <a:off x="6380775" y="4123818"/>
+            <a:ext cx="1" cy="370904"/>
+          </a:xfrm>
+          <a:prstGeom prst="straightConnector1">
+            <a:avLst/>
+          </a:prstGeom>
+          <a:ln w="31750" cmpd="sng">
+            <a:solidFill>
+              <a:schemeClr val="tx1"/>
+            </a:solidFill>
+            <a:headEnd type="none" w="lg" len="lg"/>
+            <a:tailEnd type="triangle"/>
+          </a:ln>
+        </p:spPr>
+        <p:style>
+          <a:lnRef idx="1">
+            <a:schemeClr val="accent1"/>
+          </a:lnRef>
+          <a:fillRef idx="0">
+            <a:schemeClr val="accent1"/>
+          </a:fillRef>
+          <a:effectRef idx="0">
+            <a:schemeClr val="accent1"/>
+          </a:effectRef>
+          <a:fontRef idx="minor">
+            <a:schemeClr val="tx1"/>
+          </a:fontRef>
+        </p:style>
+      </p:cxnSp>
     </p:spTree>
     <p:extLst>
       <p:ext uri="{BB962C8B-B14F-4D97-AF65-F5344CB8AC3E}">
-        <p14:creationId xmlns:p14="http://schemas.microsoft.com/office/powerpoint/2010/main" val="3601289814"/>
+        <p14:creationId xmlns:p14="http://schemas.microsoft.com/office/powerpoint/2010/main" val="2487834621"/>
       </p:ext>
     </p:extLst>
   </p:cSld>
   <p:clrMapOvr>
     <a:masterClrMapping/>
   </p:clrMapOvr>
-  <p:timing>
-    <p:tnLst>
-      <p:par>
-        <p:cTn id="1" dur="indefinite" restart="never" nodeType="tmRoot"/>
-      </p:par>
-    </p:tnLst>
-  </p:timing>
 </p:sld>
 </file>
 
@@ -7363,7 +7232,7 @@
                   <a:srgbClr val="0070C0"/>
                 </a:solidFill>
               </a:rPr>
-              <a:t>Disadvantages of DDD:</a:t>
+              <a:t>Advantages of DDD:</a:t>
             </a:r>
             <a:endParaRPr lang="en-US" sz="3600" dirty="0">
               <a:solidFill>
@@ -7403,7 +7272,7 @@
                 <a:ea typeface="+mj-ea"/>
                 <a:cs typeface="+mj-cs"/>
               </a:rPr>
-              <a:t>Requires Robust Domain Expertise</a:t>
+              <a:t>Eases Communication</a:t>
             </a:r>
             <a:endParaRPr lang="en-US" sz="3200" dirty="0" smtClean="0">
               <a:solidFill>
@@ -7422,26 +7291,29 @@
                 <a:ea typeface="+mj-ea"/>
                 <a:cs typeface="+mj-cs"/>
               </a:rPr>
-              <a:t>Encourages Iterative Practices</a:t>
-            </a:r>
-            <a:endParaRPr lang="en-US" sz="3200" dirty="0" smtClean="0">
-              <a:solidFill>
-                <a:prstClr val="black"/>
-              </a:solidFill>
-              <a:ea typeface="+mj-ea"/>
-              <a:cs typeface="+mj-cs"/>
-            </a:endParaRPr>
-          </a:p>
-          <a:p>
-            <a:r>
-              <a:rPr lang="en-US" sz="3200" dirty="0">
+              <a:t>Improves </a:t>
+            </a:r>
+            <a:r>
+              <a:rPr lang="en-US" sz="3200" dirty="0" smtClean="0">
                 <a:solidFill>
                   <a:prstClr val="black"/>
                 </a:solidFill>
                 <a:ea typeface="+mj-ea"/>
                 <a:cs typeface="+mj-cs"/>
               </a:rPr>
-              <a:t>Ill-Suited for Highly Technical Projects</a:t>
+              <a:t>Flexibility</a:t>
+            </a:r>
+          </a:p>
+          <a:p>
+            <a:r>
+              <a:rPr lang="en-US" sz="3200" dirty="0">
+                <a:solidFill>
+                  <a:prstClr val="black"/>
+                </a:solidFill>
+                <a:ea typeface="+mj-ea"/>
+                <a:cs typeface="+mj-cs"/>
+              </a:rPr>
+              <a:t>Emphasizes Domain Over Interface</a:t>
             </a:r>
           </a:p>
         </p:txBody>
@@ -7449,7 +7321,7 @@
     </p:spTree>
     <p:extLst>
       <p:ext uri="{BB962C8B-B14F-4D97-AF65-F5344CB8AC3E}">
-        <p14:creationId xmlns:p14="http://schemas.microsoft.com/office/powerpoint/2010/main" val="755378285"/>
+        <p14:creationId xmlns:p14="http://schemas.microsoft.com/office/powerpoint/2010/main" val="3076682577"/>
       </p:ext>
     </p:extLst>
   </p:cSld>
@@ -7512,50 +7384,17 @@
                   <a:schemeClr val="bg1"/>
                 </a:solidFill>
               </a:rPr>
-              <a:t>Requires Robust Domain Expertise</a:t>
-            </a:r>
-          </a:p>
-        </p:txBody>
-      </p:sp>
-      <p:sp>
-        <p:nvSpPr>
-          <p:cNvPr id="3" name="Content Placeholder 2"/>
-          <p:cNvSpPr>
-            <a:spLocks noGrp="1"/>
-          </p:cNvSpPr>
-          <p:nvPr>
-            <p:ph idx="1"/>
-          </p:nvPr>
-        </p:nvSpPr>
-        <p:spPr>
-          <a:xfrm>
-            <a:off x="1371600" y="2285999"/>
-            <a:ext cx="8674768" cy="4491789"/>
-          </a:xfrm>
-        </p:spPr>
-        <p:txBody>
-          <a:bodyPr>
-            <a:normAutofit lnSpcReduction="10000"/>
-          </a:bodyPr>
-          <a:lstStyle/>
-          <a:p>
-            <a:r>
-              <a:rPr lang="en-US" sz="3200" dirty="0">
+              <a:t>Eases </a:t>
+            </a:r>
+            <a:r>
+              <a:rPr lang="en-US" b="1" u="sng" dirty="0" smtClean="0">
                 <a:solidFill>
                   <a:schemeClr val="bg1"/>
                 </a:solidFill>
               </a:rPr>
-              <a:t>Even with the most technically proficient minds working on development, it’s all for naught if there isn’t at least one domain expert on the team that knows the exact ins and outs of the subject area on which the application is intended to apply. In some cases, domain-driven design may require the integration of one or more outside team members who can act as domain experts throughout the development life </a:t>
-            </a:r>
-            <a:r>
-              <a:rPr lang="en-US" sz="3200" dirty="0" smtClean="0">
-                <a:solidFill>
-                  <a:schemeClr val="bg1"/>
-                </a:solidFill>
-              </a:rPr>
-              <a:t>cycle.</a:t>
-            </a:r>
-            <a:endParaRPr lang="en-US" sz="3200" dirty="0">
+              <a:t>Communication</a:t>
+            </a:r>
+            <a:endParaRPr lang="bg-BG" b="1" u="sng" dirty="0">
               <a:solidFill>
                 <a:schemeClr val="bg1"/>
               </a:solidFill>
@@ -7563,10 +7402,43 @@
           </a:p>
         </p:txBody>
       </p:sp>
+      <p:sp>
+        <p:nvSpPr>
+          <p:cNvPr id="3" name="Content Placeholder 2"/>
+          <p:cNvSpPr>
+            <a:spLocks noGrp="1"/>
+          </p:cNvSpPr>
+          <p:nvPr>
+            <p:ph idx="1"/>
+          </p:nvPr>
+        </p:nvSpPr>
+        <p:spPr>
+          <a:xfrm>
+            <a:off x="1371600" y="2285999"/>
+            <a:ext cx="8674768" cy="4491789"/>
+          </a:xfrm>
+        </p:spPr>
+        <p:txBody>
+          <a:bodyPr>
+            <a:normAutofit lnSpcReduction="10000"/>
+          </a:bodyPr>
+          <a:lstStyle/>
+          <a:p>
+            <a:r>
+              <a:rPr lang="en-US" sz="3200" dirty="0">
+                <a:solidFill>
+                  <a:schemeClr val="bg1"/>
+                </a:solidFill>
+              </a:rPr>
+              <a:t>With an early emphasis on establishing a common and ubiquitous language related to the domain model of the project, teams will often find communication throughout the entire development life cycle to be much easier. Typically, DDD will require less technical jargon when discussing aspects of the application, since the ubiquitous language established early on will likely define simpler terms to refer to those more technical aspects.</a:t>
+            </a:r>
+          </a:p>
+        </p:txBody>
+      </p:sp>
     </p:spTree>
     <p:extLst>
       <p:ext uri="{BB962C8B-B14F-4D97-AF65-F5344CB8AC3E}">
-        <p14:creationId xmlns:p14="http://schemas.microsoft.com/office/powerpoint/2010/main" val="1251797458"/>
+        <p14:creationId xmlns:p14="http://schemas.microsoft.com/office/powerpoint/2010/main" val="3328177031"/>
       </p:ext>
     </p:extLst>
   </p:cSld>
@@ -7629,7 +7501,7 @@
                   <a:schemeClr val="bg1"/>
                 </a:solidFill>
               </a:rPr>
-              <a:t>Encourages Iterative Practices</a:t>
+              <a:t>Improves Flexibility</a:t>
             </a:r>
           </a:p>
         </p:txBody>
@@ -7662,7 +7534,7 @@
                   <a:schemeClr val="bg1"/>
                 </a:solidFill>
               </a:rPr>
-              <a:t>While many would consider this an advantage, it cannot be denied that </a:t>
+              <a:t>Since DDD is so heavily based around the concepts of object-oriented analysis and design, nearly everything within the domain model will be based on an object and will, therefore, be quite modular and encapsulated. This allows for various components, or even the entire system as a whole, to be altered and improved on a regular, continuous </a:t>
             </a:r>
             <a:r>
               <a:rPr lang="en-US" sz="3200" dirty="0" smtClean="0">
@@ -7670,23 +7542,7 @@
                   <a:schemeClr val="bg1"/>
                 </a:solidFill>
               </a:rPr>
-              <a:t>DDD practices </a:t>
-            </a:r>
-            <a:r>
-              <a:rPr lang="en-US" sz="3200" dirty="0">
-                <a:solidFill>
-                  <a:schemeClr val="bg1"/>
-                </a:solidFill>
-              </a:rPr>
-              <a:t>strongly rely on constant iteration and continuous integration in order to build a malleable project that can adjust itself when necessary. Some organizations may have trouble with these practices, particularly if their past experience is largely tied to less-flexible development models, such as the waterfall model or the </a:t>
-            </a:r>
-            <a:r>
-              <a:rPr lang="en-US" sz="3200" dirty="0" smtClean="0">
-                <a:solidFill>
-                  <a:schemeClr val="bg1"/>
-                </a:solidFill>
-              </a:rPr>
-              <a:t>like.</a:t>
+              <a:t>basis.</a:t>
             </a:r>
             <a:endParaRPr lang="en-US" sz="3200" dirty="0">
               <a:solidFill>
@@ -7699,7 +7555,7 @@
     </p:spTree>
     <p:extLst>
       <p:ext uri="{BB962C8B-B14F-4D97-AF65-F5344CB8AC3E}">
-        <p14:creationId xmlns:p14="http://schemas.microsoft.com/office/powerpoint/2010/main" val="1096094263"/>
+        <p14:creationId xmlns:p14="http://schemas.microsoft.com/office/powerpoint/2010/main" val="3975672870"/>
       </p:ext>
     </p:extLst>
   </p:cSld>
@@ -7762,7 +7618,7 @@
                   <a:schemeClr val="bg1"/>
                 </a:solidFill>
               </a:rPr>
-              <a:t>Ill-Suited for Highly Technical Projects</a:t>
+              <a:t>Emphasizes Domain Over Interface</a:t>
             </a:r>
           </a:p>
         </p:txBody>
@@ -7779,13 +7635,13 @@
         </p:nvSpPr>
         <p:spPr>
           <a:xfrm>
-            <a:off x="1371599" y="1712563"/>
-            <a:ext cx="9601201" cy="5253925"/>
+            <a:off x="1371600" y="1860885"/>
+            <a:ext cx="8674768" cy="4916904"/>
           </a:xfrm>
         </p:spPr>
         <p:txBody>
           <a:bodyPr>
-            <a:normAutofit/>
+            <a:normAutofit lnSpcReduction="10000"/>
           </a:bodyPr>
           <a:lstStyle/>
           <a:p>
@@ -7795,23 +7651,7 @@
                   <a:schemeClr val="bg1"/>
                 </a:solidFill>
               </a:rPr>
-              <a:t>While DDD is great for applications where there is a great deal of domain complexity (where business logic is rather complex and convoluted), DDD is not very well-suited for applications that have marginal domain complexity, but conversely have a great deal of technical complexity. </a:t>
-            </a:r>
-            <a:r>
-              <a:rPr lang="en-US" sz="3200" dirty="0" smtClean="0">
-                <a:solidFill>
-                  <a:schemeClr val="bg1"/>
-                </a:solidFill>
-              </a:rPr>
-              <a:t>Project </a:t>
-            </a:r>
-            <a:r>
-              <a:rPr lang="en-US" sz="3200" dirty="0">
-                <a:solidFill>
-                  <a:schemeClr val="bg1"/>
-                </a:solidFill>
-              </a:rPr>
-              <a:t>that is incredibly technically complex may be challenging for domain experts to grasp, causing problems down the line, perhaps when technical requirements or limitations were not fully understood by all members of the team.</a:t>
+              <a:t>Since DDD is the practice of building around the concepts of domain and what the domain experts within the project advise, DDD will often produce applications that are accurately suited for and representative of the domain at hand, as opposed to those applications which emphasize the UI/UX first and foremost. While an obvious balance is required, the focus on domain means that a DDD approach can produce a product that resonates well with the audience associated with that domain.</a:t>
             </a:r>
           </a:p>
         </p:txBody>
@@ -7819,7 +7659,7 @@
     </p:spTree>
     <p:extLst>
       <p:ext uri="{BB962C8B-B14F-4D97-AF65-F5344CB8AC3E}">
-        <p14:creationId xmlns:p14="http://schemas.microsoft.com/office/powerpoint/2010/main" val="3970883614"/>
+        <p14:creationId xmlns:p14="http://schemas.microsoft.com/office/powerpoint/2010/main" val="3601289814"/>
       </p:ext>
     </p:extLst>
   </p:cSld>
@@ -7947,6 +7787,534 @@
     <p:extLst>
       <p:ext uri="{BB962C8B-B14F-4D97-AF65-F5344CB8AC3E}">
         <p14:creationId xmlns:p14="http://schemas.microsoft.com/office/powerpoint/2010/main" val="3897440521"/>
+      </p:ext>
+    </p:extLst>
+  </p:cSld>
+  <p:clrMapOvr>
+    <a:masterClrMapping/>
+  </p:clrMapOvr>
+  <p:timing>
+    <p:tnLst>
+      <p:par>
+        <p:cTn id="1" dur="indefinite" restart="never" nodeType="tmRoot"/>
+      </p:par>
+    </p:tnLst>
+  </p:timing>
+</p:sld>
+</file>
+
+<file path=ppt/slides/slide30.xml><?xml version="1.0" encoding="utf-8"?>
+<p:sld xmlns:a="http://schemas.openxmlformats.org/drawingml/2006/main" xmlns:r="http://schemas.openxmlformats.org/officeDocument/2006/relationships" xmlns:p="http://schemas.openxmlformats.org/presentationml/2006/main">
+  <p:cSld>
+    <p:spTree>
+      <p:nvGrpSpPr>
+        <p:cNvPr id="1" name=""/>
+        <p:cNvGrpSpPr/>
+        <p:nvPr/>
+      </p:nvGrpSpPr>
+      <p:grpSpPr>
+        <a:xfrm>
+          <a:off x="0" y="0"/>
+          <a:ext cx="0" cy="0"/>
+          <a:chOff x="0" y="0"/>
+          <a:chExt cx="0" cy="0"/>
+        </a:xfrm>
+      </p:grpSpPr>
+      <p:sp>
+        <p:nvSpPr>
+          <p:cNvPr id="4" name="Title 3"/>
+          <p:cNvSpPr>
+            <a:spLocks noGrp="1"/>
+          </p:cNvSpPr>
+          <p:nvPr>
+            <p:ph type="title"/>
+          </p:nvPr>
+        </p:nvSpPr>
+        <p:spPr/>
+        <p:txBody>
+          <a:bodyPr anchor="ctr">
+            <a:normAutofit/>
+          </a:bodyPr>
+          <a:lstStyle/>
+          <a:p>
+            <a:r>
+              <a:rPr lang="en-US" u="sng" dirty="0" smtClean="0">
+                <a:solidFill>
+                  <a:srgbClr val="0070C0"/>
+                </a:solidFill>
+              </a:rPr>
+              <a:t/>
+            </a:r>
+            <a:br>
+              <a:rPr lang="en-US" u="sng" dirty="0" smtClean="0">
+                <a:solidFill>
+                  <a:srgbClr val="0070C0"/>
+                </a:solidFill>
+              </a:rPr>
+            </a:br>
+            <a:r>
+              <a:rPr lang="en-US" u="sng" dirty="0" smtClean="0">
+                <a:solidFill>
+                  <a:srgbClr val="0070C0"/>
+                </a:solidFill>
+              </a:rPr>
+              <a:t>Disadvantages of DDD:</a:t>
+            </a:r>
+            <a:endParaRPr lang="en-US" sz="3600" dirty="0">
+              <a:solidFill>
+                <a:schemeClr val="tx1"/>
+              </a:solidFill>
+            </a:endParaRPr>
+          </a:p>
+        </p:txBody>
+      </p:sp>
+      <p:sp>
+        <p:nvSpPr>
+          <p:cNvPr id="3" name="Content Placeholder 2"/>
+          <p:cNvSpPr>
+            <a:spLocks noGrp="1"/>
+          </p:cNvSpPr>
+          <p:nvPr>
+            <p:ph idx="1"/>
+          </p:nvPr>
+        </p:nvSpPr>
+        <p:spPr>
+          <a:xfrm>
+            <a:off x="1371600" y="2743200"/>
+            <a:ext cx="9601200" cy="3769896"/>
+          </a:xfrm>
+        </p:spPr>
+        <p:txBody>
+          <a:bodyPr>
+            <a:normAutofit/>
+          </a:bodyPr>
+          <a:lstStyle/>
+          <a:p>
+            <a:r>
+              <a:rPr lang="en-US" sz="3200" dirty="0">
+                <a:solidFill>
+                  <a:prstClr val="black"/>
+                </a:solidFill>
+                <a:ea typeface="+mj-ea"/>
+                <a:cs typeface="+mj-cs"/>
+              </a:rPr>
+              <a:t>Requires Robust Domain Expertise</a:t>
+            </a:r>
+            <a:endParaRPr lang="en-US" sz="3200" dirty="0" smtClean="0">
+              <a:solidFill>
+                <a:prstClr val="black"/>
+              </a:solidFill>
+              <a:ea typeface="+mj-ea"/>
+              <a:cs typeface="+mj-cs"/>
+            </a:endParaRPr>
+          </a:p>
+          <a:p>
+            <a:r>
+              <a:rPr lang="en-US" sz="3200" dirty="0">
+                <a:solidFill>
+                  <a:prstClr val="black"/>
+                </a:solidFill>
+                <a:ea typeface="+mj-ea"/>
+                <a:cs typeface="+mj-cs"/>
+              </a:rPr>
+              <a:t>Encourages Iterative Practices</a:t>
+            </a:r>
+            <a:endParaRPr lang="en-US" sz="3200" dirty="0" smtClean="0">
+              <a:solidFill>
+                <a:prstClr val="black"/>
+              </a:solidFill>
+              <a:ea typeface="+mj-ea"/>
+              <a:cs typeface="+mj-cs"/>
+            </a:endParaRPr>
+          </a:p>
+          <a:p>
+            <a:r>
+              <a:rPr lang="en-US" sz="3200" dirty="0">
+                <a:solidFill>
+                  <a:prstClr val="black"/>
+                </a:solidFill>
+                <a:ea typeface="+mj-ea"/>
+                <a:cs typeface="+mj-cs"/>
+              </a:rPr>
+              <a:t>Ill-Suited for Highly Technical Projects</a:t>
+            </a:r>
+          </a:p>
+        </p:txBody>
+      </p:sp>
+    </p:spTree>
+    <p:extLst>
+      <p:ext uri="{BB962C8B-B14F-4D97-AF65-F5344CB8AC3E}">
+        <p14:creationId xmlns:p14="http://schemas.microsoft.com/office/powerpoint/2010/main" val="755378285"/>
+      </p:ext>
+    </p:extLst>
+  </p:cSld>
+  <p:clrMapOvr>
+    <a:masterClrMapping/>
+  </p:clrMapOvr>
+  <p:timing>
+    <p:tnLst>
+      <p:par>
+        <p:cTn id="1" dur="indefinite" restart="never" nodeType="tmRoot"/>
+      </p:par>
+    </p:tnLst>
+  </p:timing>
+</p:sld>
+</file>
+
+<file path=ppt/slides/slide31.xml><?xml version="1.0" encoding="utf-8"?>
+<p:sld xmlns:a="http://schemas.openxmlformats.org/drawingml/2006/main" xmlns:r="http://schemas.openxmlformats.org/officeDocument/2006/relationships" xmlns:p="http://schemas.openxmlformats.org/presentationml/2006/main">
+  <p:cSld>
+    <p:bg>
+      <p:bgPr>
+        <a:solidFill>
+          <a:srgbClr val="0070C0"/>
+        </a:solidFill>
+        <a:effectLst/>
+      </p:bgPr>
+    </p:bg>
+    <p:spTree>
+      <p:nvGrpSpPr>
+        <p:cNvPr id="1" name=""/>
+        <p:cNvGrpSpPr/>
+        <p:nvPr/>
+      </p:nvGrpSpPr>
+      <p:grpSpPr>
+        <a:xfrm>
+          <a:off x="0" y="0"/>
+          <a:ext cx="0" cy="0"/>
+          <a:chOff x="0" y="0"/>
+          <a:chExt cx="0" cy="0"/>
+        </a:xfrm>
+      </p:grpSpPr>
+      <p:sp>
+        <p:nvSpPr>
+          <p:cNvPr id="2" name="Title 1"/>
+          <p:cNvSpPr>
+            <a:spLocks noGrp="1"/>
+          </p:cNvSpPr>
+          <p:nvPr>
+            <p:ph type="title"/>
+          </p:nvPr>
+        </p:nvSpPr>
+        <p:spPr/>
+        <p:txBody>
+          <a:bodyPr/>
+          <a:lstStyle/>
+          <a:p>
+            <a:r>
+              <a:rPr lang="en-US" b="1" u="sng" dirty="0">
+                <a:solidFill>
+                  <a:schemeClr val="bg1"/>
+                </a:solidFill>
+              </a:rPr>
+              <a:t>Requires Robust Domain Expertise</a:t>
+            </a:r>
+          </a:p>
+        </p:txBody>
+      </p:sp>
+      <p:sp>
+        <p:nvSpPr>
+          <p:cNvPr id="3" name="Content Placeholder 2"/>
+          <p:cNvSpPr>
+            <a:spLocks noGrp="1"/>
+          </p:cNvSpPr>
+          <p:nvPr>
+            <p:ph idx="1"/>
+          </p:nvPr>
+        </p:nvSpPr>
+        <p:spPr>
+          <a:xfrm>
+            <a:off x="1371600" y="2285999"/>
+            <a:ext cx="8674768" cy="4491789"/>
+          </a:xfrm>
+        </p:spPr>
+        <p:txBody>
+          <a:bodyPr>
+            <a:normAutofit lnSpcReduction="10000"/>
+          </a:bodyPr>
+          <a:lstStyle/>
+          <a:p>
+            <a:r>
+              <a:rPr lang="en-US" sz="3200" dirty="0">
+                <a:solidFill>
+                  <a:schemeClr val="bg1"/>
+                </a:solidFill>
+              </a:rPr>
+              <a:t>Even with the most technically proficient minds working on development, it’s all for naught if there isn’t at least one domain expert on the team that knows the exact ins and outs of the subject area on which the application is intended to apply. In some cases, domain-driven design may require the integration of one or more outside team members who can act as domain experts throughout the development life </a:t>
+            </a:r>
+            <a:r>
+              <a:rPr lang="en-US" sz="3200" dirty="0" smtClean="0">
+                <a:solidFill>
+                  <a:schemeClr val="bg1"/>
+                </a:solidFill>
+              </a:rPr>
+              <a:t>cycle.</a:t>
+            </a:r>
+            <a:endParaRPr lang="en-US" sz="3200" dirty="0">
+              <a:solidFill>
+                <a:schemeClr val="bg1"/>
+              </a:solidFill>
+            </a:endParaRPr>
+          </a:p>
+        </p:txBody>
+      </p:sp>
+    </p:spTree>
+    <p:extLst>
+      <p:ext uri="{BB962C8B-B14F-4D97-AF65-F5344CB8AC3E}">
+        <p14:creationId xmlns:p14="http://schemas.microsoft.com/office/powerpoint/2010/main" val="1251797458"/>
+      </p:ext>
+    </p:extLst>
+  </p:cSld>
+  <p:clrMapOvr>
+    <a:masterClrMapping/>
+  </p:clrMapOvr>
+  <p:timing>
+    <p:tnLst>
+      <p:par>
+        <p:cTn id="1" dur="indefinite" restart="never" nodeType="tmRoot"/>
+      </p:par>
+    </p:tnLst>
+  </p:timing>
+</p:sld>
+</file>
+
+<file path=ppt/slides/slide32.xml><?xml version="1.0" encoding="utf-8"?>
+<p:sld xmlns:a="http://schemas.openxmlformats.org/drawingml/2006/main" xmlns:r="http://schemas.openxmlformats.org/officeDocument/2006/relationships" xmlns:p="http://schemas.openxmlformats.org/presentationml/2006/main">
+  <p:cSld>
+    <p:bg>
+      <p:bgPr>
+        <a:solidFill>
+          <a:srgbClr val="0070C0"/>
+        </a:solidFill>
+        <a:effectLst/>
+      </p:bgPr>
+    </p:bg>
+    <p:spTree>
+      <p:nvGrpSpPr>
+        <p:cNvPr id="1" name=""/>
+        <p:cNvGrpSpPr/>
+        <p:nvPr/>
+      </p:nvGrpSpPr>
+      <p:grpSpPr>
+        <a:xfrm>
+          <a:off x="0" y="0"/>
+          <a:ext cx="0" cy="0"/>
+          <a:chOff x="0" y="0"/>
+          <a:chExt cx="0" cy="0"/>
+        </a:xfrm>
+      </p:grpSpPr>
+      <p:sp>
+        <p:nvSpPr>
+          <p:cNvPr id="2" name="Title 1"/>
+          <p:cNvSpPr>
+            <a:spLocks noGrp="1"/>
+          </p:cNvSpPr>
+          <p:nvPr>
+            <p:ph type="title"/>
+          </p:nvPr>
+        </p:nvSpPr>
+        <p:spPr/>
+        <p:txBody>
+          <a:bodyPr/>
+          <a:lstStyle/>
+          <a:p>
+            <a:r>
+              <a:rPr lang="en-US" b="1" u="sng" dirty="0">
+                <a:solidFill>
+                  <a:schemeClr val="bg1"/>
+                </a:solidFill>
+              </a:rPr>
+              <a:t>Encourages Iterative Practices</a:t>
+            </a:r>
+          </a:p>
+        </p:txBody>
+      </p:sp>
+      <p:sp>
+        <p:nvSpPr>
+          <p:cNvPr id="3" name="Content Placeholder 2"/>
+          <p:cNvSpPr>
+            <a:spLocks noGrp="1"/>
+          </p:cNvSpPr>
+          <p:nvPr>
+            <p:ph idx="1"/>
+          </p:nvPr>
+        </p:nvSpPr>
+        <p:spPr>
+          <a:xfrm>
+            <a:off x="1371600" y="2285999"/>
+            <a:ext cx="8674768" cy="4491789"/>
+          </a:xfrm>
+        </p:spPr>
+        <p:txBody>
+          <a:bodyPr>
+            <a:normAutofit/>
+          </a:bodyPr>
+          <a:lstStyle/>
+          <a:p>
+            <a:r>
+              <a:rPr lang="en-US" sz="3200" dirty="0">
+                <a:solidFill>
+                  <a:schemeClr val="bg1"/>
+                </a:solidFill>
+              </a:rPr>
+              <a:t>While many would consider this an advantage, it cannot be denied that </a:t>
+            </a:r>
+            <a:r>
+              <a:rPr lang="en-US" sz="3200" dirty="0" smtClean="0">
+                <a:solidFill>
+                  <a:schemeClr val="bg1"/>
+                </a:solidFill>
+              </a:rPr>
+              <a:t>DDD practices </a:t>
+            </a:r>
+            <a:r>
+              <a:rPr lang="en-US" sz="3200" dirty="0">
+                <a:solidFill>
+                  <a:schemeClr val="bg1"/>
+                </a:solidFill>
+              </a:rPr>
+              <a:t>strongly rely on constant iteration and continuous integration in order to build a malleable project that can adjust itself when necessary. Some organizations may have trouble with these practices, particularly if their past experience is largely tied to less-flexible development models, such as the waterfall model or the </a:t>
+            </a:r>
+            <a:r>
+              <a:rPr lang="en-US" sz="3200" dirty="0" smtClean="0">
+                <a:solidFill>
+                  <a:schemeClr val="bg1"/>
+                </a:solidFill>
+              </a:rPr>
+              <a:t>like.</a:t>
+            </a:r>
+            <a:endParaRPr lang="en-US" sz="3200" dirty="0">
+              <a:solidFill>
+                <a:schemeClr val="bg1"/>
+              </a:solidFill>
+            </a:endParaRPr>
+          </a:p>
+        </p:txBody>
+      </p:sp>
+    </p:spTree>
+    <p:extLst>
+      <p:ext uri="{BB962C8B-B14F-4D97-AF65-F5344CB8AC3E}">
+        <p14:creationId xmlns:p14="http://schemas.microsoft.com/office/powerpoint/2010/main" val="1096094263"/>
+      </p:ext>
+    </p:extLst>
+  </p:cSld>
+  <p:clrMapOvr>
+    <a:masterClrMapping/>
+  </p:clrMapOvr>
+  <p:timing>
+    <p:tnLst>
+      <p:par>
+        <p:cTn id="1" dur="indefinite" restart="never" nodeType="tmRoot"/>
+      </p:par>
+    </p:tnLst>
+  </p:timing>
+</p:sld>
+</file>
+
+<file path=ppt/slides/slide33.xml><?xml version="1.0" encoding="utf-8"?>
+<p:sld xmlns:a="http://schemas.openxmlformats.org/drawingml/2006/main" xmlns:r="http://schemas.openxmlformats.org/officeDocument/2006/relationships" xmlns:p="http://schemas.openxmlformats.org/presentationml/2006/main">
+  <p:cSld>
+    <p:bg>
+      <p:bgPr>
+        <a:solidFill>
+          <a:srgbClr val="0070C0"/>
+        </a:solidFill>
+        <a:effectLst/>
+      </p:bgPr>
+    </p:bg>
+    <p:spTree>
+      <p:nvGrpSpPr>
+        <p:cNvPr id="1" name=""/>
+        <p:cNvGrpSpPr/>
+        <p:nvPr/>
+      </p:nvGrpSpPr>
+      <p:grpSpPr>
+        <a:xfrm>
+          <a:off x="0" y="0"/>
+          <a:ext cx="0" cy="0"/>
+          <a:chOff x="0" y="0"/>
+          <a:chExt cx="0" cy="0"/>
+        </a:xfrm>
+      </p:grpSpPr>
+      <p:sp>
+        <p:nvSpPr>
+          <p:cNvPr id="2" name="Title 1"/>
+          <p:cNvSpPr>
+            <a:spLocks noGrp="1"/>
+          </p:cNvSpPr>
+          <p:nvPr>
+            <p:ph type="title"/>
+          </p:nvPr>
+        </p:nvSpPr>
+        <p:spPr/>
+        <p:txBody>
+          <a:bodyPr/>
+          <a:lstStyle/>
+          <a:p>
+            <a:r>
+              <a:rPr lang="en-US" b="1" u="sng" dirty="0">
+                <a:solidFill>
+                  <a:schemeClr val="bg1"/>
+                </a:solidFill>
+              </a:rPr>
+              <a:t>Ill-Suited for Highly Technical Projects</a:t>
+            </a:r>
+          </a:p>
+        </p:txBody>
+      </p:sp>
+      <p:sp>
+        <p:nvSpPr>
+          <p:cNvPr id="3" name="Content Placeholder 2"/>
+          <p:cNvSpPr>
+            <a:spLocks noGrp="1"/>
+          </p:cNvSpPr>
+          <p:nvPr>
+            <p:ph idx="1"/>
+          </p:nvPr>
+        </p:nvSpPr>
+        <p:spPr>
+          <a:xfrm>
+            <a:off x="1371599" y="1712563"/>
+            <a:ext cx="9601201" cy="5253925"/>
+          </a:xfrm>
+        </p:spPr>
+        <p:txBody>
+          <a:bodyPr>
+            <a:normAutofit/>
+          </a:bodyPr>
+          <a:lstStyle/>
+          <a:p>
+            <a:r>
+              <a:rPr lang="en-US" sz="3200" dirty="0">
+                <a:solidFill>
+                  <a:schemeClr val="bg1"/>
+                </a:solidFill>
+              </a:rPr>
+              <a:t>While DDD is great for applications where there is a great deal of domain complexity (where business logic is rather complex and convoluted), DDD is not very well-suited for applications that have marginal domain complexity, but conversely have a great deal of technical complexity. </a:t>
+            </a:r>
+            <a:r>
+              <a:rPr lang="en-US" sz="3200" dirty="0" smtClean="0">
+                <a:solidFill>
+                  <a:schemeClr val="bg1"/>
+                </a:solidFill>
+              </a:rPr>
+              <a:t>Project </a:t>
+            </a:r>
+            <a:r>
+              <a:rPr lang="en-US" sz="3200" dirty="0">
+                <a:solidFill>
+                  <a:schemeClr val="bg1"/>
+                </a:solidFill>
+              </a:rPr>
+              <a:t>that is incredibly technically complex may be challenging for domain experts to grasp, causing problems down the line, perhaps when technical requirements or limitations were not fully understood by all members of the team.</a:t>
+            </a:r>
+          </a:p>
+        </p:txBody>
+      </p:sp>
+    </p:spTree>
+    <p:extLst>
+      <p:ext uri="{BB962C8B-B14F-4D97-AF65-F5344CB8AC3E}">
+        <p14:creationId xmlns:p14="http://schemas.microsoft.com/office/powerpoint/2010/main" val="3970883614"/>
       </p:ext>
     </p:extLst>
   </p:cSld>
@@ -8524,7 +8892,7 @@
                   <a:schemeClr val="bg1"/>
                 </a:solidFill>
               </a:rPr>
-              <a:t>Context</a:t>
+              <a:t>Model</a:t>
             </a:r>
             <a:endParaRPr lang="bg-BG" b="1" u="sng" dirty="0">
               <a:solidFill>
@@ -8562,7 +8930,7 @@
                   <a:schemeClr val="bg1"/>
                 </a:solidFill>
               </a:rPr>
-              <a:t>The setting in which a word or statement appears that determines its meaning. Statements about a model can only be understood in a </a:t>
+              <a:t>A system of abstractions that describes selected aspects of a domain and can be used to solve problems related to that </a:t>
             </a:r>
             <a:r>
               <a:rPr lang="en-US" sz="3200" dirty="0" smtClean="0">
@@ -8570,7 +8938,7 @@
                   <a:schemeClr val="bg1"/>
                 </a:solidFill>
               </a:rPr>
-              <a:t>context.</a:t>
+              <a:t>domain.</a:t>
             </a:r>
             <a:endParaRPr lang="en-US" sz="3200" dirty="0">
               <a:solidFill>
@@ -8583,7 +8951,7 @@
     </p:spTree>
     <p:extLst>
       <p:ext uri="{BB962C8B-B14F-4D97-AF65-F5344CB8AC3E}">
-        <p14:creationId xmlns:p14="http://schemas.microsoft.com/office/powerpoint/2010/main" val="1869702916"/>
+        <p14:creationId xmlns:p14="http://schemas.microsoft.com/office/powerpoint/2010/main" val="1269987864"/>
       </p:ext>
     </p:extLst>
   </p:cSld>
@@ -8646,7 +9014,7 @@
                   <a:schemeClr val="bg1"/>
                 </a:solidFill>
               </a:rPr>
-              <a:t>Model</a:t>
+              <a:t>Context</a:t>
             </a:r>
             <a:endParaRPr lang="bg-BG" b="1" u="sng" dirty="0">
               <a:solidFill>
@@ -8684,7 +9052,7 @@
                   <a:schemeClr val="bg1"/>
                 </a:solidFill>
               </a:rPr>
-              <a:t>A system of abstractions that describes selected aspects of a domain and can be used to solve problems related to that </a:t>
+              <a:t>The setting in which a word or statement appears that determines its meaning. Statements about a model can only be understood in a </a:t>
             </a:r>
             <a:r>
               <a:rPr lang="en-US" sz="3200" dirty="0" smtClean="0">
@@ -8692,7 +9060,7 @@
                   <a:schemeClr val="bg1"/>
                 </a:solidFill>
               </a:rPr>
-              <a:t>domain.</a:t>
+              <a:t>context.</a:t>
             </a:r>
             <a:endParaRPr lang="en-US" sz="3200" dirty="0">
               <a:solidFill>
@@ -8705,7 +9073,7 @@
     </p:spTree>
     <p:extLst>
       <p:ext uri="{BB962C8B-B14F-4D97-AF65-F5344CB8AC3E}">
-        <p14:creationId xmlns:p14="http://schemas.microsoft.com/office/powerpoint/2010/main" val="1269987864"/>
+        <p14:creationId xmlns:p14="http://schemas.microsoft.com/office/powerpoint/2010/main" val="1869702916"/>
       </p:ext>
     </p:extLst>
   </p:cSld>
